--- a/docs/part2os/10_Permissions/OS_Lecture_10.pptx
+++ b/docs/part2os/10_Permissions/OS_Lecture_10.pptx
@@ -5,24 +5,31 @@
     <p:sldMasterId id="2147483648" r:id="rId1"/>
   </p:sldMasterIdLst>
   <p:notesMasterIdLst>
-    <p:notesMasterId r:id="rId14"/>
+    <p:notesMasterId r:id="rId21"/>
   </p:notesMasterIdLst>
   <p:handoutMasterIdLst>
-    <p:handoutMasterId r:id="rId15"/>
+    <p:handoutMasterId r:id="rId22"/>
   </p:handoutMasterIdLst>
   <p:sldIdLst>
     <p:sldId id="256" r:id="rId2"/>
     <p:sldId id="273" r:id="rId3"/>
-    <p:sldId id="276" r:id="rId4"/>
-    <p:sldId id="275" r:id="rId5"/>
+    <p:sldId id="275" r:id="rId4"/>
+    <p:sldId id="276" r:id="rId5"/>
     <p:sldId id="274" r:id="rId6"/>
-    <p:sldId id="282" r:id="rId7"/>
-    <p:sldId id="277" r:id="rId8"/>
-    <p:sldId id="278" r:id="rId9"/>
-    <p:sldId id="279" r:id="rId10"/>
-    <p:sldId id="280" r:id="rId11"/>
-    <p:sldId id="281" r:id="rId12"/>
-    <p:sldId id="272" r:id="rId13"/>
+    <p:sldId id="285" r:id="rId7"/>
+    <p:sldId id="289" r:id="rId8"/>
+    <p:sldId id="282" r:id="rId9"/>
+    <p:sldId id="277" r:id="rId10"/>
+    <p:sldId id="278" r:id="rId11"/>
+    <p:sldId id="279" r:id="rId12"/>
+    <p:sldId id="280" r:id="rId13"/>
+    <p:sldId id="288" r:id="rId14"/>
+    <p:sldId id="281" r:id="rId15"/>
+    <p:sldId id="286" r:id="rId16"/>
+    <p:sldId id="287" r:id="rId17"/>
+    <p:sldId id="283" r:id="rId18"/>
+    <p:sldId id="284" r:id="rId19"/>
+    <p:sldId id="272" r:id="rId20"/>
   </p:sldIdLst>
   <p:sldSz cx="12192000" cy="6858000"/>
   <p:notesSz cx="6858000" cy="9144000"/>
@@ -245,7 +252,7 @@
             <a:fld id="{D0106195-8D78-4F6F-B8E4-FA67975ACEF5}" type="datetimeFigureOut">
               <a:rPr lang="ru-RU" smtClean="0"/>
               <a:pPr/>
-              <a:t>23.05.2021</a:t>
+              <a:t>24.05.2021</a:t>
             </a:fld>
             <a:endParaRPr lang="ru-RU"/>
           </a:p>
@@ -413,7 +420,7 @@
             <a:fld id="{878212F1-C3D9-4F2B-8F42-5E960FE8BE51}" type="datetimeFigureOut">
               <a:rPr lang="ru-RU" smtClean="0"/>
               <a:pPr/>
-              <a:t>23.05.2021</a:t>
+              <a:t>24.05.2021</a:t>
             </a:fld>
             <a:endParaRPr lang="ru-RU"/>
           </a:p>
@@ -910,7 +917,7 @@
             <a:fld id="{5583B3A5-99BF-45D9-956B-DC57CC23AD97}" type="slidenum">
               <a:rPr lang="ru-RU" smtClean="0"/>
               <a:pPr/>
-              <a:t>12</a:t>
+              <a:t>19</a:t>
             </a:fld>
             <a:endParaRPr lang="ru-RU"/>
           </a:p>
@@ -4250,79 +4257,81 @@
             <p:ph idx="1"/>
           </p:nvPr>
         </p:nvSpPr>
-        <p:spPr/>
-        <p:txBody>
-          <a:bodyPr/>
-          <a:lstStyle/>
-          <a:p>
-            <a:r>
-              <a:rPr lang="en-US" dirty="0"/>
-              <a:t>r = 4</a:t>
-            </a:r>
-          </a:p>
-          <a:p>
-            <a:r>
-              <a:rPr lang="en-US" dirty="0"/>
-              <a:t>w = 2</a:t>
-            </a:r>
-          </a:p>
-          <a:p>
-            <a:r>
-              <a:rPr lang="en-US" dirty="0"/>
-              <a:t>x = </a:t>
-            </a:r>
+        <p:spPr>
+          <a:xfrm>
+            <a:off x="838200" y="1178053"/>
+            <a:ext cx="10515600" cy="5492304"/>
+          </a:xfrm>
+        </p:spPr>
+        <p:txBody>
+          <a:bodyPr>
+            <a:normAutofit/>
+          </a:bodyPr>
+          <a:lstStyle/>
+          <a:p>
+            <a:pPr>
+              <a:lnSpc>
+                <a:spcPct val="100000"/>
+              </a:lnSpc>
+            </a:pPr>
             <a:r>
               <a:rPr lang="en-US" dirty="0" smtClean="0"/>
-              <a:t>1</a:t>
-            </a:r>
-          </a:p>
-          <a:p>
+              <a:t>Utility “ls”</a:t>
+            </a:r>
+          </a:p>
+          <a:p>
+            <a:pPr>
+              <a:lnSpc>
+                <a:spcPct val="100000"/>
+              </a:lnSpc>
+            </a:pPr>
+            <a:endParaRPr lang="en-US" dirty="0" smtClean="0"/>
+          </a:p>
+          <a:p>
+            <a:pPr>
+              <a:lnSpc>
+                <a:spcPct val="100000"/>
+              </a:lnSpc>
+            </a:pPr>
+            <a:endParaRPr lang="en-US" dirty="0" smtClean="0"/>
+          </a:p>
+          <a:p>
+            <a:pPr>
+              <a:lnSpc>
+                <a:spcPct val="100000"/>
+              </a:lnSpc>
+            </a:pPr>
             <a:endParaRPr lang="en-US" dirty="0"/>
           </a:p>
           <a:p>
-            <a:pPr marL="0" indent="0">
-              <a:buNone/>
+            <a:pPr>
+              <a:lnSpc>
+                <a:spcPct val="100000"/>
+              </a:lnSpc>
             </a:pPr>
-            <a:r>
-              <a:rPr lang="en-US" sz="3200" dirty="0"/>
-              <a:t>A sample permission string would be </a:t>
-            </a:r>
-            <a:r>
-              <a:rPr lang="en-US" sz="3200" b="1" dirty="0" err="1"/>
+            <a:endParaRPr lang="en-US" dirty="0" smtClean="0"/>
+          </a:p>
+          <a:p>
+            <a:pPr>
+              <a:lnSpc>
+                <a:spcPct val="100000"/>
+              </a:lnSpc>
+            </a:pPr>
+            <a:r>
+              <a:rPr lang="en-US" dirty="0" smtClean="0"/>
+              <a:t>Utility “</a:t>
+            </a:r>
+            <a:r>
+              <a:rPr lang="en-US" dirty="0" err="1" smtClean="0"/>
               <a:t>chmod</a:t>
             </a:r>
             <a:r>
-              <a:rPr lang="en-US" sz="3200" b="1" dirty="0"/>
-              <a:t> 640 file1</a:t>
-            </a:r>
-            <a:r>
-              <a:rPr lang="en-US" sz="3200" dirty="0"/>
-              <a:t>, which means that the </a:t>
-            </a:r>
-            <a:r>
-              <a:rPr lang="en-US" sz="3200" u="sng" dirty="0"/>
-              <a:t>owner has read and write permissions</a:t>
-            </a:r>
-            <a:r>
-              <a:rPr lang="en-US" sz="3200" dirty="0"/>
-              <a:t>, the </a:t>
-            </a:r>
-            <a:r>
-              <a:rPr lang="en-US" sz="3200" u="sng" dirty="0"/>
-              <a:t>group has read permissions</a:t>
-            </a:r>
-            <a:r>
-              <a:rPr lang="en-US" sz="3200" dirty="0"/>
-              <a:t>, and all </a:t>
-            </a:r>
-            <a:r>
-              <a:rPr lang="en-US" sz="3200" u="sng" dirty="0"/>
-              <a:t>other user have no rights </a:t>
-            </a:r>
-            <a:r>
-              <a:rPr lang="en-US" sz="3200" dirty="0"/>
-              <a:t>to the file.</a:t>
-            </a:r>
+              <a:rPr lang="en-US" dirty="0" smtClean="0"/>
+              <a:t>”</a:t>
+            </a:r>
+          </a:p>
+          <a:p>
+            <a:endParaRPr lang="en-US" dirty="0"/>
           </a:p>
         </p:txBody>
       </p:sp>
@@ -4363,21 +4372,508 @@
         </p:nvSpPr>
         <p:spPr/>
         <p:txBody>
-          <a:bodyPr/>
+          <a:bodyPr>
+            <a:normAutofit/>
+          </a:bodyPr>
           <a:lstStyle/>
           <a:p>
             <a:r>
               <a:rPr lang="en-US" dirty="0" smtClean="0"/>
-              <a:t>Numeric Values for Permissions</a:t>
+              <a:t>Getting and Setting Permissions</a:t>
             </a:r>
             <a:endParaRPr lang="en-US" dirty="0"/>
+          </a:p>
+        </p:txBody>
+      </p:sp>
+      <p:sp>
+        <p:nvSpPr>
+          <p:cNvPr id="5" name="Rectangle 4"/>
+          <p:cNvSpPr/>
+          <p:nvPr/>
+        </p:nvSpPr>
+        <p:spPr>
+          <a:xfrm>
+            <a:off x="2918793" y="1873363"/>
+            <a:ext cx="6682409" cy="1938992"/>
+          </a:xfrm>
+          <a:prstGeom prst="rect">
+            <a:avLst/>
+          </a:prstGeom>
+          <a:solidFill>
+            <a:srgbClr val="2F5CB5"/>
+          </a:solidFill>
+        </p:spPr>
+        <p:txBody>
+          <a:bodyPr wrap="square">
+            <a:spAutoFit/>
+          </a:bodyPr>
+          <a:lstStyle/>
+          <a:p>
+            <a:r>
+              <a:rPr lang="en-US" sz="2000" b="1" dirty="0">
+                <a:solidFill>
+                  <a:srgbClr val="F7B217"/>
+                </a:solidFill>
+              </a:rPr>
+              <a:t>tatarnikov@akos:/home$ cd </a:t>
+            </a:r>
+            <a:r>
+              <a:rPr lang="en-US" sz="2000" b="1" dirty="0" err="1">
+                <a:solidFill>
+                  <a:srgbClr val="F7B217"/>
+                </a:solidFill>
+              </a:rPr>
+              <a:t>tatarnikov</a:t>
+            </a:r>
+            <a:r>
+              <a:rPr lang="en-US" sz="2000" b="1" dirty="0">
+                <a:solidFill>
+                  <a:srgbClr val="F7B217"/>
+                </a:solidFill>
+              </a:rPr>
+              <a:t>/hello/</a:t>
+            </a:r>
+          </a:p>
+          <a:p>
+            <a:r>
+              <a:rPr lang="en-US" sz="2000" b="1" dirty="0">
+                <a:solidFill>
+                  <a:srgbClr val="F7B217"/>
+                </a:solidFill>
+              </a:rPr>
+              <a:t>tatarnikov@akos:~/hello$ ls -l</a:t>
+            </a:r>
+          </a:p>
+          <a:p>
+            <a:r>
+              <a:rPr lang="en-US" sz="2000" b="1" dirty="0">
+                <a:solidFill>
+                  <a:srgbClr val="F7B217"/>
+                </a:solidFill>
+              </a:rPr>
+              <a:t>total 28</a:t>
+            </a:r>
+          </a:p>
+          <a:p>
+            <a:r>
+              <a:rPr lang="en-US" sz="2000" b="1" dirty="0">
+                <a:solidFill>
+                  <a:srgbClr val="F7B217"/>
+                </a:solidFill>
+              </a:rPr>
+              <a:t>-</a:t>
+            </a:r>
+            <a:r>
+              <a:rPr lang="en-US" sz="2000" b="1" dirty="0" err="1">
+                <a:solidFill>
+                  <a:srgbClr val="F7B217"/>
+                </a:solidFill>
+              </a:rPr>
+              <a:t>rwxrwxr</a:t>
+            </a:r>
+            <a:r>
+              <a:rPr lang="en-US" sz="2000" b="1" dirty="0">
+                <a:solidFill>
+                  <a:srgbClr val="F7B217"/>
+                </a:solidFill>
+              </a:rPr>
+              <a:t>-x 1 </a:t>
+            </a:r>
+            <a:r>
+              <a:rPr lang="en-US" sz="2000" b="1" dirty="0" err="1">
+                <a:solidFill>
+                  <a:srgbClr val="F7B217"/>
+                </a:solidFill>
+              </a:rPr>
+              <a:t>tatarnikov</a:t>
+            </a:r>
+            <a:r>
+              <a:rPr lang="en-US" sz="2000" b="1" dirty="0">
+                <a:solidFill>
+                  <a:srgbClr val="F7B217"/>
+                </a:solidFill>
+              </a:rPr>
+              <a:t> </a:t>
+            </a:r>
+            <a:r>
+              <a:rPr lang="en-US" sz="2000" b="1" dirty="0" err="1">
+                <a:solidFill>
+                  <a:srgbClr val="F7B217"/>
+                </a:solidFill>
+              </a:rPr>
+              <a:t>tatarnikov</a:t>
+            </a:r>
+            <a:r>
+              <a:rPr lang="en-US" sz="2000" b="1" dirty="0">
+                <a:solidFill>
+                  <a:srgbClr val="F7B217"/>
+                </a:solidFill>
+              </a:rPr>
+              <a:t> 16696 Apr 12 15:52 hello</a:t>
+            </a:r>
+          </a:p>
+          <a:p>
+            <a:r>
+              <a:rPr lang="en-US" sz="2000" b="1" dirty="0">
+                <a:solidFill>
+                  <a:srgbClr val="F7B217"/>
+                </a:solidFill>
+              </a:rPr>
+              <a:t>-</a:t>
+            </a:r>
+            <a:r>
+              <a:rPr lang="en-US" sz="2000" b="1" dirty="0" err="1">
+                <a:solidFill>
+                  <a:srgbClr val="F7B217"/>
+                </a:solidFill>
+              </a:rPr>
+              <a:t>rw</a:t>
+            </a:r>
+            <a:r>
+              <a:rPr lang="en-US" sz="2000" b="1" dirty="0">
+                <a:solidFill>
+                  <a:srgbClr val="F7B217"/>
+                </a:solidFill>
+              </a:rPr>
+              <a:t>-</a:t>
+            </a:r>
+            <a:r>
+              <a:rPr lang="en-US" sz="2000" b="1" dirty="0" err="1">
+                <a:solidFill>
+                  <a:srgbClr val="F7B217"/>
+                </a:solidFill>
+              </a:rPr>
+              <a:t>rw</a:t>
+            </a:r>
+            <a:r>
+              <a:rPr lang="en-US" sz="2000" b="1" dirty="0">
+                <a:solidFill>
+                  <a:srgbClr val="F7B217"/>
+                </a:solidFill>
+              </a:rPr>
+              <a:t>-r-- 1 </a:t>
+            </a:r>
+            <a:r>
+              <a:rPr lang="en-US" sz="2000" b="1" dirty="0" err="1">
+                <a:solidFill>
+                  <a:srgbClr val="F7B217"/>
+                </a:solidFill>
+              </a:rPr>
+              <a:t>tatarnikov</a:t>
+            </a:r>
+            <a:r>
+              <a:rPr lang="en-US" sz="2000" b="1" dirty="0">
+                <a:solidFill>
+                  <a:srgbClr val="F7B217"/>
+                </a:solidFill>
+              </a:rPr>
+              <a:t> </a:t>
+            </a:r>
+            <a:r>
+              <a:rPr lang="en-US" sz="2000" b="1" dirty="0" err="1">
+                <a:solidFill>
+                  <a:srgbClr val="F7B217"/>
+                </a:solidFill>
+              </a:rPr>
+              <a:t>tatarnikov</a:t>
+            </a:r>
+            <a:r>
+              <a:rPr lang="en-US" sz="2000" b="1" dirty="0">
+                <a:solidFill>
+                  <a:srgbClr val="F7B217"/>
+                </a:solidFill>
+              </a:rPr>
+              <a:t>    71 Apr 12 15:50 </a:t>
+            </a:r>
+            <a:r>
+              <a:rPr lang="en-US" sz="2000" b="1" dirty="0" err="1">
+                <a:solidFill>
+                  <a:srgbClr val="F7B217"/>
+                </a:solidFill>
+              </a:rPr>
+              <a:t>hello.c</a:t>
+            </a:r>
+            <a:endParaRPr lang="en-US" sz="2000" b="1" dirty="0">
+              <a:solidFill>
+                <a:srgbClr val="F7B217"/>
+              </a:solidFill>
+            </a:endParaRPr>
+          </a:p>
+          <a:p>
+            <a:r>
+              <a:rPr lang="en-US" sz="2000" b="1" dirty="0">
+                <a:solidFill>
+                  <a:srgbClr val="F7B217"/>
+                </a:solidFill>
+              </a:rPr>
+              <a:t>-</a:t>
+            </a:r>
+            <a:r>
+              <a:rPr lang="en-US" sz="2000" b="1" dirty="0" err="1">
+                <a:solidFill>
+                  <a:srgbClr val="F7B217"/>
+                </a:solidFill>
+              </a:rPr>
+              <a:t>rw</a:t>
+            </a:r>
+            <a:r>
+              <a:rPr lang="en-US" sz="2000" b="1" dirty="0">
+                <a:solidFill>
+                  <a:srgbClr val="F7B217"/>
+                </a:solidFill>
+              </a:rPr>
+              <a:t>-</a:t>
+            </a:r>
+            <a:r>
+              <a:rPr lang="en-US" sz="2000" b="1" dirty="0" err="1">
+                <a:solidFill>
+                  <a:srgbClr val="F7B217"/>
+                </a:solidFill>
+              </a:rPr>
+              <a:t>rw</a:t>
+            </a:r>
+            <a:r>
+              <a:rPr lang="en-US" sz="2000" b="1" dirty="0">
+                <a:solidFill>
+                  <a:srgbClr val="F7B217"/>
+                </a:solidFill>
+              </a:rPr>
+              <a:t>-r-- 1 </a:t>
+            </a:r>
+            <a:r>
+              <a:rPr lang="en-US" sz="2000" b="1" dirty="0" err="1">
+                <a:solidFill>
+                  <a:srgbClr val="F7B217"/>
+                </a:solidFill>
+              </a:rPr>
+              <a:t>tatarnikov</a:t>
+            </a:r>
+            <a:r>
+              <a:rPr lang="en-US" sz="2000" b="1" dirty="0">
+                <a:solidFill>
+                  <a:srgbClr val="F7B217"/>
+                </a:solidFill>
+              </a:rPr>
+              <a:t> </a:t>
+            </a:r>
+            <a:r>
+              <a:rPr lang="en-US" sz="2000" b="1" dirty="0" err="1">
+                <a:solidFill>
+                  <a:srgbClr val="F7B217"/>
+                </a:solidFill>
+              </a:rPr>
+              <a:t>tatarnikov</a:t>
+            </a:r>
+            <a:r>
+              <a:rPr lang="en-US" sz="2000" b="1" dirty="0">
+                <a:solidFill>
+                  <a:srgbClr val="F7B217"/>
+                </a:solidFill>
+              </a:rPr>
+              <a:t>    56 Apr 12 15:51 </a:t>
+            </a:r>
+            <a:r>
+              <a:rPr lang="en-US" sz="2000" b="1" dirty="0" err="1">
+                <a:solidFill>
+                  <a:srgbClr val="F7B217"/>
+                </a:solidFill>
+              </a:rPr>
+              <a:t>Makefile</a:t>
+            </a:r>
+            <a:endParaRPr lang="en-US" sz="2000" b="1" dirty="0">
+              <a:solidFill>
+                <a:srgbClr val="F7B217"/>
+              </a:solidFill>
+            </a:endParaRPr>
+          </a:p>
+        </p:txBody>
+      </p:sp>
+      <p:sp>
+        <p:nvSpPr>
+          <p:cNvPr id="7" name="Rectangle 6"/>
+          <p:cNvSpPr/>
+          <p:nvPr/>
+        </p:nvSpPr>
+        <p:spPr>
+          <a:xfrm>
+            <a:off x="2918791" y="5422301"/>
+            <a:ext cx="6682409" cy="1015663"/>
+          </a:xfrm>
+          <a:prstGeom prst="rect">
+            <a:avLst/>
+          </a:prstGeom>
+          <a:solidFill>
+            <a:srgbClr val="2F5CB5"/>
+          </a:solidFill>
+          <a:ln>
+            <a:solidFill>
+              <a:srgbClr val="2F5CB5"/>
+            </a:solidFill>
+          </a:ln>
+        </p:spPr>
+        <p:txBody>
+          <a:bodyPr wrap="square">
+            <a:spAutoFit/>
+          </a:bodyPr>
+          <a:lstStyle/>
+          <a:p>
+            <a:r>
+              <a:rPr lang="en-US" sz="2000" b="1" dirty="0">
+                <a:solidFill>
+                  <a:srgbClr val="F7B217"/>
+                </a:solidFill>
+              </a:rPr>
+              <a:t>tatarnikov@akos:~/hello$ </a:t>
+            </a:r>
+            <a:r>
+              <a:rPr lang="en-US" sz="2000" b="1" dirty="0" err="1">
+                <a:solidFill>
+                  <a:srgbClr val="F7B217"/>
+                </a:solidFill>
+              </a:rPr>
+              <a:t>chmod</a:t>
+            </a:r>
+            <a:r>
+              <a:rPr lang="en-US" sz="2000" b="1" dirty="0">
+                <a:solidFill>
+                  <a:srgbClr val="F7B217"/>
+                </a:solidFill>
+              </a:rPr>
+              <a:t> </a:t>
+            </a:r>
+            <a:r>
+              <a:rPr lang="en-US" sz="2000" b="1" dirty="0" err="1">
+                <a:solidFill>
+                  <a:srgbClr val="F7B217"/>
+                </a:solidFill>
+              </a:rPr>
+              <a:t>o+w</a:t>
+            </a:r>
+            <a:r>
+              <a:rPr lang="en-US" sz="2000" b="1" dirty="0">
+                <a:solidFill>
+                  <a:srgbClr val="F7B217"/>
+                </a:solidFill>
+              </a:rPr>
+              <a:t> </a:t>
+            </a:r>
+            <a:r>
+              <a:rPr lang="en-US" sz="2000" b="1" dirty="0" err="1">
+                <a:solidFill>
+                  <a:srgbClr val="F7B217"/>
+                </a:solidFill>
+              </a:rPr>
+              <a:t>hello.c</a:t>
+            </a:r>
+            <a:endParaRPr lang="en-US" sz="2000" b="1" dirty="0">
+              <a:solidFill>
+                <a:srgbClr val="F7B217"/>
+              </a:solidFill>
+            </a:endParaRPr>
+          </a:p>
+          <a:p>
+            <a:r>
+              <a:rPr lang="en-US" sz="2000" b="1" dirty="0">
+                <a:solidFill>
+                  <a:srgbClr val="F7B217"/>
+                </a:solidFill>
+              </a:rPr>
+              <a:t>tatarnikov@akos:~/hello$ ls </a:t>
+            </a:r>
+            <a:r>
+              <a:rPr lang="en-US" sz="2000" b="1" dirty="0" err="1">
+                <a:solidFill>
+                  <a:srgbClr val="F7B217"/>
+                </a:solidFill>
+              </a:rPr>
+              <a:t>hello.c</a:t>
+            </a:r>
+            <a:r>
+              <a:rPr lang="en-US" sz="2000" b="1" dirty="0">
+                <a:solidFill>
+                  <a:srgbClr val="F7B217"/>
+                </a:solidFill>
+              </a:rPr>
+              <a:t> -l</a:t>
+            </a:r>
+          </a:p>
+          <a:p>
+            <a:r>
+              <a:rPr lang="en-US" sz="2000" b="1" dirty="0">
+                <a:solidFill>
+                  <a:srgbClr val="F7B217"/>
+                </a:solidFill>
+              </a:rPr>
+              <a:t>-</a:t>
+            </a:r>
+            <a:r>
+              <a:rPr lang="en-US" sz="2000" b="1" dirty="0" err="1">
+                <a:solidFill>
+                  <a:srgbClr val="F7B217"/>
+                </a:solidFill>
+              </a:rPr>
+              <a:t>rw-rw-rw</a:t>
+            </a:r>
+            <a:r>
+              <a:rPr lang="en-US" sz="2000" b="1" dirty="0">
+                <a:solidFill>
+                  <a:srgbClr val="F7B217"/>
+                </a:solidFill>
+              </a:rPr>
+              <a:t>- 1 </a:t>
+            </a:r>
+            <a:r>
+              <a:rPr lang="en-US" sz="2000" b="1" dirty="0" err="1">
+                <a:solidFill>
+                  <a:srgbClr val="F7B217"/>
+                </a:solidFill>
+              </a:rPr>
+              <a:t>tatarnikov</a:t>
+            </a:r>
+            <a:r>
+              <a:rPr lang="en-US" sz="2000" b="1" dirty="0">
+                <a:solidFill>
+                  <a:srgbClr val="F7B217"/>
+                </a:solidFill>
+              </a:rPr>
+              <a:t> </a:t>
+            </a:r>
+            <a:r>
+              <a:rPr lang="en-US" sz="2000" b="1" dirty="0" err="1">
+                <a:solidFill>
+                  <a:srgbClr val="F7B217"/>
+                </a:solidFill>
+              </a:rPr>
+              <a:t>tatarnikov</a:t>
+            </a:r>
+            <a:r>
+              <a:rPr lang="en-US" sz="2000" b="1" dirty="0">
+                <a:solidFill>
+                  <a:srgbClr val="F7B217"/>
+                </a:solidFill>
+              </a:rPr>
+              <a:t> 71 Apr 12 15:50 </a:t>
+            </a:r>
+            <a:r>
+              <a:rPr lang="en-US" sz="2000" b="1" dirty="0" err="1">
+                <a:solidFill>
+                  <a:srgbClr val="F7B217"/>
+                </a:solidFill>
+              </a:rPr>
+              <a:t>hello.c</a:t>
+            </a:r>
+            <a:endParaRPr lang="en-US" sz="2000" b="1" dirty="0">
+              <a:solidFill>
+                <a:srgbClr val="F7B217"/>
+              </a:solidFill>
+            </a:endParaRPr>
           </a:p>
         </p:txBody>
       </p:sp>
     </p:spTree>
     <p:extLst>
       <p:ext uri="{BB962C8B-B14F-4D97-AF65-F5344CB8AC3E}">
-        <p14:creationId xmlns:p14="http://schemas.microsoft.com/office/powerpoint/2010/main" val="1944198530"/>
+        <p14:creationId xmlns:p14="http://schemas.microsoft.com/office/powerpoint/2010/main" val="2707664117"/>
       </p:ext>
     </p:extLst>
   </p:cSld>
@@ -4421,12 +4917,7 @@
             <p:ph idx="1"/>
           </p:nvPr>
         </p:nvSpPr>
-        <p:spPr>
-          <a:xfrm>
-            <a:off x="838200" y="1178053"/>
-            <a:ext cx="10515600" cy="5492304"/>
-          </a:xfrm>
-        </p:spPr>
+        <p:spPr/>
         <p:txBody>
           <a:bodyPr>
             <a:normAutofit/>
@@ -4434,107 +4925,71 @@
           <a:lstStyle/>
           <a:p>
             <a:r>
-              <a:rPr lang="en-US" b="1" dirty="0"/>
-              <a:t>_</a:t>
-            </a:r>
-            <a:r>
-              <a:rPr lang="en-US" dirty="0"/>
-              <a:t> – no special permissions</a:t>
-            </a:r>
-          </a:p>
-          <a:p>
-            <a:r>
-              <a:rPr lang="en-US" b="1" dirty="0"/>
-              <a:t>d</a:t>
-            </a:r>
-            <a:r>
-              <a:rPr lang="en-US" dirty="0"/>
-              <a:t> – directory</a:t>
-            </a:r>
-          </a:p>
-          <a:p>
-            <a:r>
-              <a:rPr lang="en-US" b="1" dirty="0" smtClean="0"/>
-              <a:t>l </a:t>
-            </a:r>
-            <a:r>
-              <a:rPr lang="en-US" dirty="0" smtClean="0"/>
-              <a:t>– file </a:t>
-            </a:r>
-            <a:r>
-              <a:rPr lang="en-US" dirty="0"/>
-              <a:t>or directory is a symbolic link</a:t>
-            </a:r>
-          </a:p>
-          <a:p>
-            <a:r>
-              <a:rPr lang="en-US" b="1" dirty="0"/>
-              <a:t>s</a:t>
-            </a:r>
-            <a:r>
-              <a:rPr lang="en-US" dirty="0"/>
+              <a:rPr lang="en-US" sz="4000" b="1" dirty="0" smtClean="0"/>
+              <a:t>u</a:t>
+            </a:r>
+            <a:r>
+              <a:rPr lang="en-US" sz="4000" dirty="0" smtClean="0"/>
               <a:t> </a:t>
             </a:r>
             <a:r>
-              <a:rPr lang="en-US" dirty="0" smtClean="0"/>
-              <a:t>–indicates </a:t>
-            </a:r>
-            <a:r>
-              <a:rPr lang="en-US" dirty="0"/>
-              <a:t>the </a:t>
-            </a:r>
-            <a:r>
-              <a:rPr lang="en-US" i="1" dirty="0" err="1"/>
-              <a:t>setuid</a:t>
-            </a:r>
-            <a:r>
-              <a:rPr lang="en-US" dirty="0"/>
-              <a:t>/</a:t>
-            </a:r>
-            <a:r>
-              <a:rPr lang="en-US" i="1" dirty="0" err="1"/>
-              <a:t>setgid</a:t>
-            </a:r>
-            <a:r>
-              <a:rPr lang="en-US" dirty="0"/>
-              <a:t> </a:t>
-            </a:r>
-            <a:r>
-              <a:rPr lang="en-US" dirty="0" smtClean="0"/>
-              <a:t>permissions (if defined is shown in </a:t>
-            </a:r>
-            <a:r>
-              <a:rPr lang="en-US" dirty="0"/>
-              <a:t>the read portion of the owner or group </a:t>
-            </a:r>
-            <a:r>
-              <a:rPr lang="en-US" dirty="0" smtClean="0"/>
-              <a:t>permissions).</a:t>
-            </a:r>
+              <a:rPr lang="en-US" sz="4000" dirty="0"/>
+              <a:t>– Owner</a:t>
+            </a:r>
+          </a:p>
+          <a:p>
+            <a:r>
+              <a:rPr lang="en-US" sz="4000" b="1" dirty="0"/>
+              <a:t>g</a:t>
+            </a:r>
+            <a:r>
+              <a:rPr lang="en-US" sz="4000" dirty="0"/>
+              <a:t> – Group</a:t>
+            </a:r>
+          </a:p>
+          <a:p>
+            <a:r>
+              <a:rPr lang="en-US" sz="4000" b="1" dirty="0"/>
+              <a:t>o</a:t>
+            </a:r>
+            <a:r>
+              <a:rPr lang="en-US" sz="4000" dirty="0"/>
+              <a:t> – Others</a:t>
+            </a:r>
+          </a:p>
+          <a:p>
+            <a:r>
+              <a:rPr lang="en-US" sz="4000" b="1" dirty="0"/>
+              <a:t>a</a:t>
+            </a:r>
+            <a:r>
+              <a:rPr lang="en-US" sz="4000" dirty="0"/>
+              <a:t> – All U</a:t>
+            </a:r>
+            <a:r>
+              <a:rPr lang="en-US" sz="4000" dirty="0" smtClean="0"/>
+              <a:t>sers</a:t>
+            </a:r>
+          </a:p>
+          <a:p>
             <a:endParaRPr lang="en-US" dirty="0"/>
           </a:p>
           <a:p>
-            <a:r>
-              <a:rPr lang="en-US" b="1" dirty="0"/>
-              <a:t>t</a:t>
-            </a:r>
-            <a:r>
-              <a:rPr lang="en-US" dirty="0"/>
-              <a:t> </a:t>
-            </a:r>
-            <a:r>
-              <a:rPr lang="en-US" dirty="0" smtClean="0"/>
-              <a:t>– indicates </a:t>
-            </a:r>
-            <a:r>
-              <a:rPr lang="en-US" dirty="0"/>
-              <a:t>the sticky bit </a:t>
-            </a:r>
-            <a:r>
-              <a:rPr lang="en-US" dirty="0" smtClean="0"/>
-              <a:t>permissions (if defined shown in the executable portion of the all users permissions)</a:t>
-            </a:r>
-            <a:endParaRPr lang="en-US" dirty="0"/>
+            <a:pPr marL="0" indent="0">
+              <a:buNone/>
+            </a:pPr>
+            <a:r>
+              <a:rPr lang="en-US" sz="3200" i="1" dirty="0"/>
+              <a:t>The </a:t>
+            </a:r>
+            <a:r>
+              <a:rPr lang="en-US" sz="3200" i="1" dirty="0" smtClean="0"/>
+              <a:t>permission assignment are: </a:t>
+            </a:r>
+            <a:r>
+              <a:rPr lang="en-US" sz="3200" i="1" dirty="0"/>
+              <a:t>+ (plus) and – (minus); these are used to tell the system whether to add or remove the specific permissions.</a:t>
+            </a:r>
           </a:p>
         </p:txBody>
       </p:sp>
@@ -4579,16 +5034,17 @@
           <a:lstStyle/>
           <a:p>
             <a:r>
-              <a:rPr lang="en-US" dirty="0"/>
-              <a:t>Advanced Permissions</a:t>
-            </a:r>
+              <a:rPr lang="en-US" dirty="0" smtClean="0"/>
+              <a:t>Permission Groups</a:t>
+            </a:r>
+            <a:endParaRPr lang="en-US" dirty="0"/>
           </a:p>
         </p:txBody>
       </p:sp>
     </p:spTree>
     <p:extLst>
       <p:ext uri="{BB962C8B-B14F-4D97-AF65-F5344CB8AC3E}">
-        <p14:creationId xmlns:p14="http://schemas.microsoft.com/office/powerpoint/2010/main" val="3485351284"/>
+        <p14:creationId xmlns:p14="http://schemas.microsoft.com/office/powerpoint/2010/main" val="503571275"/>
       </p:ext>
     </p:extLst>
   </p:cSld>
@@ -4624,6 +5080,3071 @@
       </p:grpSpPr>
       <p:sp>
         <p:nvSpPr>
+          <p:cNvPr id="2" name="Content Placeholder 1"/>
+          <p:cNvSpPr>
+            <a:spLocks noGrp="1"/>
+          </p:cNvSpPr>
+          <p:nvPr>
+            <p:ph idx="1"/>
+          </p:nvPr>
+        </p:nvSpPr>
+        <p:spPr/>
+        <p:txBody>
+          <a:bodyPr/>
+          <a:lstStyle/>
+          <a:p>
+            <a:r>
+              <a:rPr lang="en-US" dirty="0"/>
+              <a:t>r = 4</a:t>
+            </a:r>
+          </a:p>
+          <a:p>
+            <a:r>
+              <a:rPr lang="en-US" dirty="0"/>
+              <a:t>w = 2</a:t>
+            </a:r>
+          </a:p>
+          <a:p>
+            <a:r>
+              <a:rPr lang="en-US" dirty="0"/>
+              <a:t>x = </a:t>
+            </a:r>
+            <a:r>
+              <a:rPr lang="en-US" dirty="0" smtClean="0"/>
+              <a:t>1</a:t>
+            </a:r>
+          </a:p>
+          <a:p>
+            <a:endParaRPr lang="en-US" dirty="0"/>
+          </a:p>
+          <a:p>
+            <a:pPr marL="0" indent="0">
+              <a:buNone/>
+            </a:pPr>
+            <a:r>
+              <a:rPr lang="en-US" sz="3200" dirty="0"/>
+              <a:t>A sample permission string would be </a:t>
+            </a:r>
+            <a:r>
+              <a:rPr lang="en-US" sz="3200" b="1" dirty="0" err="1"/>
+              <a:t>chmod</a:t>
+            </a:r>
+            <a:r>
+              <a:rPr lang="en-US" sz="3200" b="1" dirty="0"/>
+              <a:t> 640 file1</a:t>
+            </a:r>
+            <a:r>
+              <a:rPr lang="en-US" sz="3200" dirty="0"/>
+              <a:t>, which means that the </a:t>
+            </a:r>
+            <a:r>
+              <a:rPr lang="en-US" sz="3200" u="sng" dirty="0"/>
+              <a:t>owner has read and write permissions</a:t>
+            </a:r>
+            <a:r>
+              <a:rPr lang="en-US" sz="3200" dirty="0"/>
+              <a:t>, the </a:t>
+            </a:r>
+            <a:r>
+              <a:rPr lang="en-US" sz="3200" u="sng" dirty="0"/>
+              <a:t>group has read permissions</a:t>
+            </a:r>
+            <a:r>
+              <a:rPr lang="en-US" sz="3200" dirty="0"/>
+              <a:t>, and all </a:t>
+            </a:r>
+            <a:r>
+              <a:rPr lang="en-US" sz="3200" u="sng" dirty="0"/>
+              <a:t>other user have no rights </a:t>
+            </a:r>
+            <a:r>
+              <a:rPr lang="en-US" sz="3200" dirty="0"/>
+              <a:t>to the file.</a:t>
+            </a:r>
+          </a:p>
+        </p:txBody>
+      </p:sp>
+      <p:sp>
+        <p:nvSpPr>
+          <p:cNvPr id="3" name="Slide Number Placeholder 2"/>
+          <p:cNvSpPr>
+            <a:spLocks noGrp="1"/>
+          </p:cNvSpPr>
+          <p:nvPr>
+            <p:ph type="sldNum" sz="quarter" idx="12"/>
+          </p:nvPr>
+        </p:nvSpPr>
+        <p:spPr/>
+        <p:txBody>
+          <a:bodyPr/>
+          <a:lstStyle/>
+          <a:p>
+            <a:pPr algn="ctr"/>
+            <a:fld id="{1397BFD8-F312-4EF2-A268-44FB4BDDBBB0}" type="slidenum">
+              <a:rPr lang="ru-RU" smtClean="0"/>
+              <a:pPr algn="ctr"/>
+              <a:t>12</a:t>
+            </a:fld>
+            <a:endParaRPr lang="ru-RU" dirty="0"/>
+          </a:p>
+        </p:txBody>
+      </p:sp>
+      <p:sp>
+        <p:nvSpPr>
+          <p:cNvPr id="4" name="Title 3"/>
+          <p:cNvSpPr>
+            <a:spLocks noGrp="1"/>
+          </p:cNvSpPr>
+          <p:nvPr>
+            <p:ph type="title"/>
+          </p:nvPr>
+        </p:nvSpPr>
+        <p:spPr/>
+        <p:txBody>
+          <a:bodyPr/>
+          <a:lstStyle/>
+          <a:p>
+            <a:r>
+              <a:rPr lang="en-US" dirty="0" smtClean="0"/>
+              <a:t>Numeric Values for Permissions</a:t>
+            </a:r>
+            <a:endParaRPr lang="en-US" dirty="0"/>
+          </a:p>
+        </p:txBody>
+      </p:sp>
+    </p:spTree>
+    <p:extLst>
+      <p:ext uri="{BB962C8B-B14F-4D97-AF65-F5344CB8AC3E}">
+        <p14:creationId xmlns:p14="http://schemas.microsoft.com/office/powerpoint/2010/main" val="1944198530"/>
+      </p:ext>
+    </p:extLst>
+  </p:cSld>
+  <p:clrMapOvr>
+    <a:masterClrMapping/>
+  </p:clrMapOvr>
+  <p:timing>
+    <p:tnLst>
+      <p:par>
+        <p:cTn id="1" dur="indefinite" restart="never" nodeType="tmRoot"/>
+      </p:par>
+    </p:tnLst>
+  </p:timing>
+</p:sld>
+</file>
+
+<file path=ppt/slides/slide13.xml><?xml version="1.0" encoding="utf-8"?>
+<p:sld xmlns:a="http://schemas.openxmlformats.org/drawingml/2006/main" xmlns:r="http://schemas.openxmlformats.org/officeDocument/2006/relationships" xmlns:p="http://schemas.openxmlformats.org/presentationml/2006/main">
+  <p:cSld>
+    <p:spTree>
+      <p:nvGrpSpPr>
+        <p:cNvPr id="1" name=""/>
+        <p:cNvGrpSpPr/>
+        <p:nvPr/>
+      </p:nvGrpSpPr>
+      <p:grpSpPr>
+        <a:xfrm>
+          <a:off x="0" y="0"/>
+          <a:ext cx="0" cy="0"/>
+          <a:chOff x="0" y="0"/>
+          <a:chExt cx="0" cy="0"/>
+        </a:xfrm>
+      </p:grpSpPr>
+      <p:sp>
+        <p:nvSpPr>
+          <p:cNvPr id="2" name="Content Placeholder 1"/>
+          <p:cNvSpPr>
+            <a:spLocks noGrp="1"/>
+          </p:cNvSpPr>
+          <p:nvPr>
+            <p:ph idx="1"/>
+          </p:nvPr>
+        </p:nvSpPr>
+        <p:spPr>
+          <a:xfrm>
+            <a:off x="900954" y="2965748"/>
+            <a:ext cx="10515600" cy="3704609"/>
+          </a:xfrm>
+        </p:spPr>
+        <p:txBody>
+          <a:bodyPr/>
+          <a:lstStyle/>
+          <a:p>
+            <a:r>
+              <a:rPr lang="en-US" dirty="0" smtClean="0"/>
+              <a:t>Total 12 bits (9 main + 3 additional)</a:t>
+            </a:r>
+          </a:p>
+          <a:p>
+            <a:r>
+              <a:rPr lang="ru-RU" b="1" dirty="0" smtClean="0"/>
+              <a:t>0777</a:t>
+            </a:r>
+            <a:r>
+              <a:rPr lang="ru-RU" dirty="0" smtClean="0"/>
+              <a:t> </a:t>
+            </a:r>
+            <a:r>
+              <a:rPr lang="ru-RU" dirty="0"/>
+              <a:t>— </a:t>
+            </a:r>
+            <a:r>
+              <a:rPr lang="en-US" dirty="0" smtClean="0"/>
+              <a:t>full access for everyone</a:t>
+            </a:r>
+            <a:endParaRPr lang="ru-RU" dirty="0"/>
+          </a:p>
+          <a:p>
+            <a:r>
+              <a:rPr lang="ru-RU" b="1" dirty="0" smtClean="0"/>
+              <a:t>0664</a:t>
+            </a:r>
+            <a:r>
+              <a:rPr lang="ru-RU" dirty="0" smtClean="0"/>
+              <a:t> </a:t>
+            </a:r>
+            <a:r>
+              <a:rPr lang="ru-RU" dirty="0"/>
+              <a:t>— </a:t>
+            </a:r>
+            <a:r>
+              <a:rPr lang="en-US" dirty="0" smtClean="0"/>
+              <a:t>read</a:t>
+            </a:r>
+            <a:r>
+              <a:rPr lang="ru-RU" dirty="0" smtClean="0"/>
+              <a:t>/</a:t>
+            </a:r>
+            <a:r>
+              <a:rPr lang="en-US" dirty="0" smtClean="0"/>
+              <a:t>write permissions for owned and group</a:t>
+            </a:r>
+            <a:r>
+              <a:rPr lang="ru-RU" dirty="0" smtClean="0"/>
+              <a:t>,</a:t>
+            </a:r>
+            <a:r>
+              <a:rPr lang="en-US" dirty="0" smtClean="0"/>
+              <a:t> others read only</a:t>
+            </a:r>
+          </a:p>
+          <a:p>
+            <a:r>
+              <a:rPr lang="ru-RU" b="1" dirty="0" smtClean="0"/>
+              <a:t>0700</a:t>
+            </a:r>
+            <a:r>
+              <a:rPr lang="ru-RU" dirty="0" smtClean="0"/>
+              <a:t> </a:t>
+            </a:r>
+            <a:r>
+              <a:rPr lang="ru-RU" dirty="0"/>
+              <a:t>— </a:t>
+            </a:r>
+            <a:r>
+              <a:rPr lang="en-US" dirty="0" smtClean="0"/>
+              <a:t>only owner (user) has permissions</a:t>
+            </a:r>
+            <a:endParaRPr lang="en-US" dirty="0"/>
+          </a:p>
+        </p:txBody>
+      </p:sp>
+      <p:sp>
+        <p:nvSpPr>
+          <p:cNvPr id="3" name="Slide Number Placeholder 2"/>
+          <p:cNvSpPr>
+            <a:spLocks noGrp="1"/>
+          </p:cNvSpPr>
+          <p:nvPr>
+            <p:ph type="sldNum" sz="quarter" idx="12"/>
+          </p:nvPr>
+        </p:nvSpPr>
+        <p:spPr/>
+        <p:txBody>
+          <a:bodyPr/>
+          <a:lstStyle/>
+          <a:p>
+            <a:pPr algn="ctr"/>
+            <a:fld id="{1397BFD8-F312-4EF2-A268-44FB4BDDBBB0}" type="slidenum">
+              <a:rPr lang="ru-RU" smtClean="0"/>
+              <a:pPr algn="ctr"/>
+              <a:t>13</a:t>
+            </a:fld>
+            <a:endParaRPr lang="ru-RU" dirty="0"/>
+          </a:p>
+        </p:txBody>
+      </p:sp>
+      <p:sp>
+        <p:nvSpPr>
+          <p:cNvPr id="4" name="Title 3"/>
+          <p:cNvSpPr>
+            <a:spLocks noGrp="1"/>
+          </p:cNvSpPr>
+          <p:nvPr>
+            <p:ph type="title"/>
+          </p:nvPr>
+        </p:nvSpPr>
+        <p:spPr/>
+        <p:txBody>
+          <a:bodyPr/>
+          <a:lstStyle/>
+          <a:p>
+            <a:r>
+              <a:rPr lang="en-US" dirty="0" smtClean="0"/>
+              <a:t>Permissions Bits</a:t>
+            </a:r>
+            <a:endParaRPr lang="en-US" dirty="0"/>
+          </a:p>
+        </p:txBody>
+      </p:sp>
+      <p:grpSp>
+        <p:nvGrpSpPr>
+          <p:cNvPr id="26" name="Group 25"/>
+          <p:cNvGrpSpPr/>
+          <p:nvPr/>
+        </p:nvGrpSpPr>
+        <p:grpSpPr>
+          <a:xfrm>
+            <a:off x="1991507" y="1390005"/>
+            <a:ext cx="7395813" cy="1449448"/>
+            <a:chOff x="1991507" y="1390005"/>
+            <a:chExt cx="7395813" cy="1449448"/>
+          </a:xfrm>
+        </p:grpSpPr>
+        <p:grpSp>
+          <p:nvGrpSpPr>
+            <p:cNvPr id="18" name="Group 17"/>
+            <p:cNvGrpSpPr/>
+            <p:nvPr/>
+          </p:nvGrpSpPr>
+          <p:grpSpPr>
+            <a:xfrm>
+              <a:off x="1991507" y="1390005"/>
+              <a:ext cx="7395813" cy="550481"/>
+              <a:chOff x="1991507" y="1390005"/>
+              <a:chExt cx="7395813" cy="550481"/>
+            </a:xfrm>
+          </p:grpSpPr>
+          <p:sp>
+            <p:nvSpPr>
+              <p:cNvPr id="6" name="Rectangle 5"/>
+              <p:cNvSpPr/>
+              <p:nvPr/>
+            </p:nvSpPr>
+            <p:spPr>
+              <a:xfrm>
+                <a:off x="1991507" y="1390005"/>
+                <a:ext cx="616226" cy="550480"/>
+              </a:xfrm>
+              <a:prstGeom prst="rect">
+                <a:avLst/>
+              </a:prstGeom>
+              <a:solidFill>
+                <a:srgbClr val="2F5CB5"/>
+              </a:solidFill>
+              <a:ln w="25400">
+                <a:solidFill>
+                  <a:srgbClr val="1E3272"/>
+                </a:solidFill>
+              </a:ln>
+            </p:spPr>
+            <p:style>
+              <a:lnRef idx="2">
+                <a:schemeClr val="accent1">
+                  <a:shade val="50000"/>
+                </a:schemeClr>
+              </a:lnRef>
+              <a:fillRef idx="1">
+                <a:schemeClr val="accent1"/>
+              </a:fillRef>
+              <a:effectRef idx="0">
+                <a:schemeClr val="accent1"/>
+              </a:effectRef>
+              <a:fontRef idx="minor">
+                <a:schemeClr val="lt1"/>
+              </a:fontRef>
+            </p:style>
+            <p:txBody>
+              <a:bodyPr rtlCol="0" anchor="ctr"/>
+              <a:lstStyle/>
+              <a:p>
+                <a:pPr algn="ctr"/>
+                <a:r>
+                  <a:rPr lang="en-US" sz="2400" b="1" dirty="0" smtClean="0">
+                    <a:solidFill>
+                      <a:srgbClr val="F7B217"/>
+                    </a:solidFill>
+                  </a:rPr>
+                  <a:t>s</a:t>
+                </a:r>
+                <a:endParaRPr lang="en-US" sz="2400" b="1" dirty="0">
+                  <a:solidFill>
+                    <a:srgbClr val="F7B217"/>
+                  </a:solidFill>
+                </a:endParaRPr>
+              </a:p>
+            </p:txBody>
+          </p:sp>
+          <p:sp>
+            <p:nvSpPr>
+              <p:cNvPr id="7" name="Rectangle 6"/>
+              <p:cNvSpPr/>
+              <p:nvPr/>
+            </p:nvSpPr>
+            <p:spPr>
+              <a:xfrm>
+                <a:off x="2607733" y="1390005"/>
+                <a:ext cx="616226" cy="550480"/>
+              </a:xfrm>
+              <a:prstGeom prst="rect">
+                <a:avLst/>
+              </a:prstGeom>
+              <a:solidFill>
+                <a:srgbClr val="2F5CB5"/>
+              </a:solidFill>
+              <a:ln w="25400">
+                <a:solidFill>
+                  <a:srgbClr val="1E3272"/>
+                </a:solidFill>
+              </a:ln>
+            </p:spPr>
+            <p:style>
+              <a:lnRef idx="2">
+                <a:schemeClr val="accent1">
+                  <a:shade val="50000"/>
+                </a:schemeClr>
+              </a:lnRef>
+              <a:fillRef idx="1">
+                <a:schemeClr val="accent1"/>
+              </a:fillRef>
+              <a:effectRef idx="0">
+                <a:schemeClr val="accent1"/>
+              </a:effectRef>
+              <a:fontRef idx="minor">
+                <a:schemeClr val="lt1"/>
+              </a:fontRef>
+            </p:style>
+            <p:txBody>
+              <a:bodyPr rtlCol="0" anchor="ctr"/>
+              <a:lstStyle/>
+              <a:p>
+                <a:pPr algn="ctr"/>
+                <a:r>
+                  <a:rPr lang="en-US" sz="2400" b="1" dirty="0" smtClean="0">
+                    <a:solidFill>
+                      <a:srgbClr val="F7B217"/>
+                    </a:solidFill>
+                  </a:rPr>
+                  <a:t>g</a:t>
+                </a:r>
+                <a:endParaRPr lang="en-US" sz="2400" b="1" dirty="0">
+                  <a:solidFill>
+                    <a:srgbClr val="F7B217"/>
+                  </a:solidFill>
+                </a:endParaRPr>
+              </a:p>
+            </p:txBody>
+          </p:sp>
+          <p:sp>
+            <p:nvSpPr>
+              <p:cNvPr id="8" name="Rectangle 7"/>
+              <p:cNvSpPr/>
+              <p:nvPr/>
+            </p:nvSpPr>
+            <p:spPr>
+              <a:xfrm>
+                <a:off x="3223959" y="1390005"/>
+                <a:ext cx="616226" cy="550480"/>
+              </a:xfrm>
+              <a:prstGeom prst="rect">
+                <a:avLst/>
+              </a:prstGeom>
+              <a:solidFill>
+                <a:srgbClr val="2F5CB5"/>
+              </a:solidFill>
+              <a:ln w="25400">
+                <a:solidFill>
+                  <a:srgbClr val="1E3272"/>
+                </a:solidFill>
+              </a:ln>
+            </p:spPr>
+            <p:style>
+              <a:lnRef idx="2">
+                <a:schemeClr val="accent1">
+                  <a:shade val="50000"/>
+                </a:schemeClr>
+              </a:lnRef>
+              <a:fillRef idx="1">
+                <a:schemeClr val="accent1"/>
+              </a:fillRef>
+              <a:effectRef idx="0">
+                <a:schemeClr val="accent1"/>
+              </a:effectRef>
+              <a:fontRef idx="minor">
+                <a:schemeClr val="lt1"/>
+              </a:fontRef>
+            </p:style>
+            <p:txBody>
+              <a:bodyPr rtlCol="0" anchor="ctr"/>
+              <a:lstStyle/>
+              <a:p>
+                <a:pPr algn="ctr"/>
+                <a:r>
+                  <a:rPr lang="en-US" sz="2400" b="1" dirty="0" smtClean="0">
+                    <a:solidFill>
+                      <a:srgbClr val="F7B217"/>
+                    </a:solidFill>
+                  </a:rPr>
+                  <a:t>t</a:t>
+                </a:r>
+                <a:endParaRPr lang="en-US" sz="2400" b="1" dirty="0">
+                  <a:solidFill>
+                    <a:srgbClr val="F7B217"/>
+                  </a:solidFill>
+                </a:endParaRPr>
+              </a:p>
+            </p:txBody>
+          </p:sp>
+          <p:sp>
+            <p:nvSpPr>
+              <p:cNvPr id="9" name="Rectangle 8"/>
+              <p:cNvSpPr/>
+              <p:nvPr/>
+            </p:nvSpPr>
+            <p:spPr>
+              <a:xfrm>
+                <a:off x="3844418" y="1390005"/>
+                <a:ext cx="616226" cy="550480"/>
+              </a:xfrm>
+              <a:prstGeom prst="rect">
+                <a:avLst/>
+              </a:prstGeom>
+              <a:solidFill>
+                <a:srgbClr val="2F5CB5"/>
+              </a:solidFill>
+              <a:ln w="25400">
+                <a:solidFill>
+                  <a:srgbClr val="1E3272"/>
+                </a:solidFill>
+              </a:ln>
+            </p:spPr>
+            <p:style>
+              <a:lnRef idx="2">
+                <a:schemeClr val="accent1">
+                  <a:shade val="50000"/>
+                </a:schemeClr>
+              </a:lnRef>
+              <a:fillRef idx="1">
+                <a:schemeClr val="accent1"/>
+              </a:fillRef>
+              <a:effectRef idx="0">
+                <a:schemeClr val="accent1"/>
+              </a:effectRef>
+              <a:fontRef idx="minor">
+                <a:schemeClr val="lt1"/>
+              </a:fontRef>
+            </p:style>
+            <p:txBody>
+              <a:bodyPr rtlCol="0" anchor="ctr"/>
+              <a:lstStyle/>
+              <a:p>
+                <a:pPr algn="ctr"/>
+                <a:r>
+                  <a:rPr lang="en-US" sz="2400" b="1" dirty="0" smtClean="0">
+                    <a:solidFill>
+                      <a:srgbClr val="F7B217"/>
+                    </a:solidFill>
+                  </a:rPr>
+                  <a:t>r</a:t>
+                </a:r>
+                <a:endParaRPr lang="en-US" sz="2400" b="1" dirty="0">
+                  <a:solidFill>
+                    <a:srgbClr val="F7B217"/>
+                  </a:solidFill>
+                </a:endParaRPr>
+              </a:p>
+            </p:txBody>
+          </p:sp>
+          <p:sp>
+            <p:nvSpPr>
+              <p:cNvPr id="10" name="Rectangle 9"/>
+              <p:cNvSpPr/>
+              <p:nvPr/>
+            </p:nvSpPr>
+            <p:spPr>
+              <a:xfrm>
+                <a:off x="4437636" y="1390005"/>
+                <a:ext cx="616226" cy="550480"/>
+              </a:xfrm>
+              <a:prstGeom prst="rect">
+                <a:avLst/>
+              </a:prstGeom>
+              <a:solidFill>
+                <a:srgbClr val="2F5CB5"/>
+              </a:solidFill>
+              <a:ln w="25400">
+                <a:solidFill>
+                  <a:srgbClr val="1E3272"/>
+                </a:solidFill>
+              </a:ln>
+            </p:spPr>
+            <p:style>
+              <a:lnRef idx="2">
+                <a:schemeClr val="accent1">
+                  <a:shade val="50000"/>
+                </a:schemeClr>
+              </a:lnRef>
+              <a:fillRef idx="1">
+                <a:schemeClr val="accent1"/>
+              </a:fillRef>
+              <a:effectRef idx="0">
+                <a:schemeClr val="accent1"/>
+              </a:effectRef>
+              <a:fontRef idx="minor">
+                <a:schemeClr val="lt1"/>
+              </a:fontRef>
+            </p:style>
+            <p:txBody>
+              <a:bodyPr rtlCol="0" anchor="ctr"/>
+              <a:lstStyle/>
+              <a:p>
+                <a:pPr algn="ctr"/>
+                <a:r>
+                  <a:rPr lang="en-US" sz="2400" b="1" dirty="0" smtClean="0">
+                    <a:solidFill>
+                      <a:srgbClr val="F7B217"/>
+                    </a:solidFill>
+                  </a:rPr>
+                  <a:t>w</a:t>
+                </a:r>
+                <a:endParaRPr lang="en-US" sz="2400" b="1" dirty="0">
+                  <a:solidFill>
+                    <a:srgbClr val="F7B217"/>
+                  </a:solidFill>
+                </a:endParaRPr>
+              </a:p>
+            </p:txBody>
+          </p:sp>
+          <p:sp>
+            <p:nvSpPr>
+              <p:cNvPr id="11" name="Rectangle 10"/>
+              <p:cNvSpPr/>
+              <p:nvPr/>
+            </p:nvSpPr>
+            <p:spPr>
+              <a:xfrm>
+                <a:off x="5053862" y="1390005"/>
+                <a:ext cx="616226" cy="550480"/>
+              </a:xfrm>
+              <a:prstGeom prst="rect">
+                <a:avLst/>
+              </a:prstGeom>
+              <a:solidFill>
+                <a:srgbClr val="2F5CB5"/>
+              </a:solidFill>
+              <a:ln w="25400">
+                <a:solidFill>
+                  <a:srgbClr val="1E3272"/>
+                </a:solidFill>
+              </a:ln>
+            </p:spPr>
+            <p:style>
+              <a:lnRef idx="2">
+                <a:schemeClr val="accent1">
+                  <a:shade val="50000"/>
+                </a:schemeClr>
+              </a:lnRef>
+              <a:fillRef idx="1">
+                <a:schemeClr val="accent1"/>
+              </a:fillRef>
+              <a:effectRef idx="0">
+                <a:schemeClr val="accent1"/>
+              </a:effectRef>
+              <a:fontRef idx="minor">
+                <a:schemeClr val="lt1"/>
+              </a:fontRef>
+            </p:style>
+            <p:txBody>
+              <a:bodyPr rtlCol="0" anchor="ctr"/>
+              <a:lstStyle/>
+              <a:p>
+                <a:pPr algn="ctr"/>
+                <a:r>
+                  <a:rPr lang="en-US" sz="2400" b="1" dirty="0" smtClean="0">
+                    <a:solidFill>
+                      <a:srgbClr val="F7B217"/>
+                    </a:solidFill>
+                  </a:rPr>
+                  <a:t>x</a:t>
+                </a:r>
+                <a:endParaRPr lang="en-US" sz="2400" b="1" dirty="0">
+                  <a:solidFill>
+                    <a:srgbClr val="F7B217"/>
+                  </a:solidFill>
+                </a:endParaRPr>
+              </a:p>
+            </p:txBody>
+          </p:sp>
+          <p:sp>
+            <p:nvSpPr>
+              <p:cNvPr id="12" name="Rectangle 11"/>
+              <p:cNvSpPr/>
+              <p:nvPr/>
+            </p:nvSpPr>
+            <p:spPr>
+              <a:xfrm>
+                <a:off x="5670088" y="1390005"/>
+                <a:ext cx="616226" cy="550480"/>
+              </a:xfrm>
+              <a:prstGeom prst="rect">
+                <a:avLst/>
+              </a:prstGeom>
+              <a:solidFill>
+                <a:srgbClr val="2F5CB5"/>
+              </a:solidFill>
+              <a:ln w="25400">
+                <a:solidFill>
+                  <a:srgbClr val="1E3272"/>
+                </a:solidFill>
+              </a:ln>
+            </p:spPr>
+            <p:style>
+              <a:lnRef idx="2">
+                <a:schemeClr val="accent1">
+                  <a:shade val="50000"/>
+                </a:schemeClr>
+              </a:lnRef>
+              <a:fillRef idx="1">
+                <a:schemeClr val="accent1"/>
+              </a:fillRef>
+              <a:effectRef idx="0">
+                <a:schemeClr val="accent1"/>
+              </a:effectRef>
+              <a:fontRef idx="minor">
+                <a:schemeClr val="lt1"/>
+              </a:fontRef>
+            </p:style>
+            <p:txBody>
+              <a:bodyPr rtlCol="0" anchor="ctr"/>
+              <a:lstStyle/>
+              <a:p>
+                <a:pPr algn="ctr"/>
+                <a:r>
+                  <a:rPr lang="en-US" sz="2400" b="1" dirty="0" smtClean="0">
+                    <a:solidFill>
+                      <a:srgbClr val="F7B217"/>
+                    </a:solidFill>
+                  </a:rPr>
+                  <a:t>r</a:t>
+                </a:r>
+                <a:endParaRPr lang="en-US" sz="2400" b="1" dirty="0">
+                  <a:solidFill>
+                    <a:srgbClr val="F7B217"/>
+                  </a:solidFill>
+                </a:endParaRPr>
+              </a:p>
+            </p:txBody>
+          </p:sp>
+          <p:sp>
+            <p:nvSpPr>
+              <p:cNvPr id="13" name="Rectangle 12"/>
+              <p:cNvSpPr/>
+              <p:nvPr/>
+            </p:nvSpPr>
+            <p:spPr>
+              <a:xfrm>
+                <a:off x="6290547" y="1390005"/>
+                <a:ext cx="616226" cy="550480"/>
+              </a:xfrm>
+              <a:prstGeom prst="rect">
+                <a:avLst/>
+              </a:prstGeom>
+              <a:solidFill>
+                <a:srgbClr val="2F5CB5"/>
+              </a:solidFill>
+              <a:ln w="25400">
+                <a:solidFill>
+                  <a:srgbClr val="1E3272"/>
+                </a:solidFill>
+              </a:ln>
+            </p:spPr>
+            <p:style>
+              <a:lnRef idx="2">
+                <a:schemeClr val="accent1">
+                  <a:shade val="50000"/>
+                </a:schemeClr>
+              </a:lnRef>
+              <a:fillRef idx="1">
+                <a:schemeClr val="accent1"/>
+              </a:fillRef>
+              <a:effectRef idx="0">
+                <a:schemeClr val="accent1"/>
+              </a:effectRef>
+              <a:fontRef idx="minor">
+                <a:schemeClr val="lt1"/>
+              </a:fontRef>
+            </p:style>
+            <p:txBody>
+              <a:bodyPr rtlCol="0" anchor="ctr"/>
+              <a:lstStyle/>
+              <a:p>
+                <a:pPr algn="ctr"/>
+                <a:r>
+                  <a:rPr lang="en-US" sz="2400" b="1" dirty="0" smtClean="0">
+                    <a:solidFill>
+                      <a:srgbClr val="F7B217"/>
+                    </a:solidFill>
+                  </a:rPr>
+                  <a:t>w</a:t>
+                </a:r>
+                <a:endParaRPr lang="en-US" sz="2400" b="1" dirty="0">
+                  <a:solidFill>
+                    <a:srgbClr val="F7B217"/>
+                  </a:solidFill>
+                </a:endParaRPr>
+              </a:p>
+            </p:txBody>
+          </p:sp>
+          <p:sp>
+            <p:nvSpPr>
+              <p:cNvPr id="14" name="Rectangle 13"/>
+              <p:cNvSpPr/>
+              <p:nvPr/>
+            </p:nvSpPr>
+            <p:spPr>
+              <a:xfrm>
+                <a:off x="6918183" y="1390006"/>
+                <a:ext cx="616226" cy="550480"/>
+              </a:xfrm>
+              <a:prstGeom prst="rect">
+                <a:avLst/>
+              </a:prstGeom>
+              <a:solidFill>
+                <a:srgbClr val="2F5CB5"/>
+              </a:solidFill>
+              <a:ln w="25400">
+                <a:solidFill>
+                  <a:srgbClr val="1E3272"/>
+                </a:solidFill>
+              </a:ln>
+            </p:spPr>
+            <p:style>
+              <a:lnRef idx="2">
+                <a:schemeClr val="accent1">
+                  <a:shade val="50000"/>
+                </a:schemeClr>
+              </a:lnRef>
+              <a:fillRef idx="1">
+                <a:schemeClr val="accent1"/>
+              </a:fillRef>
+              <a:effectRef idx="0">
+                <a:schemeClr val="accent1"/>
+              </a:effectRef>
+              <a:fontRef idx="minor">
+                <a:schemeClr val="lt1"/>
+              </a:fontRef>
+            </p:style>
+            <p:txBody>
+              <a:bodyPr rtlCol="0" anchor="ctr"/>
+              <a:lstStyle/>
+              <a:p>
+                <a:pPr algn="ctr"/>
+                <a:r>
+                  <a:rPr lang="en-US" sz="2400" b="1" dirty="0" smtClean="0">
+                    <a:solidFill>
+                      <a:srgbClr val="F7B217"/>
+                    </a:solidFill>
+                  </a:rPr>
+                  <a:t>x</a:t>
+                </a:r>
+                <a:endParaRPr lang="en-US" sz="2400" b="1" dirty="0">
+                  <a:solidFill>
+                    <a:srgbClr val="F7B217"/>
+                  </a:solidFill>
+                </a:endParaRPr>
+              </a:p>
+            </p:txBody>
+          </p:sp>
+          <p:sp>
+            <p:nvSpPr>
+              <p:cNvPr id="15" name="Rectangle 14"/>
+              <p:cNvSpPr/>
+              <p:nvPr/>
+            </p:nvSpPr>
+            <p:spPr>
+              <a:xfrm>
+                <a:off x="7534409" y="1390006"/>
+                <a:ext cx="616226" cy="550480"/>
+              </a:xfrm>
+              <a:prstGeom prst="rect">
+                <a:avLst/>
+              </a:prstGeom>
+              <a:solidFill>
+                <a:srgbClr val="2F5CB5"/>
+              </a:solidFill>
+              <a:ln w="25400">
+                <a:solidFill>
+                  <a:srgbClr val="1E3272"/>
+                </a:solidFill>
+              </a:ln>
+            </p:spPr>
+            <p:style>
+              <a:lnRef idx="2">
+                <a:schemeClr val="accent1">
+                  <a:shade val="50000"/>
+                </a:schemeClr>
+              </a:lnRef>
+              <a:fillRef idx="1">
+                <a:schemeClr val="accent1"/>
+              </a:fillRef>
+              <a:effectRef idx="0">
+                <a:schemeClr val="accent1"/>
+              </a:effectRef>
+              <a:fontRef idx="minor">
+                <a:schemeClr val="lt1"/>
+              </a:fontRef>
+            </p:style>
+            <p:txBody>
+              <a:bodyPr rtlCol="0" anchor="ctr"/>
+              <a:lstStyle/>
+              <a:p>
+                <a:pPr algn="ctr"/>
+                <a:r>
+                  <a:rPr lang="en-US" sz="2400" b="1" dirty="0" smtClean="0">
+                    <a:solidFill>
+                      <a:srgbClr val="F7B217"/>
+                    </a:solidFill>
+                  </a:rPr>
+                  <a:t>r</a:t>
+                </a:r>
+                <a:endParaRPr lang="en-US" sz="2400" b="1" dirty="0">
+                  <a:solidFill>
+                    <a:srgbClr val="F7B217"/>
+                  </a:solidFill>
+                </a:endParaRPr>
+              </a:p>
+            </p:txBody>
+          </p:sp>
+          <p:sp>
+            <p:nvSpPr>
+              <p:cNvPr id="16" name="Rectangle 15"/>
+              <p:cNvSpPr/>
+              <p:nvPr/>
+            </p:nvSpPr>
+            <p:spPr>
+              <a:xfrm>
+                <a:off x="8150635" y="1390006"/>
+                <a:ext cx="616226" cy="550480"/>
+              </a:xfrm>
+              <a:prstGeom prst="rect">
+                <a:avLst/>
+              </a:prstGeom>
+              <a:solidFill>
+                <a:srgbClr val="2F5CB5"/>
+              </a:solidFill>
+              <a:ln w="25400">
+                <a:solidFill>
+                  <a:srgbClr val="1E3272"/>
+                </a:solidFill>
+              </a:ln>
+            </p:spPr>
+            <p:style>
+              <a:lnRef idx="2">
+                <a:schemeClr val="accent1">
+                  <a:shade val="50000"/>
+                </a:schemeClr>
+              </a:lnRef>
+              <a:fillRef idx="1">
+                <a:schemeClr val="accent1"/>
+              </a:fillRef>
+              <a:effectRef idx="0">
+                <a:schemeClr val="accent1"/>
+              </a:effectRef>
+              <a:fontRef idx="minor">
+                <a:schemeClr val="lt1"/>
+              </a:fontRef>
+            </p:style>
+            <p:txBody>
+              <a:bodyPr rtlCol="0" anchor="ctr"/>
+              <a:lstStyle/>
+              <a:p>
+                <a:pPr algn="ctr"/>
+                <a:r>
+                  <a:rPr lang="en-US" sz="2400" b="1" dirty="0" smtClean="0">
+                    <a:solidFill>
+                      <a:srgbClr val="F7B217"/>
+                    </a:solidFill>
+                  </a:rPr>
+                  <a:t>w</a:t>
+                </a:r>
+                <a:endParaRPr lang="en-US" sz="2400" b="1" dirty="0">
+                  <a:solidFill>
+                    <a:srgbClr val="F7B217"/>
+                  </a:solidFill>
+                </a:endParaRPr>
+              </a:p>
+            </p:txBody>
+          </p:sp>
+          <p:sp>
+            <p:nvSpPr>
+              <p:cNvPr id="17" name="Rectangle 16"/>
+              <p:cNvSpPr/>
+              <p:nvPr/>
+            </p:nvSpPr>
+            <p:spPr>
+              <a:xfrm>
+                <a:off x="8771094" y="1390006"/>
+                <a:ext cx="616226" cy="550480"/>
+              </a:xfrm>
+              <a:prstGeom prst="rect">
+                <a:avLst/>
+              </a:prstGeom>
+              <a:solidFill>
+                <a:srgbClr val="2F5CB5"/>
+              </a:solidFill>
+              <a:ln w="25400">
+                <a:solidFill>
+                  <a:srgbClr val="1E3272"/>
+                </a:solidFill>
+              </a:ln>
+            </p:spPr>
+            <p:style>
+              <a:lnRef idx="2">
+                <a:schemeClr val="accent1">
+                  <a:shade val="50000"/>
+                </a:schemeClr>
+              </a:lnRef>
+              <a:fillRef idx="1">
+                <a:schemeClr val="accent1"/>
+              </a:fillRef>
+              <a:effectRef idx="0">
+                <a:schemeClr val="accent1"/>
+              </a:effectRef>
+              <a:fontRef idx="minor">
+                <a:schemeClr val="lt1"/>
+              </a:fontRef>
+            </p:style>
+            <p:txBody>
+              <a:bodyPr rtlCol="0" anchor="ctr"/>
+              <a:lstStyle/>
+              <a:p>
+                <a:pPr algn="ctr"/>
+                <a:r>
+                  <a:rPr lang="en-US" sz="2400" b="1" dirty="0" smtClean="0">
+                    <a:solidFill>
+                      <a:srgbClr val="F7B217"/>
+                    </a:solidFill>
+                  </a:rPr>
+                  <a:t>x</a:t>
+                </a:r>
+                <a:endParaRPr lang="en-US" sz="2400" b="1" dirty="0">
+                  <a:solidFill>
+                    <a:srgbClr val="F7B217"/>
+                  </a:solidFill>
+                </a:endParaRPr>
+              </a:p>
+            </p:txBody>
+          </p:sp>
+        </p:grpSp>
+        <p:sp>
+          <p:nvSpPr>
+            <p:cNvPr id="19" name="Left-Right Arrow 18"/>
+            <p:cNvSpPr/>
+            <p:nvPr/>
+          </p:nvSpPr>
+          <p:spPr>
+            <a:xfrm>
+              <a:off x="7534409" y="2146434"/>
+              <a:ext cx="1852911" cy="235974"/>
+            </a:xfrm>
+            <a:prstGeom prst="leftRightArrow">
+              <a:avLst/>
+            </a:prstGeom>
+            <a:solidFill>
+              <a:srgbClr val="2F5CB5"/>
+            </a:solidFill>
+            <a:ln w="25400">
+              <a:solidFill>
+                <a:srgbClr val="1E3272"/>
+              </a:solidFill>
+            </a:ln>
+          </p:spPr>
+          <p:style>
+            <a:lnRef idx="2">
+              <a:schemeClr val="accent1">
+                <a:shade val="50000"/>
+              </a:schemeClr>
+            </a:lnRef>
+            <a:fillRef idx="1">
+              <a:schemeClr val="accent1"/>
+            </a:fillRef>
+            <a:effectRef idx="0">
+              <a:schemeClr val="accent1"/>
+            </a:effectRef>
+            <a:fontRef idx="minor">
+              <a:schemeClr val="lt1"/>
+            </a:fontRef>
+          </p:style>
+          <p:txBody>
+            <a:bodyPr rtlCol="0" anchor="ctr"/>
+            <a:lstStyle/>
+            <a:p>
+              <a:pPr algn="ctr"/>
+              <a:endParaRPr lang="en-US"/>
+            </a:p>
+          </p:txBody>
+        </p:sp>
+        <p:sp>
+          <p:nvSpPr>
+            <p:cNvPr id="20" name="Left-Right Arrow 19"/>
+            <p:cNvSpPr/>
+            <p:nvPr/>
+          </p:nvSpPr>
+          <p:spPr>
+            <a:xfrm>
+              <a:off x="5670088" y="2166128"/>
+              <a:ext cx="1852911" cy="235974"/>
+            </a:xfrm>
+            <a:prstGeom prst="leftRightArrow">
+              <a:avLst/>
+            </a:prstGeom>
+            <a:solidFill>
+              <a:srgbClr val="2F5CB5"/>
+            </a:solidFill>
+            <a:ln w="25400">
+              <a:solidFill>
+                <a:srgbClr val="1E3272"/>
+              </a:solidFill>
+            </a:ln>
+          </p:spPr>
+          <p:style>
+            <a:lnRef idx="2">
+              <a:schemeClr val="accent1">
+                <a:shade val="50000"/>
+              </a:schemeClr>
+            </a:lnRef>
+            <a:fillRef idx="1">
+              <a:schemeClr val="accent1"/>
+            </a:fillRef>
+            <a:effectRef idx="0">
+              <a:schemeClr val="accent1"/>
+            </a:effectRef>
+            <a:fontRef idx="minor">
+              <a:schemeClr val="lt1"/>
+            </a:fontRef>
+          </p:style>
+          <p:txBody>
+            <a:bodyPr rtlCol="0" anchor="ctr"/>
+            <a:lstStyle/>
+            <a:p>
+              <a:pPr algn="ctr"/>
+              <a:endParaRPr lang="en-US"/>
+            </a:p>
+          </p:txBody>
+        </p:sp>
+        <p:sp>
+          <p:nvSpPr>
+            <p:cNvPr id="21" name="Left-Right Arrow 20"/>
+            <p:cNvSpPr/>
+            <p:nvPr/>
+          </p:nvSpPr>
+          <p:spPr>
+            <a:xfrm>
+              <a:off x="3784554" y="2178763"/>
+              <a:ext cx="1852911" cy="235974"/>
+            </a:xfrm>
+            <a:prstGeom prst="leftRightArrow">
+              <a:avLst/>
+            </a:prstGeom>
+            <a:solidFill>
+              <a:srgbClr val="2F5CB5"/>
+            </a:solidFill>
+            <a:ln w="25400">
+              <a:solidFill>
+                <a:srgbClr val="1E3272"/>
+              </a:solidFill>
+            </a:ln>
+          </p:spPr>
+          <p:style>
+            <a:lnRef idx="2">
+              <a:schemeClr val="accent1">
+                <a:shade val="50000"/>
+              </a:schemeClr>
+            </a:lnRef>
+            <a:fillRef idx="1">
+              <a:schemeClr val="accent1"/>
+            </a:fillRef>
+            <a:effectRef idx="0">
+              <a:schemeClr val="accent1"/>
+            </a:effectRef>
+            <a:fontRef idx="minor">
+              <a:schemeClr val="lt1"/>
+            </a:fontRef>
+          </p:style>
+          <p:txBody>
+            <a:bodyPr rtlCol="0" anchor="ctr"/>
+            <a:lstStyle/>
+            <a:p>
+              <a:pPr algn="ctr"/>
+              <a:endParaRPr lang="en-US"/>
+            </a:p>
+          </p:txBody>
+        </p:sp>
+        <p:sp>
+          <p:nvSpPr>
+            <p:cNvPr id="22" name="TextBox 21"/>
+            <p:cNvSpPr txBox="1"/>
+            <p:nvPr/>
+          </p:nvSpPr>
+          <p:spPr>
+            <a:xfrm>
+              <a:off x="4152531" y="2491496"/>
+              <a:ext cx="901331" cy="279972"/>
+            </a:xfrm>
+            <a:prstGeom prst="rect">
+              <a:avLst/>
+            </a:prstGeom>
+            <a:solidFill>
+              <a:schemeClr val="bg1"/>
+            </a:solidFill>
+          </p:spPr>
+          <p:txBody>
+            <a:bodyPr wrap="square" lIns="72000" tIns="25200" rIns="0" bIns="25200" rtlCol="0" anchor="ctr" anchorCtr="0">
+              <a:noAutofit/>
+            </a:bodyPr>
+            <a:lstStyle/>
+            <a:p>
+              <a:r>
+                <a:rPr lang="en-US" sz="2800" b="1" dirty="0" smtClean="0">
+                  <a:solidFill>
+                    <a:srgbClr val="1E3272"/>
+                  </a:solidFill>
+                </a:rPr>
+                <a:t>User</a:t>
+              </a:r>
+              <a:endParaRPr lang="en-US" sz="2400" b="1" dirty="0" smtClean="0">
+                <a:solidFill>
+                  <a:srgbClr val="1E3272"/>
+                </a:solidFill>
+              </a:endParaRPr>
+            </a:p>
+          </p:txBody>
+        </p:sp>
+        <p:sp>
+          <p:nvSpPr>
+            <p:cNvPr id="24" name="TextBox 23"/>
+            <p:cNvSpPr txBox="1"/>
+            <p:nvPr/>
+          </p:nvSpPr>
+          <p:spPr>
+            <a:xfrm>
+              <a:off x="6016852" y="2550007"/>
+              <a:ext cx="1134719" cy="289446"/>
+            </a:xfrm>
+            <a:prstGeom prst="rect">
+              <a:avLst/>
+            </a:prstGeom>
+            <a:solidFill>
+              <a:schemeClr val="bg1"/>
+            </a:solidFill>
+          </p:spPr>
+          <p:txBody>
+            <a:bodyPr wrap="square" lIns="72000" tIns="25200" rIns="0" bIns="25200" rtlCol="0" anchor="ctr" anchorCtr="0">
+              <a:noAutofit/>
+            </a:bodyPr>
+            <a:lstStyle/>
+            <a:p>
+              <a:r>
+                <a:rPr lang="en-US" sz="2800" b="1" dirty="0" smtClean="0">
+                  <a:solidFill>
+                    <a:srgbClr val="1E3272"/>
+                  </a:solidFill>
+                </a:rPr>
+                <a:t>Group</a:t>
+              </a:r>
+              <a:endParaRPr lang="en-US" sz="2400" b="1" dirty="0" smtClean="0">
+                <a:solidFill>
+                  <a:srgbClr val="1E3272"/>
+                </a:solidFill>
+              </a:endParaRPr>
+            </a:p>
+          </p:txBody>
+        </p:sp>
+        <p:sp>
+          <p:nvSpPr>
+            <p:cNvPr id="25" name="TextBox 24"/>
+            <p:cNvSpPr txBox="1"/>
+            <p:nvPr/>
+          </p:nvSpPr>
+          <p:spPr>
+            <a:xfrm>
+              <a:off x="8008082" y="2540381"/>
+              <a:ext cx="1164794" cy="231087"/>
+            </a:xfrm>
+            <a:prstGeom prst="rect">
+              <a:avLst/>
+            </a:prstGeom>
+            <a:solidFill>
+              <a:schemeClr val="bg1"/>
+            </a:solidFill>
+          </p:spPr>
+          <p:txBody>
+            <a:bodyPr wrap="square" lIns="72000" tIns="25200" rIns="0" bIns="25200" rtlCol="0" anchor="ctr" anchorCtr="0">
+              <a:noAutofit/>
+            </a:bodyPr>
+            <a:lstStyle/>
+            <a:p>
+              <a:r>
+                <a:rPr lang="en-US" sz="2800" b="1" dirty="0" smtClean="0">
+                  <a:solidFill>
+                    <a:srgbClr val="1E3272"/>
+                  </a:solidFill>
+                </a:rPr>
+                <a:t>Other</a:t>
+              </a:r>
+              <a:endParaRPr lang="en-US" sz="2400" b="1" dirty="0" smtClean="0">
+                <a:solidFill>
+                  <a:srgbClr val="1E3272"/>
+                </a:solidFill>
+              </a:endParaRPr>
+            </a:p>
+          </p:txBody>
+        </p:sp>
+      </p:grpSp>
+    </p:spTree>
+    <p:extLst>
+      <p:ext uri="{BB962C8B-B14F-4D97-AF65-F5344CB8AC3E}">
+        <p14:creationId xmlns:p14="http://schemas.microsoft.com/office/powerpoint/2010/main" val="1683275758"/>
+      </p:ext>
+    </p:extLst>
+  </p:cSld>
+  <p:clrMapOvr>
+    <a:masterClrMapping/>
+  </p:clrMapOvr>
+  <p:timing>
+    <p:tnLst>
+      <p:par>
+        <p:cTn id="1" dur="indefinite" restart="never" nodeType="tmRoot"/>
+      </p:par>
+    </p:tnLst>
+  </p:timing>
+</p:sld>
+</file>
+
+<file path=ppt/slides/slide14.xml><?xml version="1.0" encoding="utf-8"?>
+<p:sld xmlns:a="http://schemas.openxmlformats.org/drawingml/2006/main" xmlns:r="http://schemas.openxmlformats.org/officeDocument/2006/relationships" xmlns:p="http://schemas.openxmlformats.org/presentationml/2006/main">
+  <p:cSld>
+    <p:spTree>
+      <p:nvGrpSpPr>
+        <p:cNvPr id="1" name=""/>
+        <p:cNvGrpSpPr/>
+        <p:nvPr/>
+      </p:nvGrpSpPr>
+      <p:grpSpPr>
+        <a:xfrm>
+          <a:off x="0" y="0"/>
+          <a:ext cx="0" cy="0"/>
+          <a:chOff x="0" y="0"/>
+          <a:chExt cx="0" cy="0"/>
+        </a:xfrm>
+      </p:grpSpPr>
+      <p:sp>
+        <p:nvSpPr>
+          <p:cNvPr id="2" name="Content Placeholder 1"/>
+          <p:cNvSpPr>
+            <a:spLocks noGrp="1"/>
+          </p:cNvSpPr>
+          <p:nvPr>
+            <p:ph idx="1"/>
+          </p:nvPr>
+        </p:nvSpPr>
+        <p:spPr>
+          <a:xfrm>
+            <a:off x="838200" y="1178053"/>
+            <a:ext cx="10515600" cy="5492304"/>
+          </a:xfrm>
+        </p:spPr>
+        <p:txBody>
+          <a:bodyPr>
+            <a:normAutofit/>
+          </a:bodyPr>
+          <a:lstStyle/>
+          <a:p>
+            <a:r>
+              <a:rPr lang="en-US" b="1" dirty="0"/>
+              <a:t>_</a:t>
+            </a:r>
+            <a:r>
+              <a:rPr lang="en-US" dirty="0"/>
+              <a:t> – no special permissions</a:t>
+            </a:r>
+          </a:p>
+          <a:p>
+            <a:r>
+              <a:rPr lang="en-US" b="1" dirty="0"/>
+              <a:t>d</a:t>
+            </a:r>
+            <a:r>
+              <a:rPr lang="en-US" dirty="0"/>
+              <a:t> – directory</a:t>
+            </a:r>
+          </a:p>
+          <a:p>
+            <a:r>
+              <a:rPr lang="en-US" b="1" dirty="0" smtClean="0"/>
+              <a:t>l </a:t>
+            </a:r>
+            <a:r>
+              <a:rPr lang="en-US" dirty="0" smtClean="0"/>
+              <a:t>– file </a:t>
+            </a:r>
+            <a:r>
+              <a:rPr lang="en-US" dirty="0"/>
+              <a:t>or directory is a symbolic link</a:t>
+            </a:r>
+          </a:p>
+          <a:p>
+            <a:r>
+              <a:rPr lang="en-US" b="1" dirty="0"/>
+              <a:t>s</a:t>
+            </a:r>
+            <a:r>
+              <a:rPr lang="en-US" dirty="0"/>
+              <a:t> </a:t>
+            </a:r>
+            <a:r>
+              <a:rPr lang="en-US" dirty="0" smtClean="0"/>
+              <a:t>–indicates </a:t>
+            </a:r>
+            <a:r>
+              <a:rPr lang="en-US" dirty="0"/>
+              <a:t>the </a:t>
+            </a:r>
+            <a:r>
+              <a:rPr lang="en-US" i="1" dirty="0" err="1"/>
+              <a:t>setuid</a:t>
+            </a:r>
+            <a:r>
+              <a:rPr lang="en-US" dirty="0"/>
+              <a:t>/</a:t>
+            </a:r>
+            <a:r>
+              <a:rPr lang="en-US" i="1" dirty="0" err="1"/>
+              <a:t>setgid</a:t>
+            </a:r>
+            <a:r>
+              <a:rPr lang="en-US" dirty="0"/>
+              <a:t> </a:t>
+            </a:r>
+            <a:r>
+              <a:rPr lang="en-US" dirty="0" smtClean="0"/>
+              <a:t>permissions (if defined is shown in </a:t>
+            </a:r>
+            <a:r>
+              <a:rPr lang="en-US" dirty="0"/>
+              <a:t>the read portion of the owner or group </a:t>
+            </a:r>
+            <a:r>
+              <a:rPr lang="en-US" dirty="0" smtClean="0"/>
+              <a:t>permissions).</a:t>
+            </a:r>
+            <a:endParaRPr lang="en-US" dirty="0"/>
+          </a:p>
+          <a:p>
+            <a:r>
+              <a:rPr lang="en-US" b="1" dirty="0"/>
+              <a:t>t</a:t>
+            </a:r>
+            <a:r>
+              <a:rPr lang="en-US" dirty="0"/>
+              <a:t> </a:t>
+            </a:r>
+            <a:r>
+              <a:rPr lang="en-US" dirty="0" smtClean="0"/>
+              <a:t>– indicates </a:t>
+            </a:r>
+            <a:r>
+              <a:rPr lang="en-US" dirty="0"/>
+              <a:t>the sticky bit </a:t>
+            </a:r>
+            <a:r>
+              <a:rPr lang="en-US" dirty="0" smtClean="0"/>
+              <a:t>permissions (if defined shown in the executable portion of the all users permissions)</a:t>
+            </a:r>
+            <a:endParaRPr lang="en-US" dirty="0"/>
+          </a:p>
+        </p:txBody>
+      </p:sp>
+      <p:sp>
+        <p:nvSpPr>
+          <p:cNvPr id="3" name="Slide Number Placeholder 2"/>
+          <p:cNvSpPr>
+            <a:spLocks noGrp="1"/>
+          </p:cNvSpPr>
+          <p:nvPr>
+            <p:ph type="sldNum" sz="quarter" idx="12"/>
+          </p:nvPr>
+        </p:nvSpPr>
+        <p:spPr/>
+        <p:txBody>
+          <a:bodyPr/>
+          <a:lstStyle/>
+          <a:p>
+            <a:pPr algn="ctr"/>
+            <a:fld id="{1397BFD8-F312-4EF2-A268-44FB4BDDBBB0}" type="slidenum">
+              <a:rPr lang="ru-RU" smtClean="0"/>
+              <a:pPr algn="ctr"/>
+              <a:t>14</a:t>
+            </a:fld>
+            <a:endParaRPr lang="ru-RU" dirty="0"/>
+          </a:p>
+        </p:txBody>
+      </p:sp>
+      <p:sp>
+        <p:nvSpPr>
+          <p:cNvPr id="4" name="Title 3"/>
+          <p:cNvSpPr>
+            <a:spLocks noGrp="1"/>
+          </p:cNvSpPr>
+          <p:nvPr>
+            <p:ph type="title"/>
+          </p:nvPr>
+        </p:nvSpPr>
+        <p:spPr/>
+        <p:txBody>
+          <a:bodyPr/>
+          <a:lstStyle/>
+          <a:p>
+            <a:r>
+              <a:rPr lang="en-US" dirty="0"/>
+              <a:t>Advanced Permissions</a:t>
+            </a:r>
+          </a:p>
+        </p:txBody>
+      </p:sp>
+    </p:spTree>
+    <p:extLst>
+      <p:ext uri="{BB962C8B-B14F-4D97-AF65-F5344CB8AC3E}">
+        <p14:creationId xmlns:p14="http://schemas.microsoft.com/office/powerpoint/2010/main" val="3485351284"/>
+      </p:ext>
+    </p:extLst>
+  </p:cSld>
+  <p:clrMapOvr>
+    <a:masterClrMapping/>
+  </p:clrMapOvr>
+  <p:timing>
+    <p:tnLst>
+      <p:par>
+        <p:cTn id="1" dur="indefinite" restart="never" nodeType="tmRoot"/>
+      </p:par>
+    </p:tnLst>
+  </p:timing>
+</p:sld>
+</file>
+
+<file path=ppt/slides/slide15.xml><?xml version="1.0" encoding="utf-8"?>
+<p:sld xmlns:a="http://schemas.openxmlformats.org/drawingml/2006/main" xmlns:r="http://schemas.openxmlformats.org/officeDocument/2006/relationships" xmlns:p="http://schemas.openxmlformats.org/presentationml/2006/main">
+  <p:cSld>
+    <p:spTree>
+      <p:nvGrpSpPr>
+        <p:cNvPr id="1" name=""/>
+        <p:cNvGrpSpPr/>
+        <p:nvPr/>
+      </p:nvGrpSpPr>
+      <p:grpSpPr>
+        <a:xfrm>
+          <a:off x="0" y="0"/>
+          <a:ext cx="0" cy="0"/>
+          <a:chOff x="0" y="0"/>
+          <a:chExt cx="0" cy="0"/>
+        </a:xfrm>
+      </p:grpSpPr>
+      <p:sp>
+        <p:nvSpPr>
+          <p:cNvPr id="2" name="Content Placeholder 1"/>
+          <p:cNvSpPr>
+            <a:spLocks noGrp="1"/>
+          </p:cNvSpPr>
+          <p:nvPr>
+            <p:ph idx="1"/>
+          </p:nvPr>
+        </p:nvSpPr>
+        <p:spPr/>
+        <p:txBody>
+          <a:bodyPr>
+            <a:normAutofit/>
+          </a:bodyPr>
+          <a:lstStyle/>
+          <a:p>
+            <a:pPr>
+              <a:spcBef>
+                <a:spcPts val="2400"/>
+              </a:spcBef>
+            </a:pPr>
+            <a:r>
+              <a:rPr lang="en-US" dirty="0" smtClean="0"/>
+              <a:t>Used to </a:t>
+            </a:r>
+            <a:r>
+              <a:rPr lang="en-US" dirty="0"/>
+              <a:t>tell the system to run an executable as the owner with the owner’s </a:t>
+            </a:r>
+            <a:r>
+              <a:rPr lang="en-US" dirty="0" smtClean="0"/>
+              <a:t>permissions</a:t>
+            </a:r>
+            <a:endParaRPr lang="en-US" dirty="0"/>
+          </a:p>
+          <a:p>
+            <a:pPr>
+              <a:spcBef>
+                <a:spcPts val="2400"/>
+              </a:spcBef>
+            </a:pPr>
+            <a:r>
+              <a:rPr lang="en-US" dirty="0" smtClean="0"/>
+              <a:t>Must be used with care (incorrectly assigned </a:t>
+            </a:r>
+            <a:r>
+              <a:rPr lang="en-US" dirty="0"/>
+              <a:t>permissions to a file owned by root </a:t>
+            </a:r>
+            <a:r>
+              <a:rPr lang="en-US" dirty="0" smtClean="0"/>
+              <a:t>can </a:t>
+            </a:r>
+            <a:r>
+              <a:rPr lang="en-US" dirty="0"/>
+              <a:t>open </a:t>
+            </a:r>
+            <a:r>
+              <a:rPr lang="en-US" dirty="0" smtClean="0"/>
+              <a:t>system </a:t>
+            </a:r>
+            <a:r>
+              <a:rPr lang="en-US" dirty="0"/>
+              <a:t>to </a:t>
+            </a:r>
+            <a:r>
+              <a:rPr lang="en-US" dirty="0" smtClean="0"/>
+              <a:t>intrusion)</a:t>
+            </a:r>
+            <a:endParaRPr lang="en-US" dirty="0"/>
+          </a:p>
+          <a:p>
+            <a:pPr>
+              <a:spcBef>
+                <a:spcPts val="2400"/>
+              </a:spcBef>
+            </a:pPr>
+            <a:r>
+              <a:rPr lang="en-US" dirty="0" smtClean="0"/>
+              <a:t>Assigned in the following way: </a:t>
+            </a:r>
+            <a:r>
+              <a:rPr lang="en-US" b="1" i="1" dirty="0" err="1"/>
+              <a:t>chmod</a:t>
+            </a:r>
+            <a:r>
+              <a:rPr lang="en-US" b="1" i="1" dirty="0"/>
+              <a:t> </a:t>
+            </a:r>
+            <a:r>
+              <a:rPr lang="en-US" b="1" i="1" dirty="0" err="1"/>
+              <a:t>g+s</a:t>
+            </a:r>
+            <a:r>
+              <a:rPr lang="en-US" b="1" i="1" dirty="0"/>
+              <a:t> </a:t>
+            </a:r>
+            <a:r>
+              <a:rPr lang="en-US" b="1" i="1" dirty="0" smtClean="0"/>
+              <a:t>file</a:t>
+            </a:r>
+            <a:endParaRPr lang="en-US" b="1" i="1" dirty="0"/>
+          </a:p>
+        </p:txBody>
+      </p:sp>
+      <p:sp>
+        <p:nvSpPr>
+          <p:cNvPr id="3" name="Slide Number Placeholder 2"/>
+          <p:cNvSpPr>
+            <a:spLocks noGrp="1"/>
+          </p:cNvSpPr>
+          <p:nvPr>
+            <p:ph type="sldNum" sz="quarter" idx="12"/>
+          </p:nvPr>
+        </p:nvSpPr>
+        <p:spPr/>
+        <p:txBody>
+          <a:bodyPr/>
+          <a:lstStyle/>
+          <a:p>
+            <a:pPr algn="ctr"/>
+            <a:fld id="{1397BFD8-F312-4EF2-A268-44FB4BDDBBB0}" type="slidenum">
+              <a:rPr lang="ru-RU" smtClean="0"/>
+              <a:pPr algn="ctr"/>
+              <a:t>15</a:t>
+            </a:fld>
+            <a:endParaRPr lang="ru-RU" dirty="0"/>
+          </a:p>
+        </p:txBody>
+      </p:sp>
+      <p:sp>
+        <p:nvSpPr>
+          <p:cNvPr id="4" name="Title 3"/>
+          <p:cNvSpPr>
+            <a:spLocks noGrp="1"/>
+          </p:cNvSpPr>
+          <p:nvPr>
+            <p:ph type="title"/>
+          </p:nvPr>
+        </p:nvSpPr>
+        <p:spPr/>
+        <p:txBody>
+          <a:bodyPr/>
+          <a:lstStyle/>
+          <a:p>
+            <a:r>
+              <a:rPr lang="en-US" dirty="0" err="1"/>
+              <a:t>Setuid</a:t>
+            </a:r>
+            <a:r>
+              <a:rPr lang="en-US" dirty="0"/>
+              <a:t>/</a:t>
+            </a:r>
+            <a:r>
+              <a:rPr lang="en-US" dirty="0" err="1"/>
+              <a:t>Setgid</a:t>
+            </a:r>
+            <a:r>
+              <a:rPr lang="en-US" dirty="0"/>
+              <a:t> Special Permissions</a:t>
+            </a:r>
+          </a:p>
+        </p:txBody>
+      </p:sp>
+    </p:spTree>
+    <p:extLst>
+      <p:ext uri="{BB962C8B-B14F-4D97-AF65-F5344CB8AC3E}">
+        <p14:creationId xmlns:p14="http://schemas.microsoft.com/office/powerpoint/2010/main" val="521678369"/>
+      </p:ext>
+    </p:extLst>
+  </p:cSld>
+  <p:clrMapOvr>
+    <a:masterClrMapping/>
+  </p:clrMapOvr>
+  <p:timing>
+    <p:tnLst>
+      <p:par>
+        <p:cTn id="1" dur="indefinite" restart="never" nodeType="tmRoot"/>
+      </p:par>
+    </p:tnLst>
+  </p:timing>
+</p:sld>
+</file>
+
+<file path=ppt/slides/slide16.xml><?xml version="1.0" encoding="utf-8"?>
+<p:sld xmlns:a="http://schemas.openxmlformats.org/drawingml/2006/main" xmlns:r="http://schemas.openxmlformats.org/officeDocument/2006/relationships" xmlns:p="http://schemas.openxmlformats.org/presentationml/2006/main">
+  <p:cSld>
+    <p:spTree>
+      <p:nvGrpSpPr>
+        <p:cNvPr id="1" name=""/>
+        <p:cNvGrpSpPr/>
+        <p:nvPr/>
+      </p:nvGrpSpPr>
+      <p:grpSpPr>
+        <a:xfrm>
+          <a:off x="0" y="0"/>
+          <a:ext cx="0" cy="0"/>
+          <a:chOff x="0" y="0"/>
+          <a:chExt cx="0" cy="0"/>
+        </a:xfrm>
+      </p:grpSpPr>
+      <p:sp>
+        <p:nvSpPr>
+          <p:cNvPr id="2" name="Content Placeholder 1"/>
+          <p:cNvSpPr>
+            <a:spLocks noGrp="1"/>
+          </p:cNvSpPr>
+          <p:nvPr>
+            <p:ph idx="1"/>
+          </p:nvPr>
+        </p:nvSpPr>
+        <p:spPr/>
+        <p:txBody>
+          <a:bodyPr/>
+          <a:lstStyle/>
+          <a:p>
+            <a:pPr>
+              <a:spcBef>
+                <a:spcPts val="2400"/>
+              </a:spcBef>
+            </a:pPr>
+            <a:r>
+              <a:rPr lang="en-US" dirty="0"/>
+              <a:t>U</a:t>
+            </a:r>
+            <a:r>
+              <a:rPr lang="en-US" dirty="0" smtClean="0"/>
+              <a:t>seful </a:t>
+            </a:r>
+            <a:r>
+              <a:rPr lang="en-US" dirty="0"/>
+              <a:t>in shared </a:t>
+            </a:r>
+            <a:r>
+              <a:rPr lang="en-US" dirty="0" smtClean="0"/>
+              <a:t>environments</a:t>
+            </a:r>
+          </a:p>
+          <a:p>
+            <a:pPr>
+              <a:spcBef>
+                <a:spcPts val="2400"/>
+              </a:spcBef>
+            </a:pPr>
+            <a:r>
+              <a:rPr lang="en-US" dirty="0" smtClean="0"/>
+              <a:t>When assigned </a:t>
+            </a:r>
+            <a:r>
+              <a:rPr lang="en-US" dirty="0"/>
+              <a:t>to the permissions on a </a:t>
+            </a:r>
+            <a:r>
+              <a:rPr lang="en-US" dirty="0" smtClean="0"/>
+              <a:t>directory, only </a:t>
+            </a:r>
+            <a:r>
+              <a:rPr lang="en-US" dirty="0"/>
+              <a:t>file owner can rename or delete </a:t>
+            </a:r>
+            <a:r>
+              <a:rPr lang="en-US" dirty="0" smtClean="0"/>
+              <a:t>files</a:t>
+            </a:r>
+            <a:endParaRPr lang="en-US" dirty="0"/>
+          </a:p>
+          <a:p>
+            <a:pPr>
+              <a:spcBef>
+                <a:spcPts val="2400"/>
+              </a:spcBef>
+            </a:pPr>
+            <a:r>
+              <a:rPr lang="en-US" dirty="0" smtClean="0"/>
+              <a:t>Assigned in the following way:</a:t>
+            </a:r>
+            <a:r>
+              <a:rPr lang="en-US" dirty="0"/>
+              <a:t> </a:t>
+            </a:r>
+            <a:r>
+              <a:rPr lang="en-US" b="1" i="1" dirty="0" err="1"/>
+              <a:t>chmod</a:t>
+            </a:r>
+            <a:r>
+              <a:rPr lang="en-US" b="1" i="1" dirty="0"/>
+              <a:t> +t </a:t>
+            </a:r>
+            <a:r>
+              <a:rPr lang="en-US" b="1" i="1" dirty="0" smtClean="0"/>
+              <a:t>dir1</a:t>
+            </a:r>
+            <a:endParaRPr lang="en-US" dirty="0"/>
+          </a:p>
+          <a:p>
+            <a:endParaRPr lang="en-US" dirty="0"/>
+          </a:p>
+        </p:txBody>
+      </p:sp>
+      <p:sp>
+        <p:nvSpPr>
+          <p:cNvPr id="3" name="Slide Number Placeholder 2"/>
+          <p:cNvSpPr>
+            <a:spLocks noGrp="1"/>
+          </p:cNvSpPr>
+          <p:nvPr>
+            <p:ph type="sldNum" sz="quarter" idx="12"/>
+          </p:nvPr>
+        </p:nvSpPr>
+        <p:spPr/>
+        <p:txBody>
+          <a:bodyPr/>
+          <a:lstStyle/>
+          <a:p>
+            <a:pPr algn="ctr"/>
+            <a:fld id="{1397BFD8-F312-4EF2-A268-44FB4BDDBBB0}" type="slidenum">
+              <a:rPr lang="ru-RU" smtClean="0"/>
+              <a:pPr algn="ctr"/>
+              <a:t>16</a:t>
+            </a:fld>
+            <a:endParaRPr lang="ru-RU" dirty="0"/>
+          </a:p>
+        </p:txBody>
+      </p:sp>
+      <p:sp>
+        <p:nvSpPr>
+          <p:cNvPr id="4" name="Title 3"/>
+          <p:cNvSpPr>
+            <a:spLocks noGrp="1"/>
+          </p:cNvSpPr>
+          <p:nvPr>
+            <p:ph type="title"/>
+          </p:nvPr>
+        </p:nvSpPr>
+        <p:spPr/>
+        <p:txBody>
+          <a:bodyPr>
+            <a:normAutofit/>
+          </a:bodyPr>
+          <a:lstStyle/>
+          <a:p>
+            <a:r>
+              <a:rPr lang="en-US" dirty="0"/>
+              <a:t>Sticky Bit Special </a:t>
+            </a:r>
+            <a:r>
+              <a:rPr lang="en-US" dirty="0" smtClean="0"/>
+              <a:t>Permissions</a:t>
+            </a:r>
+            <a:endParaRPr lang="en-US" dirty="0"/>
+          </a:p>
+        </p:txBody>
+      </p:sp>
+    </p:spTree>
+    <p:extLst>
+      <p:ext uri="{BB962C8B-B14F-4D97-AF65-F5344CB8AC3E}">
+        <p14:creationId xmlns:p14="http://schemas.microsoft.com/office/powerpoint/2010/main" val="2041610727"/>
+      </p:ext>
+    </p:extLst>
+  </p:cSld>
+  <p:clrMapOvr>
+    <a:masterClrMapping/>
+  </p:clrMapOvr>
+  <p:timing>
+    <p:tnLst>
+      <p:par>
+        <p:cTn id="1" dur="indefinite" restart="never" nodeType="tmRoot"/>
+      </p:par>
+    </p:tnLst>
+  </p:timing>
+</p:sld>
+</file>
+
+<file path=ppt/slides/slide17.xml><?xml version="1.0" encoding="utf-8"?>
+<p:sld xmlns:a="http://schemas.openxmlformats.org/drawingml/2006/main" xmlns:r="http://schemas.openxmlformats.org/officeDocument/2006/relationships" xmlns:p="http://schemas.openxmlformats.org/presentationml/2006/main">
+  <p:cSld>
+    <p:spTree>
+      <p:nvGrpSpPr>
+        <p:cNvPr id="1" name=""/>
+        <p:cNvGrpSpPr/>
+        <p:nvPr/>
+      </p:nvGrpSpPr>
+      <p:grpSpPr>
+        <a:xfrm>
+          <a:off x="0" y="0"/>
+          <a:ext cx="0" cy="0"/>
+          <a:chOff x="0" y="0"/>
+          <a:chExt cx="0" cy="0"/>
+        </a:xfrm>
+      </p:grpSpPr>
+      <p:sp>
+        <p:nvSpPr>
+          <p:cNvPr id="2" name="Content Placeholder 1"/>
+          <p:cNvSpPr>
+            <a:spLocks noGrp="1"/>
+          </p:cNvSpPr>
+          <p:nvPr>
+            <p:ph idx="1"/>
+          </p:nvPr>
+        </p:nvSpPr>
+        <p:spPr>
+          <a:xfrm>
+            <a:off x="1166191" y="1262615"/>
+            <a:ext cx="10515600" cy="1472001"/>
+          </a:xfrm>
+        </p:spPr>
+        <p:txBody>
+          <a:bodyPr/>
+          <a:lstStyle/>
+          <a:p>
+            <a:r>
+              <a:rPr lang="en-US" dirty="0" smtClean="0"/>
+              <a:t>Links (hard links)</a:t>
+            </a:r>
+          </a:p>
+          <a:p>
+            <a:r>
+              <a:rPr lang="en-US" dirty="0" smtClean="0"/>
+              <a:t>Symbolic links (soft links)</a:t>
+            </a:r>
+            <a:endParaRPr lang="en-US" dirty="0"/>
+          </a:p>
+        </p:txBody>
+      </p:sp>
+      <p:sp>
+        <p:nvSpPr>
+          <p:cNvPr id="3" name="Slide Number Placeholder 2"/>
+          <p:cNvSpPr>
+            <a:spLocks noGrp="1"/>
+          </p:cNvSpPr>
+          <p:nvPr>
+            <p:ph type="sldNum" sz="quarter" idx="12"/>
+          </p:nvPr>
+        </p:nvSpPr>
+        <p:spPr/>
+        <p:txBody>
+          <a:bodyPr/>
+          <a:lstStyle/>
+          <a:p>
+            <a:pPr algn="ctr"/>
+            <a:fld id="{1397BFD8-F312-4EF2-A268-44FB4BDDBBB0}" type="slidenum">
+              <a:rPr lang="ru-RU" smtClean="0"/>
+              <a:pPr algn="ctr"/>
+              <a:t>17</a:t>
+            </a:fld>
+            <a:endParaRPr lang="ru-RU" dirty="0"/>
+          </a:p>
+        </p:txBody>
+      </p:sp>
+      <p:sp>
+        <p:nvSpPr>
+          <p:cNvPr id="4" name="Title 3"/>
+          <p:cNvSpPr>
+            <a:spLocks noGrp="1"/>
+          </p:cNvSpPr>
+          <p:nvPr>
+            <p:ph type="title"/>
+          </p:nvPr>
+        </p:nvSpPr>
+        <p:spPr/>
+        <p:txBody>
+          <a:bodyPr/>
+          <a:lstStyle/>
+          <a:p>
+            <a:r>
+              <a:rPr lang="en-US" dirty="0" smtClean="0"/>
+              <a:t>Links</a:t>
+            </a:r>
+            <a:endParaRPr lang="en-US" dirty="0"/>
+          </a:p>
+        </p:txBody>
+      </p:sp>
+      <p:sp>
+        <p:nvSpPr>
+          <p:cNvPr id="5" name="Oval 4"/>
+          <p:cNvSpPr/>
+          <p:nvPr/>
+        </p:nvSpPr>
+        <p:spPr>
+          <a:xfrm>
+            <a:off x="2617172" y="3240156"/>
+            <a:ext cx="1537385" cy="834886"/>
+          </a:xfrm>
+          <a:prstGeom prst="ellipse">
+            <a:avLst/>
+          </a:prstGeom>
+          <a:solidFill>
+            <a:srgbClr val="2F5CB5"/>
+          </a:solidFill>
+        </p:spPr>
+        <p:style>
+          <a:lnRef idx="2">
+            <a:schemeClr val="accent1">
+              <a:shade val="50000"/>
+            </a:schemeClr>
+          </a:lnRef>
+          <a:fillRef idx="1">
+            <a:schemeClr val="accent1"/>
+          </a:fillRef>
+          <a:effectRef idx="0">
+            <a:schemeClr val="accent1"/>
+          </a:effectRef>
+          <a:fontRef idx="minor">
+            <a:schemeClr val="lt1"/>
+          </a:fontRef>
+        </p:style>
+        <p:txBody>
+          <a:bodyPr rtlCol="0" anchor="ctr"/>
+          <a:lstStyle/>
+          <a:p>
+            <a:pPr algn="ctr"/>
+            <a:r>
+              <a:rPr lang="en-US" sz="2400" b="1" dirty="0" err="1" smtClean="0">
+                <a:solidFill>
+                  <a:srgbClr val="F7B217"/>
+                </a:solidFill>
+              </a:rPr>
+              <a:t>i</a:t>
+            </a:r>
+            <a:r>
+              <a:rPr lang="en-US" sz="2400" b="1" dirty="0" smtClean="0">
+                <a:solidFill>
+                  <a:srgbClr val="F7B217"/>
+                </a:solidFill>
+              </a:rPr>
+              <a:t>-node</a:t>
+            </a:r>
+            <a:endParaRPr lang="en-US" sz="2400" b="1" dirty="0">
+              <a:solidFill>
+                <a:srgbClr val="F7B217"/>
+              </a:solidFill>
+            </a:endParaRPr>
+          </a:p>
+        </p:txBody>
+      </p:sp>
+      <p:sp>
+        <p:nvSpPr>
+          <p:cNvPr id="6" name="Oval 5"/>
+          <p:cNvSpPr/>
+          <p:nvPr/>
+        </p:nvSpPr>
+        <p:spPr>
+          <a:xfrm>
+            <a:off x="1739348" y="5148469"/>
+            <a:ext cx="1391611" cy="798612"/>
+          </a:xfrm>
+          <a:prstGeom prst="ellipse">
+            <a:avLst/>
+          </a:prstGeom>
+          <a:solidFill>
+            <a:srgbClr val="2F5CB5"/>
+          </a:solidFill>
+        </p:spPr>
+        <p:style>
+          <a:lnRef idx="2">
+            <a:schemeClr val="accent1">
+              <a:shade val="50000"/>
+            </a:schemeClr>
+          </a:lnRef>
+          <a:fillRef idx="1">
+            <a:schemeClr val="accent1"/>
+          </a:fillRef>
+          <a:effectRef idx="0">
+            <a:schemeClr val="accent1"/>
+          </a:effectRef>
+          <a:fontRef idx="minor">
+            <a:schemeClr val="lt1"/>
+          </a:fontRef>
+        </p:style>
+        <p:txBody>
+          <a:bodyPr rtlCol="0" anchor="ctr"/>
+          <a:lstStyle/>
+          <a:p>
+            <a:pPr algn="ctr"/>
+            <a:r>
+              <a:rPr lang="en-US" sz="2400" b="1" dirty="0" smtClean="0">
+                <a:solidFill>
+                  <a:srgbClr val="F7B217"/>
+                </a:solidFill>
+              </a:rPr>
+              <a:t>File</a:t>
+            </a:r>
+            <a:endParaRPr lang="en-US" sz="2400" b="1" dirty="0">
+              <a:solidFill>
+                <a:srgbClr val="F7B217"/>
+              </a:solidFill>
+            </a:endParaRPr>
+          </a:p>
+        </p:txBody>
+      </p:sp>
+      <p:sp>
+        <p:nvSpPr>
+          <p:cNvPr id="7" name="Oval 6"/>
+          <p:cNvSpPr/>
+          <p:nvPr/>
+        </p:nvSpPr>
+        <p:spPr>
+          <a:xfrm>
+            <a:off x="3644179" y="5086732"/>
+            <a:ext cx="1537385" cy="860349"/>
+          </a:xfrm>
+          <a:prstGeom prst="ellipse">
+            <a:avLst/>
+          </a:prstGeom>
+          <a:solidFill>
+            <a:srgbClr val="2F5CB5"/>
+          </a:solidFill>
+        </p:spPr>
+        <p:style>
+          <a:lnRef idx="2">
+            <a:schemeClr val="accent1">
+              <a:shade val="50000"/>
+            </a:schemeClr>
+          </a:lnRef>
+          <a:fillRef idx="1">
+            <a:schemeClr val="accent1"/>
+          </a:fillRef>
+          <a:effectRef idx="0">
+            <a:schemeClr val="accent1"/>
+          </a:effectRef>
+          <a:fontRef idx="minor">
+            <a:schemeClr val="lt1"/>
+          </a:fontRef>
+        </p:style>
+        <p:txBody>
+          <a:bodyPr rtlCol="0" anchor="ctr"/>
+          <a:lstStyle/>
+          <a:p>
+            <a:pPr algn="ctr"/>
+            <a:r>
+              <a:rPr lang="en-US" sz="2400" b="1" dirty="0" smtClean="0">
+                <a:solidFill>
+                  <a:srgbClr val="F7B217"/>
+                </a:solidFill>
+              </a:rPr>
+              <a:t>Hard link</a:t>
+            </a:r>
+            <a:endParaRPr lang="en-US" sz="2400" b="1" dirty="0">
+              <a:solidFill>
+                <a:srgbClr val="F7B217"/>
+              </a:solidFill>
+            </a:endParaRPr>
+          </a:p>
+        </p:txBody>
+      </p:sp>
+      <p:cxnSp>
+        <p:nvCxnSpPr>
+          <p:cNvPr id="10" name="Straight Arrow Connector 9"/>
+          <p:cNvCxnSpPr>
+            <a:stCxn id="6" idx="0"/>
+            <a:endCxn id="5" idx="3"/>
+          </p:cNvCxnSpPr>
+          <p:nvPr/>
+        </p:nvCxnSpPr>
+        <p:spPr>
+          <a:xfrm flipV="1">
+            <a:off x="2435154" y="3952776"/>
+            <a:ext cx="407163" cy="1195693"/>
+          </a:xfrm>
+          <a:prstGeom prst="straightConnector1">
+            <a:avLst/>
+          </a:prstGeom>
+          <a:ln w="63500">
+            <a:solidFill>
+              <a:srgbClr val="2F5CB5"/>
+            </a:solidFill>
+            <a:tailEnd type="triangle"/>
+          </a:ln>
+        </p:spPr>
+        <p:style>
+          <a:lnRef idx="1">
+            <a:schemeClr val="accent1"/>
+          </a:lnRef>
+          <a:fillRef idx="0">
+            <a:schemeClr val="accent1"/>
+          </a:fillRef>
+          <a:effectRef idx="0">
+            <a:schemeClr val="accent1"/>
+          </a:effectRef>
+          <a:fontRef idx="minor">
+            <a:schemeClr val="tx1"/>
+          </a:fontRef>
+        </p:style>
+      </p:cxnSp>
+      <p:cxnSp>
+        <p:nvCxnSpPr>
+          <p:cNvPr id="11" name="Straight Arrow Connector 10"/>
+          <p:cNvCxnSpPr>
+            <a:stCxn id="7" idx="0"/>
+            <a:endCxn id="5" idx="5"/>
+          </p:cNvCxnSpPr>
+          <p:nvPr/>
+        </p:nvCxnSpPr>
+        <p:spPr>
+          <a:xfrm flipH="1" flipV="1">
+            <a:off x="3929412" y="3952776"/>
+            <a:ext cx="483460" cy="1133956"/>
+          </a:xfrm>
+          <a:prstGeom prst="straightConnector1">
+            <a:avLst/>
+          </a:prstGeom>
+          <a:ln w="63500">
+            <a:solidFill>
+              <a:srgbClr val="2F5CB5"/>
+            </a:solidFill>
+            <a:tailEnd type="triangle"/>
+          </a:ln>
+        </p:spPr>
+        <p:style>
+          <a:lnRef idx="1">
+            <a:schemeClr val="accent1"/>
+          </a:lnRef>
+          <a:fillRef idx="0">
+            <a:schemeClr val="accent1"/>
+          </a:fillRef>
+          <a:effectRef idx="0">
+            <a:schemeClr val="accent1"/>
+          </a:effectRef>
+          <a:fontRef idx="minor">
+            <a:schemeClr val="tx1"/>
+          </a:fontRef>
+        </p:style>
+      </p:cxnSp>
+      <p:sp>
+        <p:nvSpPr>
+          <p:cNvPr id="21" name="Oval 20"/>
+          <p:cNvSpPr/>
+          <p:nvPr/>
+        </p:nvSpPr>
+        <p:spPr>
+          <a:xfrm>
+            <a:off x="6854552" y="3213652"/>
+            <a:ext cx="1537385" cy="834886"/>
+          </a:xfrm>
+          <a:prstGeom prst="ellipse">
+            <a:avLst/>
+          </a:prstGeom>
+          <a:solidFill>
+            <a:srgbClr val="2F5CB5"/>
+          </a:solidFill>
+        </p:spPr>
+        <p:style>
+          <a:lnRef idx="2">
+            <a:schemeClr val="accent1">
+              <a:shade val="50000"/>
+            </a:schemeClr>
+          </a:lnRef>
+          <a:fillRef idx="1">
+            <a:schemeClr val="accent1"/>
+          </a:fillRef>
+          <a:effectRef idx="0">
+            <a:schemeClr val="accent1"/>
+          </a:effectRef>
+          <a:fontRef idx="minor">
+            <a:schemeClr val="lt1"/>
+          </a:fontRef>
+        </p:style>
+        <p:txBody>
+          <a:bodyPr rtlCol="0" anchor="ctr"/>
+          <a:lstStyle/>
+          <a:p>
+            <a:pPr algn="ctr"/>
+            <a:r>
+              <a:rPr lang="en-US" sz="2400" b="1" dirty="0" err="1" smtClean="0">
+                <a:solidFill>
+                  <a:srgbClr val="F7B217"/>
+                </a:solidFill>
+              </a:rPr>
+              <a:t>i</a:t>
+            </a:r>
+            <a:r>
+              <a:rPr lang="en-US" sz="2400" b="1" dirty="0" smtClean="0">
+                <a:solidFill>
+                  <a:srgbClr val="F7B217"/>
+                </a:solidFill>
+              </a:rPr>
+              <a:t>-node</a:t>
+            </a:r>
+            <a:endParaRPr lang="en-US" sz="2400" b="1" dirty="0">
+              <a:solidFill>
+                <a:srgbClr val="F7B217"/>
+              </a:solidFill>
+            </a:endParaRPr>
+          </a:p>
+        </p:txBody>
+      </p:sp>
+      <p:sp>
+        <p:nvSpPr>
+          <p:cNvPr id="22" name="Oval 21"/>
+          <p:cNvSpPr/>
+          <p:nvPr/>
+        </p:nvSpPr>
+        <p:spPr>
+          <a:xfrm>
+            <a:off x="5976728" y="5121965"/>
+            <a:ext cx="1391611" cy="798612"/>
+          </a:xfrm>
+          <a:prstGeom prst="ellipse">
+            <a:avLst/>
+          </a:prstGeom>
+          <a:solidFill>
+            <a:srgbClr val="2F5CB5"/>
+          </a:solidFill>
+        </p:spPr>
+        <p:style>
+          <a:lnRef idx="2">
+            <a:schemeClr val="accent1">
+              <a:shade val="50000"/>
+            </a:schemeClr>
+          </a:lnRef>
+          <a:fillRef idx="1">
+            <a:schemeClr val="accent1"/>
+          </a:fillRef>
+          <a:effectRef idx="0">
+            <a:schemeClr val="accent1"/>
+          </a:effectRef>
+          <a:fontRef idx="minor">
+            <a:schemeClr val="lt1"/>
+          </a:fontRef>
+        </p:style>
+        <p:txBody>
+          <a:bodyPr rtlCol="0" anchor="ctr"/>
+          <a:lstStyle/>
+          <a:p>
+            <a:pPr algn="ctr"/>
+            <a:r>
+              <a:rPr lang="en-US" sz="2400" b="1" dirty="0" smtClean="0">
+                <a:solidFill>
+                  <a:srgbClr val="F7B217"/>
+                </a:solidFill>
+              </a:rPr>
+              <a:t>File</a:t>
+            </a:r>
+            <a:endParaRPr lang="en-US" sz="2400" b="1" dirty="0">
+              <a:solidFill>
+                <a:srgbClr val="F7B217"/>
+              </a:solidFill>
+            </a:endParaRPr>
+          </a:p>
+        </p:txBody>
+      </p:sp>
+      <p:sp>
+        <p:nvSpPr>
+          <p:cNvPr id="23" name="Oval 22"/>
+          <p:cNvSpPr/>
+          <p:nvPr/>
+        </p:nvSpPr>
+        <p:spPr>
+          <a:xfrm>
+            <a:off x="7881559" y="5090045"/>
+            <a:ext cx="1537385" cy="860349"/>
+          </a:xfrm>
+          <a:prstGeom prst="ellipse">
+            <a:avLst/>
+          </a:prstGeom>
+          <a:solidFill>
+            <a:srgbClr val="F7B217"/>
+          </a:solidFill>
+        </p:spPr>
+        <p:style>
+          <a:lnRef idx="2">
+            <a:schemeClr val="accent1">
+              <a:shade val="50000"/>
+            </a:schemeClr>
+          </a:lnRef>
+          <a:fillRef idx="1">
+            <a:schemeClr val="accent1"/>
+          </a:fillRef>
+          <a:effectRef idx="0">
+            <a:schemeClr val="accent1"/>
+          </a:effectRef>
+          <a:fontRef idx="minor">
+            <a:schemeClr val="lt1"/>
+          </a:fontRef>
+        </p:style>
+        <p:txBody>
+          <a:bodyPr rtlCol="0" anchor="ctr"/>
+          <a:lstStyle/>
+          <a:p>
+            <a:pPr algn="ctr"/>
+            <a:r>
+              <a:rPr lang="en-US" sz="2400" b="1" dirty="0" smtClean="0">
+                <a:solidFill>
+                  <a:srgbClr val="2F5CB5"/>
+                </a:solidFill>
+              </a:rPr>
+              <a:t>Hard link</a:t>
+            </a:r>
+            <a:endParaRPr lang="en-US" sz="2400" b="1" dirty="0">
+              <a:solidFill>
+                <a:srgbClr val="2F5CB5"/>
+              </a:solidFill>
+            </a:endParaRPr>
+          </a:p>
+        </p:txBody>
+      </p:sp>
+      <p:cxnSp>
+        <p:nvCxnSpPr>
+          <p:cNvPr id="24" name="Straight Arrow Connector 23"/>
+          <p:cNvCxnSpPr>
+            <a:stCxn id="22" idx="0"/>
+            <a:endCxn id="21" idx="3"/>
+          </p:cNvCxnSpPr>
+          <p:nvPr/>
+        </p:nvCxnSpPr>
+        <p:spPr>
+          <a:xfrm flipV="1">
+            <a:off x="6672534" y="3926272"/>
+            <a:ext cx="407163" cy="1195693"/>
+          </a:xfrm>
+          <a:prstGeom prst="straightConnector1">
+            <a:avLst/>
+          </a:prstGeom>
+          <a:ln w="63500">
+            <a:solidFill>
+              <a:srgbClr val="2F5CB5"/>
+            </a:solidFill>
+            <a:tailEnd type="triangle"/>
+          </a:ln>
+        </p:spPr>
+        <p:style>
+          <a:lnRef idx="1">
+            <a:schemeClr val="accent1"/>
+          </a:lnRef>
+          <a:fillRef idx="0">
+            <a:schemeClr val="accent1"/>
+          </a:fillRef>
+          <a:effectRef idx="0">
+            <a:schemeClr val="accent1"/>
+          </a:effectRef>
+          <a:fontRef idx="minor">
+            <a:schemeClr val="tx1"/>
+          </a:fontRef>
+        </p:style>
+      </p:cxnSp>
+      <p:cxnSp>
+        <p:nvCxnSpPr>
+          <p:cNvPr id="25" name="Straight Arrow Connector 24"/>
+          <p:cNvCxnSpPr>
+            <a:stCxn id="23" idx="2"/>
+            <a:endCxn id="22" idx="6"/>
+          </p:cNvCxnSpPr>
+          <p:nvPr/>
+        </p:nvCxnSpPr>
+        <p:spPr>
+          <a:xfrm flipH="1">
+            <a:off x="7368339" y="5520220"/>
+            <a:ext cx="513220" cy="1051"/>
+          </a:xfrm>
+          <a:prstGeom prst="straightConnector1">
+            <a:avLst/>
+          </a:prstGeom>
+          <a:ln w="63500">
+            <a:solidFill>
+              <a:srgbClr val="2F5CB5"/>
+            </a:solidFill>
+            <a:tailEnd type="triangle"/>
+          </a:ln>
+        </p:spPr>
+        <p:style>
+          <a:lnRef idx="1">
+            <a:schemeClr val="accent1"/>
+          </a:lnRef>
+          <a:fillRef idx="0">
+            <a:schemeClr val="accent1"/>
+          </a:fillRef>
+          <a:effectRef idx="0">
+            <a:schemeClr val="accent1"/>
+          </a:effectRef>
+          <a:fontRef idx="minor">
+            <a:schemeClr val="tx1"/>
+          </a:fontRef>
+        </p:style>
+      </p:cxnSp>
+    </p:spTree>
+    <p:extLst>
+      <p:ext uri="{BB962C8B-B14F-4D97-AF65-F5344CB8AC3E}">
+        <p14:creationId xmlns:p14="http://schemas.microsoft.com/office/powerpoint/2010/main" val="3513916660"/>
+      </p:ext>
+    </p:extLst>
+  </p:cSld>
+  <p:clrMapOvr>
+    <a:masterClrMapping/>
+  </p:clrMapOvr>
+  <p:timing>
+    <p:tnLst>
+      <p:par>
+        <p:cTn id="1" dur="indefinite" restart="never" nodeType="tmRoot"/>
+      </p:par>
+    </p:tnLst>
+  </p:timing>
+</p:sld>
+</file>
+
+<file path=ppt/slides/slide18.xml><?xml version="1.0" encoding="utf-8"?>
+<p:sld xmlns:a="http://schemas.openxmlformats.org/drawingml/2006/main" xmlns:r="http://schemas.openxmlformats.org/officeDocument/2006/relationships" xmlns:p="http://schemas.openxmlformats.org/presentationml/2006/main">
+  <p:cSld>
+    <p:spTree>
+      <p:nvGrpSpPr>
+        <p:cNvPr id="1" name=""/>
+        <p:cNvGrpSpPr/>
+        <p:nvPr/>
+      </p:nvGrpSpPr>
+      <p:grpSpPr>
+        <a:xfrm>
+          <a:off x="0" y="0"/>
+          <a:ext cx="0" cy="0"/>
+          <a:chOff x="0" y="0"/>
+          <a:chExt cx="0" cy="0"/>
+        </a:xfrm>
+      </p:grpSpPr>
+      <p:sp>
+        <p:nvSpPr>
+          <p:cNvPr id="3" name="Slide Number Placeholder 2"/>
+          <p:cNvSpPr>
+            <a:spLocks noGrp="1"/>
+          </p:cNvSpPr>
+          <p:nvPr>
+            <p:ph type="sldNum" sz="quarter" idx="12"/>
+          </p:nvPr>
+        </p:nvSpPr>
+        <p:spPr/>
+        <p:txBody>
+          <a:bodyPr/>
+          <a:lstStyle/>
+          <a:p>
+            <a:pPr algn="ctr"/>
+            <a:fld id="{1397BFD8-F312-4EF2-A268-44FB4BDDBBB0}" type="slidenum">
+              <a:rPr lang="ru-RU" smtClean="0"/>
+              <a:pPr algn="ctr"/>
+              <a:t>18</a:t>
+            </a:fld>
+            <a:endParaRPr lang="ru-RU" dirty="0"/>
+          </a:p>
+        </p:txBody>
+      </p:sp>
+      <p:sp>
+        <p:nvSpPr>
+          <p:cNvPr id="4" name="Title 3"/>
+          <p:cNvSpPr>
+            <a:spLocks noGrp="1"/>
+          </p:cNvSpPr>
+          <p:nvPr>
+            <p:ph type="title"/>
+          </p:nvPr>
+        </p:nvSpPr>
+        <p:spPr/>
+        <p:txBody>
+          <a:bodyPr/>
+          <a:lstStyle/>
+          <a:p>
+            <a:r>
+              <a:rPr lang="en-US" dirty="0" smtClean="0"/>
+              <a:t>Links: Example</a:t>
+            </a:r>
+            <a:endParaRPr lang="en-US" dirty="0"/>
+          </a:p>
+        </p:txBody>
+      </p:sp>
+      <p:sp>
+        <p:nvSpPr>
+          <p:cNvPr id="5" name="Rectangle 4"/>
+          <p:cNvSpPr/>
+          <p:nvPr/>
+        </p:nvSpPr>
+        <p:spPr>
+          <a:xfrm>
+            <a:off x="1538428" y="1681732"/>
+            <a:ext cx="9534939" cy="3170099"/>
+          </a:xfrm>
+          <a:prstGeom prst="rect">
+            <a:avLst/>
+          </a:prstGeom>
+          <a:solidFill>
+            <a:srgbClr val="2F5CB5"/>
+          </a:solidFill>
+        </p:spPr>
+        <p:txBody>
+          <a:bodyPr wrap="square">
+            <a:spAutoFit/>
+          </a:bodyPr>
+          <a:lstStyle/>
+          <a:p>
+            <a:r>
+              <a:rPr lang="en-US" sz="2000" b="1" dirty="0">
+                <a:solidFill>
+                  <a:srgbClr val="F7B217"/>
+                </a:solidFill>
+              </a:rPr>
+              <a:t>tatarnikov@akos:~$ </a:t>
+            </a:r>
+            <a:r>
+              <a:rPr lang="en-US" sz="2000" b="1" dirty="0" err="1">
+                <a:solidFill>
+                  <a:srgbClr val="F7B217"/>
+                </a:solidFill>
+              </a:rPr>
+              <a:t>mkdir</a:t>
+            </a:r>
+            <a:r>
+              <a:rPr lang="en-US" sz="2000" b="1" dirty="0">
+                <a:solidFill>
+                  <a:srgbClr val="F7B217"/>
+                </a:solidFill>
+              </a:rPr>
+              <a:t> links</a:t>
+            </a:r>
+          </a:p>
+          <a:p>
+            <a:r>
+              <a:rPr lang="en-US" sz="2000" b="1" dirty="0">
+                <a:solidFill>
+                  <a:srgbClr val="F7B217"/>
+                </a:solidFill>
+              </a:rPr>
+              <a:t>tatarnikov@akos:~$ cd links/</a:t>
+            </a:r>
+          </a:p>
+          <a:p>
+            <a:r>
+              <a:rPr lang="en-US" sz="2000" b="1" dirty="0">
+                <a:solidFill>
+                  <a:srgbClr val="F7B217"/>
+                </a:solidFill>
+              </a:rPr>
+              <a:t>tatarnikov@akos:~/links$ </a:t>
+            </a:r>
+            <a:r>
+              <a:rPr lang="en-US" sz="2000" b="1" dirty="0" err="1">
+                <a:solidFill>
+                  <a:srgbClr val="F7B217"/>
+                </a:solidFill>
+              </a:rPr>
+              <a:t>nano</a:t>
+            </a:r>
+            <a:r>
+              <a:rPr lang="en-US" sz="2000" b="1" dirty="0">
+                <a:solidFill>
+                  <a:srgbClr val="F7B217"/>
+                </a:solidFill>
+              </a:rPr>
+              <a:t> myfile.txt</a:t>
+            </a:r>
+          </a:p>
+          <a:p>
+            <a:r>
+              <a:rPr lang="en-US" sz="2000" b="1" dirty="0">
+                <a:solidFill>
+                  <a:srgbClr val="F7B217"/>
+                </a:solidFill>
+              </a:rPr>
+              <a:t>tatarnikov@akos:~/links$ ln myfile.txt </a:t>
+            </a:r>
+            <a:r>
+              <a:rPr lang="en-US" sz="2000" b="1" dirty="0" err="1">
+                <a:solidFill>
+                  <a:srgbClr val="F7B217"/>
+                </a:solidFill>
+              </a:rPr>
+              <a:t>hardlink</a:t>
+            </a:r>
+            <a:endParaRPr lang="en-US" sz="2000" b="1" dirty="0">
+              <a:solidFill>
+                <a:srgbClr val="F7B217"/>
+              </a:solidFill>
+            </a:endParaRPr>
+          </a:p>
+          <a:p>
+            <a:r>
+              <a:rPr lang="en-US" sz="2000" b="1" dirty="0">
+                <a:solidFill>
+                  <a:srgbClr val="F7B217"/>
+                </a:solidFill>
+              </a:rPr>
+              <a:t>tatarnikov@akos:~/links$ ln myfile.txt -s </a:t>
+            </a:r>
+            <a:r>
+              <a:rPr lang="en-US" sz="2000" b="1" dirty="0" err="1">
+                <a:solidFill>
+                  <a:srgbClr val="F7B217"/>
+                </a:solidFill>
+              </a:rPr>
+              <a:t>softlink</a:t>
+            </a:r>
+            <a:endParaRPr lang="en-US" sz="2000" b="1" dirty="0">
+              <a:solidFill>
+                <a:srgbClr val="F7B217"/>
+              </a:solidFill>
+            </a:endParaRPr>
+          </a:p>
+          <a:p>
+            <a:r>
+              <a:rPr lang="en-US" sz="2000" b="1" dirty="0">
+                <a:solidFill>
+                  <a:srgbClr val="F7B217"/>
+                </a:solidFill>
+              </a:rPr>
+              <a:t>tatarnikov@akos:~/links$ ls -li</a:t>
+            </a:r>
+          </a:p>
+          <a:p>
+            <a:r>
+              <a:rPr lang="en-US" sz="2000" b="1" dirty="0">
+                <a:solidFill>
+                  <a:srgbClr val="F7B217"/>
+                </a:solidFill>
+              </a:rPr>
+              <a:t>total 8</a:t>
+            </a:r>
+          </a:p>
+          <a:p>
+            <a:r>
+              <a:rPr lang="en-US" sz="2000" b="1" dirty="0">
+                <a:solidFill>
+                  <a:srgbClr val="F7B217"/>
+                </a:solidFill>
+              </a:rPr>
+              <a:t>1030979 -</a:t>
+            </a:r>
+            <a:r>
+              <a:rPr lang="en-US" sz="2000" b="1" dirty="0" err="1">
+                <a:solidFill>
+                  <a:srgbClr val="F7B217"/>
+                </a:solidFill>
+              </a:rPr>
+              <a:t>rw</a:t>
+            </a:r>
+            <a:r>
+              <a:rPr lang="en-US" sz="2000" b="1" dirty="0">
+                <a:solidFill>
+                  <a:srgbClr val="F7B217"/>
+                </a:solidFill>
+              </a:rPr>
+              <a:t>-</a:t>
+            </a:r>
+            <a:r>
+              <a:rPr lang="en-US" sz="2000" b="1" dirty="0" err="1">
+                <a:solidFill>
+                  <a:srgbClr val="F7B217"/>
+                </a:solidFill>
+              </a:rPr>
+              <a:t>rw</a:t>
+            </a:r>
+            <a:r>
+              <a:rPr lang="en-US" sz="2000" b="1" dirty="0">
+                <a:solidFill>
+                  <a:srgbClr val="F7B217"/>
+                </a:solidFill>
+              </a:rPr>
+              <a:t>-r-- 2 </a:t>
+            </a:r>
+            <a:r>
+              <a:rPr lang="en-US" sz="2000" b="1" dirty="0" err="1">
+                <a:solidFill>
+                  <a:srgbClr val="F7B217"/>
+                </a:solidFill>
+              </a:rPr>
+              <a:t>tatarnikov</a:t>
+            </a:r>
+            <a:r>
+              <a:rPr lang="en-US" sz="2000" b="1" dirty="0">
+                <a:solidFill>
+                  <a:srgbClr val="F7B217"/>
+                </a:solidFill>
+              </a:rPr>
+              <a:t> </a:t>
+            </a:r>
+            <a:r>
+              <a:rPr lang="en-US" sz="2000" b="1" dirty="0" err="1">
+                <a:solidFill>
+                  <a:srgbClr val="F7B217"/>
+                </a:solidFill>
+              </a:rPr>
+              <a:t>tatarnikov</a:t>
+            </a:r>
+            <a:r>
+              <a:rPr lang="en-US" sz="2000" b="1" dirty="0">
+                <a:solidFill>
+                  <a:srgbClr val="F7B217"/>
+                </a:solidFill>
+              </a:rPr>
+              <a:t> 19 May 24 05:33 </a:t>
+            </a:r>
+            <a:r>
+              <a:rPr lang="en-US" sz="2000" b="1" dirty="0" err="1">
+                <a:solidFill>
+                  <a:srgbClr val="F7B217"/>
+                </a:solidFill>
+              </a:rPr>
+              <a:t>hardlink</a:t>
+            </a:r>
+            <a:endParaRPr lang="en-US" sz="2000" b="1" dirty="0">
+              <a:solidFill>
+                <a:srgbClr val="F7B217"/>
+              </a:solidFill>
+            </a:endParaRPr>
+          </a:p>
+          <a:p>
+            <a:r>
+              <a:rPr lang="en-US" sz="2000" b="1" dirty="0">
+                <a:solidFill>
+                  <a:srgbClr val="F7B217"/>
+                </a:solidFill>
+              </a:rPr>
+              <a:t>1030979 -</a:t>
+            </a:r>
+            <a:r>
+              <a:rPr lang="en-US" sz="2000" b="1" dirty="0" err="1">
+                <a:solidFill>
+                  <a:srgbClr val="F7B217"/>
+                </a:solidFill>
+              </a:rPr>
+              <a:t>rw</a:t>
+            </a:r>
+            <a:r>
+              <a:rPr lang="en-US" sz="2000" b="1" dirty="0">
+                <a:solidFill>
+                  <a:srgbClr val="F7B217"/>
+                </a:solidFill>
+              </a:rPr>
+              <a:t>-</a:t>
+            </a:r>
+            <a:r>
+              <a:rPr lang="en-US" sz="2000" b="1" dirty="0" err="1">
+                <a:solidFill>
+                  <a:srgbClr val="F7B217"/>
+                </a:solidFill>
+              </a:rPr>
+              <a:t>rw</a:t>
+            </a:r>
+            <a:r>
+              <a:rPr lang="en-US" sz="2000" b="1" dirty="0">
+                <a:solidFill>
+                  <a:srgbClr val="F7B217"/>
+                </a:solidFill>
+              </a:rPr>
+              <a:t>-r-- 2 </a:t>
+            </a:r>
+            <a:r>
+              <a:rPr lang="en-US" sz="2000" b="1" dirty="0" err="1">
+                <a:solidFill>
+                  <a:srgbClr val="F7B217"/>
+                </a:solidFill>
+              </a:rPr>
+              <a:t>tatarnikov</a:t>
+            </a:r>
+            <a:r>
+              <a:rPr lang="en-US" sz="2000" b="1" dirty="0">
+                <a:solidFill>
+                  <a:srgbClr val="F7B217"/>
+                </a:solidFill>
+              </a:rPr>
+              <a:t> </a:t>
+            </a:r>
+            <a:r>
+              <a:rPr lang="en-US" sz="2000" b="1" dirty="0" err="1">
+                <a:solidFill>
+                  <a:srgbClr val="F7B217"/>
+                </a:solidFill>
+              </a:rPr>
+              <a:t>tatarnikov</a:t>
+            </a:r>
+            <a:r>
+              <a:rPr lang="en-US" sz="2000" b="1" dirty="0">
+                <a:solidFill>
+                  <a:srgbClr val="F7B217"/>
+                </a:solidFill>
+              </a:rPr>
+              <a:t> 19 May 24 05:33 myfile.txt</a:t>
+            </a:r>
+          </a:p>
+          <a:p>
+            <a:r>
+              <a:rPr lang="en-US" sz="2000" b="1" dirty="0">
+                <a:solidFill>
+                  <a:srgbClr val="F7B217"/>
+                </a:solidFill>
+              </a:rPr>
+              <a:t>1030978 </a:t>
+            </a:r>
+            <a:r>
+              <a:rPr lang="en-US" sz="2000" b="1" dirty="0" err="1">
+                <a:solidFill>
+                  <a:srgbClr val="F7B217"/>
+                </a:solidFill>
+              </a:rPr>
+              <a:t>lrwxrwxrwx</a:t>
+            </a:r>
+            <a:r>
+              <a:rPr lang="en-US" sz="2000" b="1" dirty="0">
+                <a:solidFill>
+                  <a:srgbClr val="F7B217"/>
+                </a:solidFill>
+              </a:rPr>
+              <a:t> 1 </a:t>
+            </a:r>
+            <a:r>
+              <a:rPr lang="en-US" sz="2000" b="1" dirty="0" err="1">
+                <a:solidFill>
+                  <a:srgbClr val="F7B217"/>
+                </a:solidFill>
+              </a:rPr>
+              <a:t>tatarnikov</a:t>
+            </a:r>
+            <a:r>
+              <a:rPr lang="en-US" sz="2000" b="1" dirty="0">
+                <a:solidFill>
+                  <a:srgbClr val="F7B217"/>
+                </a:solidFill>
+              </a:rPr>
+              <a:t> </a:t>
+            </a:r>
+            <a:r>
+              <a:rPr lang="en-US" sz="2000" b="1" dirty="0" err="1">
+                <a:solidFill>
+                  <a:srgbClr val="F7B217"/>
+                </a:solidFill>
+              </a:rPr>
+              <a:t>tatarnikov</a:t>
+            </a:r>
+            <a:r>
+              <a:rPr lang="en-US" sz="2000" b="1" dirty="0">
+                <a:solidFill>
+                  <a:srgbClr val="F7B217"/>
+                </a:solidFill>
+              </a:rPr>
+              <a:t> 10 May 24 05:33 </a:t>
+            </a:r>
+            <a:r>
+              <a:rPr lang="en-US" sz="2000" b="1" dirty="0" err="1">
+                <a:solidFill>
+                  <a:srgbClr val="F7B217"/>
+                </a:solidFill>
+              </a:rPr>
+              <a:t>softlink</a:t>
+            </a:r>
+            <a:r>
+              <a:rPr lang="en-US" sz="2000" b="1" dirty="0">
+                <a:solidFill>
+                  <a:srgbClr val="F7B217"/>
+                </a:solidFill>
+              </a:rPr>
+              <a:t> -&gt; myfile.txt</a:t>
+            </a:r>
+          </a:p>
+        </p:txBody>
+      </p:sp>
+    </p:spTree>
+    <p:extLst>
+      <p:ext uri="{BB962C8B-B14F-4D97-AF65-F5344CB8AC3E}">
+        <p14:creationId xmlns:p14="http://schemas.microsoft.com/office/powerpoint/2010/main" val="2995188776"/>
+      </p:ext>
+    </p:extLst>
+  </p:cSld>
+  <p:clrMapOvr>
+    <a:masterClrMapping/>
+  </p:clrMapOvr>
+  <p:timing>
+    <p:tnLst>
+      <p:par>
+        <p:cTn id="1" dur="indefinite" restart="never" nodeType="tmRoot"/>
+      </p:par>
+    </p:tnLst>
+  </p:timing>
+</p:sld>
+</file>
+
+<file path=ppt/slides/slide19.xml><?xml version="1.0" encoding="utf-8"?>
+<p:sld xmlns:a="http://schemas.openxmlformats.org/drawingml/2006/main" xmlns:r="http://schemas.openxmlformats.org/officeDocument/2006/relationships" xmlns:p="http://schemas.openxmlformats.org/presentationml/2006/main">
+  <p:cSld>
+    <p:spTree>
+      <p:nvGrpSpPr>
+        <p:cNvPr id="1" name=""/>
+        <p:cNvGrpSpPr/>
+        <p:nvPr/>
+      </p:nvGrpSpPr>
+      <p:grpSpPr>
+        <a:xfrm>
+          <a:off x="0" y="0"/>
+          <a:ext cx="0" cy="0"/>
+          <a:chOff x="0" y="0"/>
+          <a:chExt cx="0" cy="0"/>
+        </a:xfrm>
+      </p:grpSpPr>
+      <p:sp>
+        <p:nvSpPr>
           <p:cNvPr id="4" name="Прямоугольник 3"/>
           <p:cNvSpPr/>
           <p:nvPr/>
@@ -5104,7 +8625,7 @@
             <a:fld id="{1397BFD8-F312-4EF2-A268-44FB4BDDBBB0}" type="slidenum">
               <a:rPr lang="ru-RU" smtClean="0"/>
               <a:pPr algn="ctr"/>
-              <a:t>12</a:t>
+              <a:t>19</a:t>
             </a:fld>
             <a:endParaRPr lang="ru-RU" dirty="0"/>
           </a:p>
@@ -5277,11 +8798,7 @@
           <a:p>
             <a:r>
               <a:rPr lang="en-US" dirty="0" smtClean="0"/>
-              <a:t>Authentication and Access </a:t>
-            </a:r>
-            <a:r>
-              <a:rPr lang="en-US" dirty="0" smtClean="0"/>
-              <a:t>Control</a:t>
+              <a:t>Authentication and Access Control</a:t>
             </a:r>
             <a:endParaRPr lang="en-US" dirty="0"/>
           </a:p>
@@ -5334,53 +8851,109 @@
             <p:ph idx="1"/>
           </p:nvPr>
         </p:nvSpPr>
-        <p:spPr/>
+        <p:spPr>
+          <a:xfrm>
+            <a:off x="838200" y="1091318"/>
+            <a:ext cx="10515600" cy="4365265"/>
+          </a:xfrm>
+        </p:spPr>
         <p:txBody>
           <a:bodyPr/>
           <a:lstStyle/>
           <a:p>
             <a:pPr>
               <a:spcBef>
-                <a:spcPts val="3600"/>
+                <a:spcPts val="600"/>
               </a:spcBef>
             </a:pPr>
             <a:r>
+              <a:rPr lang="en-US" dirty="0"/>
+              <a:t>Login </a:t>
+            </a:r>
+            <a:r>
               <a:rPr lang="en-US" dirty="0" smtClean="0"/>
-              <a:t>User with UID = 0 is special</a:t>
-            </a:r>
+              <a:t>Name</a:t>
+            </a:r>
+            <a:endParaRPr lang="en-US" dirty="0"/>
           </a:p>
           <a:p>
             <a:pPr>
               <a:spcBef>
-                <a:spcPts val="3600"/>
+                <a:spcPts val="600"/>
               </a:spcBef>
             </a:pPr>
             <a:r>
+              <a:rPr lang="en-US" dirty="0"/>
+              <a:t>Encrypted </a:t>
+            </a:r>
+            <a:r>
               <a:rPr lang="en-US" dirty="0" smtClean="0"/>
-              <a:t>It is typically named “</a:t>
-            </a:r>
-            <a:r>
-              <a:rPr lang="ru-RU" dirty="0" smtClean="0"/>
-              <a:t>root</a:t>
-            </a:r>
-            <a:r>
-              <a:rPr lang="en-US" dirty="0" smtClean="0"/>
-              <a:t>” (though this is not fixed)</a:t>
-            </a:r>
+              <a:t>Password</a:t>
+            </a:r>
+            <a:endParaRPr lang="en-US" dirty="0"/>
           </a:p>
           <a:p>
             <a:pPr>
               <a:spcBef>
-                <a:spcPts val="3600"/>
+                <a:spcPts val="600"/>
               </a:spcBef>
             </a:pPr>
             <a:r>
               <a:rPr lang="en-US" dirty="0"/>
-              <a:t>A</a:t>
+              <a:t>User ID (UID)</a:t>
+            </a:r>
+          </a:p>
+          <a:p>
+            <a:pPr>
+              <a:spcBef>
+                <a:spcPts val="600"/>
+              </a:spcBef>
+            </a:pPr>
+            <a:r>
+              <a:rPr lang="en-US" dirty="0"/>
+              <a:t>Group ID (GID)</a:t>
+            </a:r>
+          </a:p>
+          <a:p>
+            <a:pPr>
+              <a:spcBef>
+                <a:spcPts val="600"/>
+              </a:spcBef>
+            </a:pPr>
+            <a:r>
+              <a:rPr lang="en-US" dirty="0"/>
+              <a:t>Home </a:t>
             </a:r>
             <a:r>
               <a:rPr lang="en-US" dirty="0" smtClean="0"/>
-              <a:t> process is run by root has not access control limitations (can do everything)</a:t>
+              <a:t>Directory</a:t>
+            </a:r>
+            <a:endParaRPr lang="en-US" dirty="0"/>
+          </a:p>
+          <a:p>
+            <a:pPr>
+              <a:spcBef>
+                <a:spcPts val="600"/>
+              </a:spcBef>
+            </a:pPr>
+            <a:r>
+              <a:rPr lang="en-US" dirty="0"/>
+              <a:t>Comment</a:t>
+            </a:r>
+          </a:p>
+          <a:p>
+            <a:pPr>
+              <a:spcBef>
+                <a:spcPts val="600"/>
+              </a:spcBef>
+            </a:pPr>
+            <a:r>
+              <a:rPr lang="en-US" dirty="0"/>
+              <a:t>Login </a:t>
+            </a:r>
+            <a:r>
+              <a:rPr lang="en-US" dirty="0" smtClean="0"/>
+              <a:t>Shell</a:t>
             </a:r>
             <a:endParaRPr lang="en-US" dirty="0"/>
           </a:p>
@@ -5428,16 +9001,179 @@
           <a:p>
             <a:r>
               <a:rPr lang="en-US" dirty="0" smtClean="0"/>
-              <a:t>Root User</a:t>
+              <a:t>User Attributes</a:t>
             </a:r>
             <a:endParaRPr lang="en-US" dirty="0"/>
+          </a:p>
+        </p:txBody>
+      </p:sp>
+      <p:sp>
+        <p:nvSpPr>
+          <p:cNvPr id="5" name="Rectangle 4"/>
+          <p:cNvSpPr/>
+          <p:nvPr/>
+        </p:nvSpPr>
+        <p:spPr>
+          <a:xfrm>
+            <a:off x="2968484" y="5080819"/>
+            <a:ext cx="7626627" cy="1569660"/>
+          </a:xfrm>
+          <a:prstGeom prst="rect">
+            <a:avLst/>
+          </a:prstGeom>
+          <a:solidFill>
+            <a:srgbClr val="2F5CB5"/>
+          </a:solidFill>
+          <a:ln>
+            <a:solidFill>
+              <a:schemeClr val="accent1"/>
+            </a:solidFill>
+          </a:ln>
+        </p:spPr>
+        <p:txBody>
+          <a:bodyPr wrap="square">
+            <a:spAutoFit/>
+          </a:bodyPr>
+          <a:lstStyle/>
+          <a:p>
+            <a:r>
+              <a:rPr lang="en-US" sz="2400" b="1" dirty="0">
+                <a:solidFill>
+                  <a:srgbClr val="F7B217"/>
+                </a:solidFill>
+              </a:rPr>
+              <a:t>tatarnikov@akos:~$ cat /</a:t>
+            </a:r>
+            <a:r>
+              <a:rPr lang="en-US" sz="2400" b="1" dirty="0" err="1">
+                <a:solidFill>
+                  <a:srgbClr val="F7B217"/>
+                </a:solidFill>
+              </a:rPr>
+              <a:t>etc</a:t>
+            </a:r>
+            <a:r>
+              <a:rPr lang="en-US" sz="2400" b="1" dirty="0">
+                <a:solidFill>
+                  <a:srgbClr val="F7B217"/>
+                </a:solidFill>
+              </a:rPr>
+              <a:t>/</a:t>
+            </a:r>
+            <a:r>
+              <a:rPr lang="en-US" sz="2400" b="1" dirty="0" err="1">
+                <a:solidFill>
+                  <a:srgbClr val="F7B217"/>
+                </a:solidFill>
+              </a:rPr>
+              <a:t>passwd</a:t>
+            </a:r>
+            <a:r>
+              <a:rPr lang="en-US" sz="2400" b="1" dirty="0">
+                <a:solidFill>
+                  <a:srgbClr val="F7B217"/>
+                </a:solidFill>
+              </a:rPr>
+              <a:t> | grep -C 1 </a:t>
+            </a:r>
+            <a:r>
+              <a:rPr lang="en-US" sz="2400" b="1" dirty="0" err="1">
+                <a:solidFill>
+                  <a:srgbClr val="F7B217"/>
+                </a:solidFill>
+              </a:rPr>
+              <a:t>tatarnikov</a:t>
+            </a:r>
+            <a:endParaRPr lang="en-US" sz="2400" b="1" dirty="0">
+              <a:solidFill>
+                <a:srgbClr val="F7B217"/>
+              </a:solidFill>
+            </a:endParaRPr>
+          </a:p>
+          <a:p>
+            <a:r>
+              <a:rPr lang="en-US" sz="2400" b="1" dirty="0">
+                <a:solidFill>
+                  <a:srgbClr val="F7B217"/>
+                </a:solidFill>
+              </a:rPr>
+              <a:t>rdavydov:x:1000:1001::/home/</a:t>
+            </a:r>
+            <a:r>
+              <a:rPr lang="en-US" sz="2400" b="1" dirty="0" err="1">
+                <a:solidFill>
+                  <a:srgbClr val="F7B217"/>
+                </a:solidFill>
+              </a:rPr>
+              <a:t>rdavydov</a:t>
+            </a:r>
+            <a:r>
+              <a:rPr lang="en-US" sz="2400" b="1" dirty="0">
+                <a:solidFill>
+                  <a:srgbClr val="F7B217"/>
+                </a:solidFill>
+              </a:rPr>
+              <a:t>:/bin/bash</a:t>
+            </a:r>
+          </a:p>
+          <a:p>
+            <a:r>
+              <a:rPr lang="en-US" sz="2400" b="1" dirty="0">
+                <a:solidFill>
+                  <a:srgbClr val="F7B217"/>
+                </a:solidFill>
+              </a:rPr>
+              <a:t>tatarnikov:x:1001:1002:,,,:/home/</a:t>
+            </a:r>
+            <a:r>
+              <a:rPr lang="en-US" sz="2400" b="1" dirty="0" err="1">
+                <a:solidFill>
+                  <a:srgbClr val="F7B217"/>
+                </a:solidFill>
+              </a:rPr>
+              <a:t>tatarnikov</a:t>
+            </a:r>
+            <a:r>
+              <a:rPr lang="en-US" sz="2400" b="1" dirty="0">
+                <a:solidFill>
+                  <a:srgbClr val="F7B217"/>
+                </a:solidFill>
+              </a:rPr>
+              <a:t>:/bin/bash</a:t>
+            </a:r>
+          </a:p>
+          <a:p>
+            <a:r>
+              <a:rPr lang="en-US" sz="2400" b="1" dirty="0">
+                <a:solidFill>
+                  <a:srgbClr val="F7B217"/>
+                </a:solidFill>
+              </a:rPr>
+              <a:t>chgena:x:1002:1003:,,,:/home/</a:t>
+            </a:r>
+            <a:r>
+              <a:rPr lang="en-US" sz="2400" b="1" dirty="0" err="1">
+                <a:solidFill>
+                  <a:srgbClr val="F7B217"/>
+                </a:solidFill>
+              </a:rPr>
+              <a:t>chgena</a:t>
+            </a:r>
+            <a:r>
+              <a:rPr lang="en-US" sz="2400" b="1" dirty="0">
+                <a:solidFill>
+                  <a:srgbClr val="F7B217"/>
+                </a:solidFill>
+              </a:rPr>
+              <a:t>:/bin/bash</a:t>
+            </a:r>
           </a:p>
         </p:txBody>
       </p:sp>
     </p:spTree>
     <p:extLst>
       <p:ext uri="{BB962C8B-B14F-4D97-AF65-F5344CB8AC3E}">
-        <p14:creationId xmlns:p14="http://schemas.microsoft.com/office/powerpoint/2010/main" val="113659813"/>
+        <p14:creationId xmlns:p14="http://schemas.microsoft.com/office/powerpoint/2010/main" val="748968562"/>
       </p:ext>
     </p:extLst>
   </p:cSld>
@@ -5481,109 +9217,77 @@
             <p:ph idx="1"/>
           </p:nvPr>
         </p:nvSpPr>
-        <p:spPr>
-          <a:xfrm>
-            <a:off x="838200" y="1091318"/>
-            <a:ext cx="10515600" cy="4365265"/>
-          </a:xfrm>
-        </p:spPr>
+        <p:spPr/>
         <p:txBody>
           <a:bodyPr/>
           <a:lstStyle/>
           <a:p>
             <a:pPr>
               <a:spcBef>
-                <a:spcPts val="600"/>
+                <a:spcPts val="3600"/>
               </a:spcBef>
             </a:pPr>
             <a:r>
-              <a:rPr lang="en-US" dirty="0"/>
-              <a:t>Login </a:t>
-            </a:r>
-            <a:r>
               <a:rPr lang="en-US" dirty="0" smtClean="0"/>
-              <a:t>Name</a:t>
-            </a:r>
-            <a:endParaRPr lang="en-US" dirty="0"/>
+              <a:t>User with UID = 0 is special</a:t>
+            </a:r>
           </a:p>
           <a:p>
             <a:pPr>
               <a:spcBef>
-                <a:spcPts val="600"/>
+                <a:spcPts val="3600"/>
               </a:spcBef>
             </a:pPr>
             <a:r>
-              <a:rPr lang="en-US" dirty="0"/>
-              <a:t>Encrypted </a:t>
-            </a:r>
-            <a:r>
               <a:rPr lang="en-US" dirty="0" smtClean="0"/>
-              <a:t>Password</a:t>
-            </a:r>
-            <a:endParaRPr lang="en-US" dirty="0"/>
+              <a:t>It is typically named </a:t>
+            </a:r>
+            <a:r>
+              <a:rPr lang="ru-RU" b="1" dirty="0" smtClean="0"/>
+              <a:t>root</a:t>
+            </a:r>
+            <a:r>
+              <a:rPr lang="en-US" dirty="0" smtClean="0"/>
+              <a:t> </a:t>
+            </a:r>
+            <a:r>
+              <a:rPr lang="en-US" dirty="0" smtClean="0"/>
+              <a:t>(though this is not fixed)</a:t>
+            </a:r>
           </a:p>
           <a:p>
             <a:pPr>
               <a:spcBef>
-                <a:spcPts val="600"/>
+                <a:spcPts val="3600"/>
               </a:spcBef>
             </a:pPr>
             <a:r>
               <a:rPr lang="en-US" dirty="0"/>
-              <a:t>User ID (UID)</a:t>
-            </a:r>
-          </a:p>
-          <a:p>
-            <a:pPr>
-              <a:spcBef>
-                <a:spcPts val="600"/>
-              </a:spcBef>
-            </a:pPr>
-            <a:r>
-              <a:rPr lang="en-US" dirty="0"/>
-              <a:t>Group ID (GID)</a:t>
-            </a:r>
-          </a:p>
-          <a:p>
-            <a:pPr>
-              <a:spcBef>
-                <a:spcPts val="600"/>
-              </a:spcBef>
-            </a:pPr>
-            <a:r>
-              <a:rPr lang="en-US" dirty="0"/>
-              <a:t>Home </a:t>
+              <a:t>P</a:t>
             </a:r>
             <a:r>
               <a:rPr lang="en-US" dirty="0" smtClean="0"/>
-              <a:t>Directory</a:t>
-            </a:r>
-            <a:endParaRPr lang="en-US" dirty="0"/>
-          </a:p>
-          <a:p>
-            <a:pPr>
-              <a:spcBef>
-                <a:spcPts val="600"/>
-              </a:spcBef>
-            </a:pPr>
-            <a:r>
-              <a:rPr lang="en-US" dirty="0"/>
-              <a:t>Comment</a:t>
-            </a:r>
-          </a:p>
-          <a:p>
-            <a:pPr>
-              <a:spcBef>
-                <a:spcPts val="600"/>
-              </a:spcBef>
-            </a:pPr>
-            <a:r>
-              <a:rPr lang="en-US" dirty="0"/>
-              <a:t>Login </a:t>
+              <a:t>rocesses run </a:t>
             </a:r>
             <a:r>
               <a:rPr lang="en-US" dirty="0" smtClean="0"/>
-              <a:t>Shell</a:t>
+              <a:t>by </a:t>
+            </a:r>
+            <a:r>
+              <a:rPr lang="en-US" b="1" dirty="0" smtClean="0"/>
+              <a:t>root</a:t>
+            </a:r>
+            <a:r>
+              <a:rPr lang="en-US" dirty="0" smtClean="0"/>
+              <a:t> </a:t>
+            </a:r>
+            <a:r>
+              <a:rPr lang="en-US" dirty="0" smtClean="0"/>
+              <a:t>have no </a:t>
+            </a:r>
+            <a:r>
+              <a:rPr lang="en-US" dirty="0" smtClean="0"/>
+              <a:t>access control limitations (can do everything)</a:t>
             </a:r>
             <a:endParaRPr lang="en-US" dirty="0"/>
           </a:p>
@@ -5631,179 +9335,16 @@
           <a:p>
             <a:r>
               <a:rPr lang="en-US" dirty="0" smtClean="0"/>
-              <a:t>User Attributes</a:t>
+              <a:t>Root User</a:t>
             </a:r>
             <a:endParaRPr lang="en-US" dirty="0"/>
-          </a:p>
-        </p:txBody>
-      </p:sp>
-      <p:sp>
-        <p:nvSpPr>
-          <p:cNvPr id="5" name="Rectangle 4"/>
-          <p:cNvSpPr/>
-          <p:nvPr/>
-        </p:nvSpPr>
-        <p:spPr>
-          <a:xfrm>
-            <a:off x="2968484" y="5080819"/>
-            <a:ext cx="7626627" cy="1569660"/>
-          </a:xfrm>
-          <a:prstGeom prst="rect">
-            <a:avLst/>
-          </a:prstGeom>
-          <a:solidFill>
-            <a:srgbClr val="2F5CB5"/>
-          </a:solidFill>
-          <a:ln>
-            <a:solidFill>
-              <a:schemeClr val="accent1"/>
-            </a:solidFill>
-          </a:ln>
-        </p:spPr>
-        <p:txBody>
-          <a:bodyPr wrap="square">
-            <a:spAutoFit/>
-          </a:bodyPr>
-          <a:lstStyle/>
-          <a:p>
-            <a:r>
-              <a:rPr lang="en-US" sz="2400" b="1" dirty="0">
-                <a:solidFill>
-                  <a:srgbClr val="F7B217"/>
-                </a:solidFill>
-              </a:rPr>
-              <a:t>tatarnikov@akos:~$ cat /</a:t>
-            </a:r>
-            <a:r>
-              <a:rPr lang="en-US" sz="2400" b="1" dirty="0" err="1">
-                <a:solidFill>
-                  <a:srgbClr val="F7B217"/>
-                </a:solidFill>
-              </a:rPr>
-              <a:t>etc</a:t>
-            </a:r>
-            <a:r>
-              <a:rPr lang="en-US" sz="2400" b="1" dirty="0">
-                <a:solidFill>
-                  <a:srgbClr val="F7B217"/>
-                </a:solidFill>
-              </a:rPr>
-              <a:t>/</a:t>
-            </a:r>
-            <a:r>
-              <a:rPr lang="en-US" sz="2400" b="1" dirty="0" err="1">
-                <a:solidFill>
-                  <a:srgbClr val="F7B217"/>
-                </a:solidFill>
-              </a:rPr>
-              <a:t>passwd</a:t>
-            </a:r>
-            <a:r>
-              <a:rPr lang="en-US" sz="2400" b="1" dirty="0">
-                <a:solidFill>
-                  <a:srgbClr val="F7B217"/>
-                </a:solidFill>
-              </a:rPr>
-              <a:t> | grep -C 1 </a:t>
-            </a:r>
-            <a:r>
-              <a:rPr lang="en-US" sz="2400" b="1" dirty="0" err="1">
-                <a:solidFill>
-                  <a:srgbClr val="F7B217"/>
-                </a:solidFill>
-              </a:rPr>
-              <a:t>tatarnikov</a:t>
-            </a:r>
-            <a:endParaRPr lang="en-US" sz="2400" b="1" dirty="0">
-              <a:solidFill>
-                <a:srgbClr val="F7B217"/>
-              </a:solidFill>
-            </a:endParaRPr>
-          </a:p>
-          <a:p>
-            <a:r>
-              <a:rPr lang="en-US" sz="2400" b="1" dirty="0">
-                <a:solidFill>
-                  <a:srgbClr val="F7B217"/>
-                </a:solidFill>
-              </a:rPr>
-              <a:t>rdavydov:x:1000:1001::/home/</a:t>
-            </a:r>
-            <a:r>
-              <a:rPr lang="en-US" sz="2400" b="1" dirty="0" err="1">
-                <a:solidFill>
-                  <a:srgbClr val="F7B217"/>
-                </a:solidFill>
-              </a:rPr>
-              <a:t>rdavydov</a:t>
-            </a:r>
-            <a:r>
-              <a:rPr lang="en-US" sz="2400" b="1" dirty="0">
-                <a:solidFill>
-                  <a:srgbClr val="F7B217"/>
-                </a:solidFill>
-              </a:rPr>
-              <a:t>:/bin/bash</a:t>
-            </a:r>
-          </a:p>
-          <a:p>
-            <a:r>
-              <a:rPr lang="en-US" sz="2400" b="1" dirty="0">
-                <a:solidFill>
-                  <a:srgbClr val="F7B217"/>
-                </a:solidFill>
-              </a:rPr>
-              <a:t>tatarnikov:x:1001:1002:,,,:/home/</a:t>
-            </a:r>
-            <a:r>
-              <a:rPr lang="en-US" sz="2400" b="1" dirty="0" err="1">
-                <a:solidFill>
-                  <a:srgbClr val="F7B217"/>
-                </a:solidFill>
-              </a:rPr>
-              <a:t>tatarnikov</a:t>
-            </a:r>
-            <a:r>
-              <a:rPr lang="en-US" sz="2400" b="1" dirty="0">
-                <a:solidFill>
-                  <a:srgbClr val="F7B217"/>
-                </a:solidFill>
-              </a:rPr>
-              <a:t>:/bin/bash</a:t>
-            </a:r>
-          </a:p>
-          <a:p>
-            <a:r>
-              <a:rPr lang="en-US" sz="2400" b="1" dirty="0">
-                <a:solidFill>
-                  <a:srgbClr val="F7B217"/>
-                </a:solidFill>
-              </a:rPr>
-              <a:t>chgena:x:1002:1003:,,,:/home/</a:t>
-            </a:r>
-            <a:r>
-              <a:rPr lang="en-US" sz="2400" b="1" dirty="0" err="1">
-                <a:solidFill>
-                  <a:srgbClr val="F7B217"/>
-                </a:solidFill>
-              </a:rPr>
-              <a:t>chgena</a:t>
-            </a:r>
-            <a:r>
-              <a:rPr lang="en-US" sz="2400" b="1" dirty="0">
-                <a:solidFill>
-                  <a:srgbClr val="F7B217"/>
-                </a:solidFill>
-              </a:rPr>
-              <a:t>:/bin/bash</a:t>
-            </a:r>
           </a:p>
         </p:txBody>
       </p:sp>
     </p:spTree>
     <p:extLst>
       <p:ext uri="{BB962C8B-B14F-4D97-AF65-F5344CB8AC3E}">
-        <p14:creationId xmlns:p14="http://schemas.microsoft.com/office/powerpoint/2010/main" val="748968562"/>
+        <p14:creationId xmlns:p14="http://schemas.microsoft.com/office/powerpoint/2010/main" val="113659813"/>
       </p:ext>
     </p:extLst>
   </p:cSld>
@@ -6110,96 +9651,145 @@
             <p:ph idx="1"/>
           </p:nvPr>
         </p:nvSpPr>
-        <p:spPr/>
+        <p:spPr>
+          <a:xfrm>
+            <a:off x="838200" y="1178053"/>
+            <a:ext cx="10515600" cy="5351956"/>
+          </a:xfrm>
+        </p:spPr>
         <p:txBody>
           <a:bodyPr>
-            <a:normAutofit/>
+            <a:normAutofit lnSpcReduction="10000"/>
           </a:bodyPr>
           <a:lstStyle/>
           <a:p>
-            <a:pPr>
-              <a:spcBef>
-                <a:spcPts val="1800"/>
-              </a:spcBef>
+            <a:r>
+              <a:rPr lang="en-US" b="1" dirty="0" err="1" smtClean="0"/>
+              <a:t>passwd</a:t>
+            </a:r>
+            <a:r>
+              <a:rPr lang="en-US" b="1" dirty="0" smtClean="0"/>
+              <a:t> </a:t>
+            </a:r>
+            <a:r>
+              <a:rPr lang="en-US" dirty="0" smtClean="0"/>
+              <a:t>– set password</a:t>
+            </a:r>
+          </a:p>
+          <a:p>
+            <a:r>
+              <a:rPr lang="en-US" b="1" dirty="0" err="1" smtClean="0"/>
+              <a:t>useradd</a:t>
+            </a:r>
+            <a:r>
+              <a:rPr lang="en-US" b="1" dirty="0" smtClean="0"/>
+              <a:t> </a:t>
+            </a:r>
+            <a:r>
+              <a:rPr lang="en-US" dirty="0"/>
+              <a:t>– </a:t>
+            </a:r>
+            <a:r>
+              <a:rPr lang="en-US" dirty="0" smtClean="0"/>
+              <a:t>add user</a:t>
+            </a:r>
+            <a:endParaRPr lang="en-US" b="1" dirty="0" smtClean="0"/>
+          </a:p>
+          <a:p>
+            <a:r>
+              <a:rPr lang="en-US" b="1" dirty="0" err="1" smtClean="0"/>
+              <a:t>userdel</a:t>
+            </a:r>
+            <a:r>
+              <a:rPr lang="en-US" b="1" dirty="0" smtClean="0"/>
+              <a:t> </a:t>
+            </a:r>
+            <a:r>
+              <a:rPr lang="en-US" dirty="0"/>
+              <a:t>– </a:t>
+            </a:r>
+            <a:r>
+              <a:rPr lang="en-US" dirty="0" smtClean="0"/>
+              <a:t>delete user</a:t>
+            </a:r>
+          </a:p>
+          <a:p>
+            <a:r>
+              <a:rPr lang="en-US" b="1" dirty="0" err="1" smtClean="0"/>
+              <a:t>usermod</a:t>
+            </a:r>
+            <a:r>
+              <a:rPr lang="en-US" b="1" dirty="0" smtClean="0"/>
+              <a:t> </a:t>
+            </a:r>
+            <a:r>
+              <a:rPr lang="en-US" dirty="0"/>
+              <a:t>– </a:t>
+            </a:r>
+            <a:r>
+              <a:rPr lang="en-US" dirty="0" smtClean="0"/>
+              <a:t>modify user</a:t>
+            </a:r>
+            <a:endParaRPr lang="en-US" dirty="0"/>
+          </a:p>
+          <a:p>
+            <a:r>
+              <a:rPr lang="en-US" b="1" dirty="0" err="1" smtClean="0"/>
+              <a:t>groupadd</a:t>
+            </a:r>
+            <a:r>
+              <a:rPr lang="en-US" b="1" dirty="0" smtClean="0"/>
+              <a:t> </a:t>
+            </a:r>
+            <a:r>
+              <a:rPr lang="en-US" dirty="0"/>
+              <a:t>– </a:t>
+            </a:r>
+            <a:r>
+              <a:rPr lang="en-US" dirty="0" smtClean="0"/>
+              <a:t>add group</a:t>
+            </a:r>
+          </a:p>
+          <a:p>
+            <a:r>
+              <a:rPr lang="en-US" b="1" dirty="0" err="1" smtClean="0"/>
+              <a:t>groupdel</a:t>
+            </a:r>
+            <a:r>
+              <a:rPr lang="en-US" b="1" dirty="0" smtClean="0"/>
+              <a:t> –</a:t>
+            </a:r>
+            <a:r>
+              <a:rPr lang="en-US" dirty="0" smtClean="0"/>
+              <a:t> delete group</a:t>
+            </a:r>
+          </a:p>
+          <a:p>
+            <a:r>
+              <a:rPr lang="en-US" b="1" dirty="0" err="1" smtClean="0"/>
+              <a:t>groupmod</a:t>
+            </a:r>
+            <a:r>
+              <a:rPr lang="en-US" b="1" dirty="0" smtClean="0"/>
+              <a:t> </a:t>
+            </a:r>
+            <a:r>
+              <a:rPr lang="en-US" dirty="0" smtClean="0"/>
+              <a:t>– modify group</a:t>
+            </a:r>
+          </a:p>
+          <a:p>
+            <a:endParaRPr lang="en-US" dirty="0"/>
+          </a:p>
+          <a:p>
+            <a:pPr marL="0" indent="0">
+              <a:buNone/>
             </a:pPr>
             <a:r>
-              <a:rPr lang="en-US" dirty="0" smtClean="0"/>
-              <a:t>Model “user-group-others”</a:t>
-            </a:r>
-          </a:p>
-          <a:p>
-            <a:pPr>
-              <a:spcBef>
-                <a:spcPts val="1800"/>
-              </a:spcBef>
-            </a:pPr>
-            <a:r>
-              <a:rPr lang="en-US" dirty="0" smtClean="0"/>
-              <a:t>If the process UID matches the file UID</a:t>
-            </a:r>
-            <a:r>
-              <a:rPr lang="ru-RU" dirty="0" smtClean="0"/>
-              <a:t>, </a:t>
-            </a:r>
-            <a:r>
-              <a:rPr lang="en-US" dirty="0" smtClean="0"/>
-              <a:t>the set of </a:t>
-            </a:r>
-            <a:r>
-              <a:rPr lang="en-US" b="1" dirty="0" smtClean="0"/>
-              <a:t>user</a:t>
-            </a:r>
-            <a:r>
-              <a:rPr lang="en-US" dirty="0" smtClean="0"/>
-              <a:t> rights is used</a:t>
-            </a:r>
-          </a:p>
-          <a:p>
-            <a:pPr>
-              <a:spcBef>
-                <a:spcPts val="1800"/>
-              </a:spcBef>
-            </a:pPr>
-            <a:r>
-              <a:rPr lang="en-US" dirty="0" smtClean="0"/>
-              <a:t>If one of the process GIDs matches the file GID</a:t>
-            </a:r>
-            <a:r>
-              <a:rPr lang="ru-RU" dirty="0" smtClean="0"/>
-              <a:t>, </a:t>
-            </a:r>
-            <a:r>
-              <a:rPr lang="en-US" dirty="0" smtClean="0"/>
-              <a:t>the set of </a:t>
-            </a:r>
-            <a:r>
-              <a:rPr lang="en-US" b="1" dirty="0" smtClean="0"/>
-              <a:t>group</a:t>
-            </a:r>
-            <a:r>
-              <a:rPr lang="en-US" dirty="0" smtClean="0"/>
-              <a:t> rights is taken</a:t>
-            </a:r>
-          </a:p>
-          <a:p>
-            <a:pPr>
-              <a:spcBef>
-                <a:spcPts val="1800"/>
-              </a:spcBef>
-            </a:pPr>
-            <a:r>
-              <a:rPr lang="en-US" dirty="0" smtClean="0"/>
-              <a:t>Otherwise the set of </a:t>
-            </a:r>
-            <a:r>
-              <a:rPr lang="en-US" b="1" dirty="0" smtClean="0"/>
-              <a:t>other</a:t>
-            </a:r>
-            <a:r>
-              <a:rPr lang="en-US" dirty="0" smtClean="0"/>
-              <a:t> rights is taken</a:t>
-            </a:r>
-            <a:endParaRPr lang="en-US" dirty="0"/>
+              <a:rPr lang="en-US" i="1" dirty="0" smtClean="0"/>
+              <a:t>To be covered in the workshop</a:t>
+            </a:r>
+            <a:endParaRPr lang="en-US" i="1" dirty="0"/>
           </a:p>
         </p:txBody>
       </p:sp>
@@ -6245,27 +9835,7 @@
           <a:p>
             <a:r>
               <a:rPr lang="en-US" dirty="0" smtClean="0"/>
-              <a:t>D</a:t>
-            </a:r>
-            <a:r>
-              <a:rPr lang="ru-RU" dirty="0" smtClean="0"/>
-              <a:t>iscretionary </a:t>
-            </a:r>
-            <a:r>
-              <a:rPr lang="en-US" dirty="0" smtClean="0"/>
-              <a:t>A</a:t>
-            </a:r>
-            <a:r>
-              <a:rPr lang="ru-RU" dirty="0" smtClean="0"/>
-              <a:t>ccess </a:t>
-            </a:r>
-            <a:r>
-              <a:rPr lang="en-US" dirty="0" smtClean="0"/>
-              <a:t>C</a:t>
-            </a:r>
-            <a:r>
-              <a:rPr lang="ru-RU" dirty="0" smtClean="0"/>
-              <a:t>ontrol</a:t>
+              <a:t>Utilities to Manager Users and Groups</a:t>
             </a:r>
             <a:endParaRPr lang="en-US" dirty="0"/>
           </a:p>
@@ -6274,13 +9844,20 @@
     </p:spTree>
     <p:extLst>
       <p:ext uri="{BB962C8B-B14F-4D97-AF65-F5344CB8AC3E}">
-        <p14:creationId xmlns:p14="http://schemas.microsoft.com/office/powerpoint/2010/main" val="524659839"/>
+        <p14:creationId xmlns:p14="http://schemas.microsoft.com/office/powerpoint/2010/main" val="1310036905"/>
       </p:ext>
     </p:extLst>
   </p:cSld>
   <p:clrMapOvr>
     <a:masterClrMapping/>
   </p:clrMapOvr>
+  <p:timing>
+    <p:tnLst>
+      <p:par>
+        <p:cTn id="1" dur="indefinite" restart="never" nodeType="tmRoot"/>
+      </p:par>
+    </p:tnLst>
+  </p:timing>
 </p:sld>
 </file>
 
@@ -6313,223 +9890,127 @@
         </p:nvSpPr>
         <p:spPr>
           <a:xfrm>
-            <a:off x="798443" y="999151"/>
-            <a:ext cx="10830340" cy="5671206"/>
+            <a:off x="838200" y="1178053"/>
+            <a:ext cx="10515600" cy="5367126"/>
           </a:xfrm>
         </p:spPr>
         <p:txBody>
           <a:bodyPr>
-            <a:normAutofit/>
+            <a:normAutofit lnSpcReduction="10000"/>
           </a:bodyPr>
           <a:lstStyle/>
           <a:p>
-            <a:r>
-              <a:rPr lang="ru-RU" b="1" dirty="0"/>
-              <a:t>r</a:t>
-            </a:r>
-            <a:r>
-              <a:rPr lang="ru-RU" dirty="0" smtClean="0"/>
-              <a:t>,</a:t>
-            </a:r>
+            <a:pPr marL="0" indent="0" algn="ctr">
+              <a:buNone/>
+            </a:pPr>
+            <a:r>
+              <a:rPr lang="en-US" b="1" i="1" dirty="0" smtClean="0"/>
+              <a:t>Attributes</a:t>
+            </a:r>
+          </a:p>
+          <a:p>
             <a:r>
               <a:rPr lang="en-US" dirty="0" smtClean="0"/>
-              <a:t> </a:t>
-            </a:r>
-            <a:r>
-              <a:rPr lang="ru-RU" b="1" dirty="0" smtClean="0"/>
-              <a:t>w</a:t>
-            </a:r>
-            <a:r>
-              <a:rPr lang="ru-RU" dirty="0" smtClean="0"/>
-              <a:t>,</a:t>
+              <a:t>Real </a:t>
+            </a:r>
+            <a:r>
+              <a:rPr lang="en-US" dirty="0"/>
+              <a:t>user ID and group </a:t>
             </a:r>
             <a:r>
               <a:rPr lang="en-US" dirty="0" smtClean="0"/>
-              <a:t> </a:t>
-            </a:r>
-            <a:r>
-              <a:rPr lang="ru-RU" b="1" dirty="0" smtClean="0"/>
-              <a:t>x</a:t>
-            </a:r>
-            <a:r>
-              <a:rPr lang="ru-RU" dirty="0" smtClean="0"/>
-              <a:t> — </a:t>
-            </a:r>
+              <a:t>ID</a:t>
+            </a:r>
+            <a:endParaRPr lang="en-US" dirty="0"/>
+          </a:p>
+          <a:p>
             <a:r>
               <a:rPr lang="en-US" dirty="0" smtClean="0"/>
-              <a:t>interpretation is different for folders and files</a:t>
-            </a:r>
-          </a:p>
-          <a:p>
+              <a:t>Effective </a:t>
+            </a:r>
+            <a:r>
+              <a:rPr lang="en-US" dirty="0"/>
+              <a:t>user ID and group </a:t>
+            </a:r>
             <a:r>
               <a:rPr lang="en-US" dirty="0" smtClean="0"/>
-              <a:t>Files:</a:t>
-            </a:r>
-          </a:p>
-          <a:p>
-            <a:pPr lvl="1"/>
-            <a:r>
-              <a:rPr lang="ru-RU" b="1" dirty="0" smtClean="0"/>
-              <a:t>r</a:t>
-            </a:r>
-            <a:r>
-              <a:rPr lang="ru-RU" dirty="0" smtClean="0"/>
-              <a:t> </a:t>
-            </a:r>
-            <a:r>
-              <a:rPr lang="ru-RU" dirty="0"/>
-              <a:t>— </a:t>
-            </a:r>
+              <a:t>ID</a:t>
+            </a:r>
+            <a:endParaRPr lang="en-US" dirty="0"/>
+          </a:p>
+          <a:p>
             <a:r>
               <a:rPr lang="en-US" dirty="0" smtClean="0"/>
-              <a:t>right to read from file</a:t>
-            </a:r>
-          </a:p>
-          <a:p>
-            <a:pPr lvl="1"/>
-            <a:r>
-              <a:rPr lang="ru-RU" b="1" dirty="0" smtClean="0"/>
-              <a:t>w</a:t>
-            </a:r>
-            <a:r>
-              <a:rPr lang="ru-RU" dirty="0" smtClean="0"/>
-              <a:t> — </a:t>
+              <a:t>Saved </a:t>
+            </a:r>
+            <a:r>
+              <a:rPr lang="en-US" dirty="0"/>
+              <a:t>set-user-ID and saved </a:t>
             </a:r>
             <a:r>
               <a:rPr lang="en-US" dirty="0" smtClean="0"/>
-              <a:t>right to write to file</a:t>
-            </a:r>
-          </a:p>
-          <a:p>
-            <a:pPr lvl="1"/>
-            <a:r>
-              <a:rPr lang="ru-RU" b="1" dirty="0" smtClean="0"/>
-              <a:t>x</a:t>
-            </a:r>
-            <a:r>
-              <a:rPr lang="ru-RU" dirty="0" smtClean="0"/>
-              <a:t> </a:t>
-            </a:r>
-            <a:r>
-              <a:rPr lang="ru-RU" dirty="0"/>
-              <a:t>— </a:t>
-            </a:r>
+              <a:t>set-group-ID</a:t>
+            </a:r>
+            <a:endParaRPr lang="en-US" dirty="0"/>
+          </a:p>
+          <a:p>
             <a:r>
               <a:rPr lang="en-US" dirty="0" smtClean="0"/>
-              <a:t>right to execute a file</a:t>
-            </a:r>
-          </a:p>
-          <a:p>
+              <a:t>File-system </a:t>
+            </a:r>
+            <a:r>
+              <a:rPr lang="en-US" dirty="0"/>
+              <a:t>user ID and group ID (Linux-specific</a:t>
+            </a:r>
             <a:r>
               <a:rPr lang="en-US" dirty="0" smtClean="0"/>
-              <a:t>Folders:</a:t>
-            </a:r>
-          </a:p>
-          <a:p>
-            <a:pPr lvl="1"/>
-            <a:r>
-              <a:rPr lang="ru-RU" b="1" dirty="0" smtClean="0"/>
-              <a:t>r</a:t>
-            </a:r>
-            <a:r>
-              <a:rPr lang="ru-RU" dirty="0" smtClean="0"/>
-              <a:t> </a:t>
-            </a:r>
-            <a:r>
-              <a:rPr lang="ru-RU" dirty="0"/>
-              <a:t>— </a:t>
-            </a:r>
+              <a:t>)</a:t>
+            </a:r>
+            <a:endParaRPr lang="en-US" dirty="0"/>
+          </a:p>
+          <a:p>
             <a:r>
               <a:rPr lang="en-US" dirty="0" smtClean="0"/>
-              <a:t>right to read the list of files</a:t>
-            </a:r>
-          </a:p>
-          <a:p>
-            <a:pPr lvl="1"/>
-            <a:r>
-              <a:rPr lang="ru-RU" b="1" dirty="0" smtClean="0"/>
-              <a:t>w</a:t>
-            </a:r>
-            <a:r>
-              <a:rPr lang="ru-RU" dirty="0" smtClean="0"/>
-              <a:t> </a:t>
-            </a:r>
-            <a:r>
-              <a:rPr lang="ru-RU" dirty="0"/>
-              <a:t>— </a:t>
+              <a:t>Supplementary </a:t>
+            </a:r>
+            <a:r>
+              <a:rPr lang="en-US" dirty="0"/>
+              <a:t>group </a:t>
             </a:r>
             <a:r>
               <a:rPr lang="en-US" dirty="0" smtClean="0"/>
-              <a:t>right to modify the list of files </a:t>
-            </a:r>
-            <a:r>
-              <a:rPr lang="ru-RU" dirty="0" smtClean="0"/>
-              <a:t>(</a:t>
-            </a:r>
-            <a:r>
-              <a:rPr lang="en-US" dirty="0" smtClean="0"/>
-              <a:t>create</a:t>
-            </a:r>
-            <a:r>
-              <a:rPr lang="ru-RU" dirty="0" smtClean="0"/>
-              <a:t>, </a:t>
-            </a:r>
-            <a:r>
-              <a:rPr lang="en-US" dirty="0" smtClean="0"/>
-              <a:t>delete</a:t>
-            </a:r>
-            <a:r>
-              <a:rPr lang="ru-RU" dirty="0" smtClean="0"/>
-              <a:t>, </a:t>
-            </a:r>
-            <a:r>
-              <a:rPr lang="en-US" dirty="0" smtClean="0"/>
-              <a:t>rename</a:t>
-            </a:r>
-            <a:r>
-              <a:rPr lang="ru-RU" dirty="0" smtClean="0"/>
-              <a:t>)</a:t>
-            </a:r>
-            <a:endParaRPr lang="en-US" dirty="0" smtClean="0"/>
-          </a:p>
-          <a:p>
-            <a:pPr lvl="1"/>
-            <a:r>
-              <a:rPr lang="ru-RU" b="1" dirty="0" smtClean="0"/>
-              <a:t>x</a:t>
-            </a:r>
-            <a:r>
-              <a:rPr lang="ru-RU" dirty="0" smtClean="0"/>
-              <a:t> </a:t>
-            </a:r>
-            <a:r>
-              <a:rPr lang="ru-RU" dirty="0"/>
-              <a:t>— </a:t>
-            </a:r>
-            <a:r>
-              <a:rPr lang="en-US" dirty="0" smtClean="0"/>
-              <a:t>right to find the specified file name</a:t>
-            </a:r>
-          </a:p>
-          <a:p>
-            <a:pPr lvl="2"/>
-            <a:r>
-              <a:rPr lang="en-US" dirty="0" smtClean="0"/>
-              <a:t>E.g. </a:t>
-            </a:r>
-            <a:r>
-              <a:rPr lang="ru-RU" dirty="0" smtClean="0"/>
-              <a:t>''--</a:t>
-            </a:r>
-            <a:r>
-              <a:rPr lang="ru-RU" dirty="0"/>
-              <a:t>x'' </a:t>
-            </a:r>
-            <a:r>
-              <a:rPr lang="en-US" dirty="0" smtClean="0"/>
-              <a:t>means a users cannot see the list of file name, but can access specific files if he knows their names</a:t>
-            </a:r>
-            <a:endParaRPr lang="en-US" dirty="0"/>
+              <a:t>IDs</a:t>
+            </a:r>
+          </a:p>
+          <a:p>
+            <a:pPr marL="0" indent="0" algn="ctr">
+              <a:buNone/>
+            </a:pPr>
+            <a:r>
+              <a:rPr lang="en-US" b="1" i="1" dirty="0" smtClean="0"/>
+              <a:t>Utilities</a:t>
+            </a:r>
+            <a:endParaRPr lang="en-US" b="1" i="1" dirty="0"/>
+          </a:p>
+          <a:p>
+            <a:r>
+              <a:rPr lang="en-US" dirty="0" err="1"/>
+              <a:t>su</a:t>
+            </a:r>
+            <a:r>
+              <a:rPr lang="en-US" dirty="0"/>
+              <a:t> - run a command with substitute user and group ID</a:t>
+            </a:r>
+          </a:p>
+          <a:p>
+            <a:r>
+              <a:rPr lang="en-US" dirty="0" err="1"/>
+              <a:t>sudo</a:t>
+            </a:r>
+            <a:r>
+              <a:rPr lang="en-US" dirty="0"/>
+              <a:t> — execute a command as another user</a:t>
+            </a:r>
           </a:p>
         </p:txBody>
       </p:sp>
@@ -6575,7 +10056,7 @@
           <a:p>
             <a:r>
               <a:rPr lang="en-US" dirty="0" smtClean="0"/>
-              <a:t>Access Rights</a:t>
+              <a:t>Process Credentials</a:t>
             </a:r>
             <a:endParaRPr lang="en-US" dirty="0"/>
           </a:p>
@@ -6584,20 +10065,13 @@
     </p:spTree>
     <p:extLst>
       <p:ext uri="{BB962C8B-B14F-4D97-AF65-F5344CB8AC3E}">
-        <p14:creationId xmlns:p14="http://schemas.microsoft.com/office/powerpoint/2010/main" val="1084160374"/>
+        <p14:creationId xmlns:p14="http://schemas.microsoft.com/office/powerpoint/2010/main" val="3985296545"/>
       </p:ext>
     </p:extLst>
   </p:cSld>
   <p:clrMapOvr>
     <a:masterClrMapping/>
   </p:clrMapOvr>
-  <p:timing>
-    <p:tnLst>
-      <p:par>
-        <p:cTn id="1" dur="indefinite" restart="never" nodeType="tmRoot"/>
-      </p:par>
-    </p:tnLst>
-  </p:timing>
 </p:sld>
 </file>
 
@@ -6628,12 +10102,7 @@
             <p:ph idx="1"/>
           </p:nvPr>
         </p:nvSpPr>
-        <p:spPr>
-          <a:xfrm>
-            <a:off x="838200" y="1178053"/>
-            <a:ext cx="10515600" cy="5492304"/>
-          </a:xfrm>
-        </p:spPr>
+        <p:spPr/>
         <p:txBody>
           <a:bodyPr>
             <a:normAutofit/>
@@ -6641,67 +10110,87 @@
           <a:lstStyle/>
           <a:p>
             <a:pPr>
-              <a:lnSpc>
-                <a:spcPct val="100000"/>
-              </a:lnSpc>
+              <a:spcBef>
+                <a:spcPts val="1800"/>
+              </a:spcBef>
             </a:pPr>
             <a:r>
               <a:rPr lang="en-US" dirty="0" smtClean="0"/>
-              <a:t>Utility “ls”</a:t>
+              <a:t>Model “user-group-others”</a:t>
             </a:r>
           </a:p>
           <a:p>
             <a:pPr>
-              <a:lnSpc>
-                <a:spcPct val="100000"/>
-              </a:lnSpc>
+              <a:spcBef>
+                <a:spcPts val="1800"/>
+              </a:spcBef>
             </a:pPr>
-            <a:endParaRPr lang="en-US" dirty="0" smtClean="0"/>
+            <a:r>
+              <a:rPr lang="en-US" dirty="0" smtClean="0"/>
+              <a:t>If the process UID matches the file UID</a:t>
+            </a:r>
+            <a:r>
+              <a:rPr lang="ru-RU" dirty="0" smtClean="0"/>
+              <a:t>, </a:t>
+            </a:r>
+            <a:r>
+              <a:rPr lang="en-US" dirty="0" smtClean="0"/>
+              <a:t>the set of </a:t>
+            </a:r>
+            <a:r>
+              <a:rPr lang="en-US" b="1" dirty="0" smtClean="0"/>
+              <a:t>user</a:t>
+            </a:r>
+            <a:r>
+              <a:rPr lang="en-US" dirty="0" smtClean="0"/>
+              <a:t> rights is used</a:t>
+            </a:r>
           </a:p>
           <a:p>
             <a:pPr>
-              <a:lnSpc>
-                <a:spcPct val="100000"/>
-              </a:lnSpc>
+              <a:spcBef>
+                <a:spcPts val="1800"/>
+              </a:spcBef>
             </a:pPr>
-            <a:endParaRPr lang="en-US" dirty="0" smtClean="0"/>
+            <a:r>
+              <a:rPr lang="en-US" dirty="0" smtClean="0"/>
+              <a:t>If one of the process GIDs matches the file GID</a:t>
+            </a:r>
+            <a:r>
+              <a:rPr lang="ru-RU" dirty="0" smtClean="0"/>
+              <a:t>, </a:t>
+            </a:r>
+            <a:r>
+              <a:rPr lang="en-US" dirty="0" smtClean="0"/>
+              <a:t>the set of </a:t>
+            </a:r>
+            <a:r>
+              <a:rPr lang="en-US" b="1" dirty="0" smtClean="0"/>
+              <a:t>group</a:t>
+            </a:r>
+            <a:r>
+              <a:rPr lang="en-US" dirty="0" smtClean="0"/>
+              <a:t> rights is taken</a:t>
+            </a:r>
           </a:p>
           <a:p>
             <a:pPr>
-              <a:lnSpc>
-                <a:spcPct val="100000"/>
-              </a:lnSpc>
+              <a:spcBef>
+                <a:spcPts val="1800"/>
+              </a:spcBef>
             </a:pPr>
-            <a:endParaRPr lang="en-US" dirty="0"/>
-          </a:p>
-          <a:p>
-            <a:pPr>
-              <a:lnSpc>
-                <a:spcPct val="100000"/>
-              </a:lnSpc>
-            </a:pPr>
-            <a:endParaRPr lang="en-US" dirty="0" smtClean="0"/>
-          </a:p>
-          <a:p>
-            <a:pPr>
-              <a:lnSpc>
-                <a:spcPct val="100000"/>
-              </a:lnSpc>
-            </a:pPr>
             <a:r>
               <a:rPr lang="en-US" dirty="0" smtClean="0"/>
-              <a:t>Utility “</a:t>
-            </a:r>
-            <a:r>
-              <a:rPr lang="en-US" dirty="0" err="1" smtClean="0"/>
-              <a:t>chmod</a:t>
+              <a:t>Otherwise the set of </a:t>
+            </a:r>
+            <a:r>
+              <a:rPr lang="en-US" b="1" dirty="0" smtClean="0"/>
+              <a:t>other</a:t>
             </a:r>
             <a:r>
               <a:rPr lang="en-US" dirty="0" smtClean="0"/>
-              <a:t>”</a:t>
-            </a:r>
-          </a:p>
-          <a:p>
+              <a:t> rights is taken</a:t>
+            </a:r>
             <a:endParaRPr lang="en-US" dirty="0"/>
           </a:p>
         </p:txBody>
@@ -6743,508 +10232,41 @@
         </p:nvSpPr>
         <p:spPr/>
         <p:txBody>
-          <a:bodyPr>
-            <a:normAutofit/>
-          </a:bodyPr>
+          <a:bodyPr/>
           <a:lstStyle/>
           <a:p>
             <a:r>
               <a:rPr lang="en-US" dirty="0" smtClean="0"/>
-              <a:t>Getting and Setting Permissions</a:t>
+              <a:t>D</a:t>
+            </a:r>
+            <a:r>
+              <a:rPr lang="ru-RU" dirty="0" smtClean="0"/>
+              <a:t>iscretionary </a:t>
+            </a:r>
+            <a:r>
+              <a:rPr lang="en-US" dirty="0" smtClean="0"/>
+              <a:t>A</a:t>
+            </a:r>
+            <a:r>
+              <a:rPr lang="ru-RU" dirty="0" smtClean="0"/>
+              <a:t>ccess </a:t>
+            </a:r>
+            <a:r>
+              <a:rPr lang="en-US" dirty="0" smtClean="0"/>
+              <a:t>C</a:t>
+            </a:r>
+            <a:r>
+              <a:rPr lang="ru-RU" dirty="0" smtClean="0"/>
+              <a:t>ontrol</a:t>
             </a:r>
             <a:endParaRPr lang="en-US" dirty="0"/>
-          </a:p>
-        </p:txBody>
-      </p:sp>
-      <p:sp>
-        <p:nvSpPr>
-          <p:cNvPr id="5" name="Rectangle 4"/>
-          <p:cNvSpPr/>
-          <p:nvPr/>
-        </p:nvSpPr>
-        <p:spPr>
-          <a:xfrm>
-            <a:off x="2918793" y="1873363"/>
-            <a:ext cx="6682409" cy="1938992"/>
-          </a:xfrm>
-          <a:prstGeom prst="rect">
-            <a:avLst/>
-          </a:prstGeom>
-          <a:solidFill>
-            <a:srgbClr val="2F5CB5"/>
-          </a:solidFill>
-        </p:spPr>
-        <p:txBody>
-          <a:bodyPr wrap="square">
-            <a:spAutoFit/>
-          </a:bodyPr>
-          <a:lstStyle/>
-          <a:p>
-            <a:r>
-              <a:rPr lang="en-US" sz="2000" b="1" dirty="0">
-                <a:solidFill>
-                  <a:srgbClr val="F7B217"/>
-                </a:solidFill>
-              </a:rPr>
-              <a:t>tatarnikov@akos:/home$ cd </a:t>
-            </a:r>
-            <a:r>
-              <a:rPr lang="en-US" sz="2000" b="1" dirty="0" err="1">
-                <a:solidFill>
-                  <a:srgbClr val="F7B217"/>
-                </a:solidFill>
-              </a:rPr>
-              <a:t>tatarnikov</a:t>
-            </a:r>
-            <a:r>
-              <a:rPr lang="en-US" sz="2000" b="1" dirty="0">
-                <a:solidFill>
-                  <a:srgbClr val="F7B217"/>
-                </a:solidFill>
-              </a:rPr>
-              <a:t>/hello/</a:t>
-            </a:r>
-          </a:p>
-          <a:p>
-            <a:r>
-              <a:rPr lang="en-US" sz="2000" b="1" dirty="0">
-                <a:solidFill>
-                  <a:srgbClr val="F7B217"/>
-                </a:solidFill>
-              </a:rPr>
-              <a:t>tatarnikov@akos:~/hello$ ls -l</a:t>
-            </a:r>
-          </a:p>
-          <a:p>
-            <a:r>
-              <a:rPr lang="en-US" sz="2000" b="1" dirty="0">
-                <a:solidFill>
-                  <a:srgbClr val="F7B217"/>
-                </a:solidFill>
-              </a:rPr>
-              <a:t>total 28</a:t>
-            </a:r>
-          </a:p>
-          <a:p>
-            <a:r>
-              <a:rPr lang="en-US" sz="2000" b="1" dirty="0">
-                <a:solidFill>
-                  <a:srgbClr val="F7B217"/>
-                </a:solidFill>
-              </a:rPr>
-              <a:t>-</a:t>
-            </a:r>
-            <a:r>
-              <a:rPr lang="en-US" sz="2000" b="1" dirty="0" err="1">
-                <a:solidFill>
-                  <a:srgbClr val="F7B217"/>
-                </a:solidFill>
-              </a:rPr>
-              <a:t>rwxrwxr</a:t>
-            </a:r>
-            <a:r>
-              <a:rPr lang="en-US" sz="2000" b="1" dirty="0">
-                <a:solidFill>
-                  <a:srgbClr val="F7B217"/>
-                </a:solidFill>
-              </a:rPr>
-              <a:t>-x 1 </a:t>
-            </a:r>
-            <a:r>
-              <a:rPr lang="en-US" sz="2000" b="1" dirty="0" err="1">
-                <a:solidFill>
-                  <a:srgbClr val="F7B217"/>
-                </a:solidFill>
-              </a:rPr>
-              <a:t>tatarnikov</a:t>
-            </a:r>
-            <a:r>
-              <a:rPr lang="en-US" sz="2000" b="1" dirty="0">
-                <a:solidFill>
-                  <a:srgbClr val="F7B217"/>
-                </a:solidFill>
-              </a:rPr>
-              <a:t> </a:t>
-            </a:r>
-            <a:r>
-              <a:rPr lang="en-US" sz="2000" b="1" dirty="0" err="1">
-                <a:solidFill>
-                  <a:srgbClr val="F7B217"/>
-                </a:solidFill>
-              </a:rPr>
-              <a:t>tatarnikov</a:t>
-            </a:r>
-            <a:r>
-              <a:rPr lang="en-US" sz="2000" b="1" dirty="0">
-                <a:solidFill>
-                  <a:srgbClr val="F7B217"/>
-                </a:solidFill>
-              </a:rPr>
-              <a:t> 16696 Apr 12 15:52 hello</a:t>
-            </a:r>
-          </a:p>
-          <a:p>
-            <a:r>
-              <a:rPr lang="en-US" sz="2000" b="1" dirty="0">
-                <a:solidFill>
-                  <a:srgbClr val="F7B217"/>
-                </a:solidFill>
-              </a:rPr>
-              <a:t>-</a:t>
-            </a:r>
-            <a:r>
-              <a:rPr lang="en-US" sz="2000" b="1" dirty="0" err="1">
-                <a:solidFill>
-                  <a:srgbClr val="F7B217"/>
-                </a:solidFill>
-              </a:rPr>
-              <a:t>rw</a:t>
-            </a:r>
-            <a:r>
-              <a:rPr lang="en-US" sz="2000" b="1" dirty="0">
-                <a:solidFill>
-                  <a:srgbClr val="F7B217"/>
-                </a:solidFill>
-              </a:rPr>
-              <a:t>-</a:t>
-            </a:r>
-            <a:r>
-              <a:rPr lang="en-US" sz="2000" b="1" dirty="0" err="1">
-                <a:solidFill>
-                  <a:srgbClr val="F7B217"/>
-                </a:solidFill>
-              </a:rPr>
-              <a:t>rw</a:t>
-            </a:r>
-            <a:r>
-              <a:rPr lang="en-US" sz="2000" b="1" dirty="0">
-                <a:solidFill>
-                  <a:srgbClr val="F7B217"/>
-                </a:solidFill>
-              </a:rPr>
-              <a:t>-r-- 1 </a:t>
-            </a:r>
-            <a:r>
-              <a:rPr lang="en-US" sz="2000" b="1" dirty="0" err="1">
-                <a:solidFill>
-                  <a:srgbClr val="F7B217"/>
-                </a:solidFill>
-              </a:rPr>
-              <a:t>tatarnikov</a:t>
-            </a:r>
-            <a:r>
-              <a:rPr lang="en-US" sz="2000" b="1" dirty="0">
-                <a:solidFill>
-                  <a:srgbClr val="F7B217"/>
-                </a:solidFill>
-              </a:rPr>
-              <a:t> </a:t>
-            </a:r>
-            <a:r>
-              <a:rPr lang="en-US" sz="2000" b="1" dirty="0" err="1">
-                <a:solidFill>
-                  <a:srgbClr val="F7B217"/>
-                </a:solidFill>
-              </a:rPr>
-              <a:t>tatarnikov</a:t>
-            </a:r>
-            <a:r>
-              <a:rPr lang="en-US" sz="2000" b="1" dirty="0">
-                <a:solidFill>
-                  <a:srgbClr val="F7B217"/>
-                </a:solidFill>
-              </a:rPr>
-              <a:t>    71 Apr 12 15:50 </a:t>
-            </a:r>
-            <a:r>
-              <a:rPr lang="en-US" sz="2000" b="1" dirty="0" err="1">
-                <a:solidFill>
-                  <a:srgbClr val="F7B217"/>
-                </a:solidFill>
-              </a:rPr>
-              <a:t>hello.c</a:t>
-            </a:r>
-            <a:endParaRPr lang="en-US" sz="2000" b="1" dirty="0">
-              <a:solidFill>
-                <a:srgbClr val="F7B217"/>
-              </a:solidFill>
-            </a:endParaRPr>
-          </a:p>
-          <a:p>
-            <a:r>
-              <a:rPr lang="en-US" sz="2000" b="1" dirty="0">
-                <a:solidFill>
-                  <a:srgbClr val="F7B217"/>
-                </a:solidFill>
-              </a:rPr>
-              <a:t>-</a:t>
-            </a:r>
-            <a:r>
-              <a:rPr lang="en-US" sz="2000" b="1" dirty="0" err="1">
-                <a:solidFill>
-                  <a:srgbClr val="F7B217"/>
-                </a:solidFill>
-              </a:rPr>
-              <a:t>rw</a:t>
-            </a:r>
-            <a:r>
-              <a:rPr lang="en-US" sz="2000" b="1" dirty="0">
-                <a:solidFill>
-                  <a:srgbClr val="F7B217"/>
-                </a:solidFill>
-              </a:rPr>
-              <a:t>-</a:t>
-            </a:r>
-            <a:r>
-              <a:rPr lang="en-US" sz="2000" b="1" dirty="0" err="1">
-                <a:solidFill>
-                  <a:srgbClr val="F7B217"/>
-                </a:solidFill>
-              </a:rPr>
-              <a:t>rw</a:t>
-            </a:r>
-            <a:r>
-              <a:rPr lang="en-US" sz="2000" b="1" dirty="0">
-                <a:solidFill>
-                  <a:srgbClr val="F7B217"/>
-                </a:solidFill>
-              </a:rPr>
-              <a:t>-r-- 1 </a:t>
-            </a:r>
-            <a:r>
-              <a:rPr lang="en-US" sz="2000" b="1" dirty="0" err="1">
-                <a:solidFill>
-                  <a:srgbClr val="F7B217"/>
-                </a:solidFill>
-              </a:rPr>
-              <a:t>tatarnikov</a:t>
-            </a:r>
-            <a:r>
-              <a:rPr lang="en-US" sz="2000" b="1" dirty="0">
-                <a:solidFill>
-                  <a:srgbClr val="F7B217"/>
-                </a:solidFill>
-              </a:rPr>
-              <a:t> </a:t>
-            </a:r>
-            <a:r>
-              <a:rPr lang="en-US" sz="2000" b="1" dirty="0" err="1">
-                <a:solidFill>
-                  <a:srgbClr val="F7B217"/>
-                </a:solidFill>
-              </a:rPr>
-              <a:t>tatarnikov</a:t>
-            </a:r>
-            <a:r>
-              <a:rPr lang="en-US" sz="2000" b="1" dirty="0">
-                <a:solidFill>
-                  <a:srgbClr val="F7B217"/>
-                </a:solidFill>
-              </a:rPr>
-              <a:t>    56 Apr 12 15:51 </a:t>
-            </a:r>
-            <a:r>
-              <a:rPr lang="en-US" sz="2000" b="1" dirty="0" err="1">
-                <a:solidFill>
-                  <a:srgbClr val="F7B217"/>
-                </a:solidFill>
-              </a:rPr>
-              <a:t>Makefile</a:t>
-            </a:r>
-            <a:endParaRPr lang="en-US" sz="2000" b="1" dirty="0">
-              <a:solidFill>
-                <a:srgbClr val="F7B217"/>
-              </a:solidFill>
-            </a:endParaRPr>
-          </a:p>
-        </p:txBody>
-      </p:sp>
-      <p:sp>
-        <p:nvSpPr>
-          <p:cNvPr id="7" name="Rectangle 6"/>
-          <p:cNvSpPr/>
-          <p:nvPr/>
-        </p:nvSpPr>
-        <p:spPr>
-          <a:xfrm>
-            <a:off x="2918791" y="5422301"/>
-            <a:ext cx="6682409" cy="1015663"/>
-          </a:xfrm>
-          <a:prstGeom prst="rect">
-            <a:avLst/>
-          </a:prstGeom>
-          <a:solidFill>
-            <a:srgbClr val="2F5CB5"/>
-          </a:solidFill>
-          <a:ln>
-            <a:solidFill>
-              <a:srgbClr val="2F5CB5"/>
-            </a:solidFill>
-          </a:ln>
-        </p:spPr>
-        <p:txBody>
-          <a:bodyPr wrap="square">
-            <a:spAutoFit/>
-          </a:bodyPr>
-          <a:lstStyle/>
-          <a:p>
-            <a:r>
-              <a:rPr lang="en-US" sz="2000" b="1" dirty="0">
-                <a:solidFill>
-                  <a:srgbClr val="F7B217"/>
-                </a:solidFill>
-              </a:rPr>
-              <a:t>tatarnikov@akos:~/hello$ </a:t>
-            </a:r>
-            <a:r>
-              <a:rPr lang="en-US" sz="2000" b="1" dirty="0" err="1">
-                <a:solidFill>
-                  <a:srgbClr val="F7B217"/>
-                </a:solidFill>
-              </a:rPr>
-              <a:t>chmod</a:t>
-            </a:r>
-            <a:r>
-              <a:rPr lang="en-US" sz="2000" b="1" dirty="0">
-                <a:solidFill>
-                  <a:srgbClr val="F7B217"/>
-                </a:solidFill>
-              </a:rPr>
-              <a:t> </a:t>
-            </a:r>
-            <a:r>
-              <a:rPr lang="en-US" sz="2000" b="1" dirty="0" err="1">
-                <a:solidFill>
-                  <a:srgbClr val="F7B217"/>
-                </a:solidFill>
-              </a:rPr>
-              <a:t>o+w</a:t>
-            </a:r>
-            <a:r>
-              <a:rPr lang="en-US" sz="2000" b="1" dirty="0">
-                <a:solidFill>
-                  <a:srgbClr val="F7B217"/>
-                </a:solidFill>
-              </a:rPr>
-              <a:t> </a:t>
-            </a:r>
-            <a:r>
-              <a:rPr lang="en-US" sz="2000" b="1" dirty="0" err="1">
-                <a:solidFill>
-                  <a:srgbClr val="F7B217"/>
-                </a:solidFill>
-              </a:rPr>
-              <a:t>hello.c</a:t>
-            </a:r>
-            <a:endParaRPr lang="en-US" sz="2000" b="1" dirty="0">
-              <a:solidFill>
-                <a:srgbClr val="F7B217"/>
-              </a:solidFill>
-            </a:endParaRPr>
-          </a:p>
-          <a:p>
-            <a:r>
-              <a:rPr lang="en-US" sz="2000" b="1" dirty="0">
-                <a:solidFill>
-                  <a:srgbClr val="F7B217"/>
-                </a:solidFill>
-              </a:rPr>
-              <a:t>tatarnikov@akos:~/hello$ ls </a:t>
-            </a:r>
-            <a:r>
-              <a:rPr lang="en-US" sz="2000" b="1" dirty="0" err="1">
-                <a:solidFill>
-                  <a:srgbClr val="F7B217"/>
-                </a:solidFill>
-              </a:rPr>
-              <a:t>hello.c</a:t>
-            </a:r>
-            <a:r>
-              <a:rPr lang="en-US" sz="2000" b="1" dirty="0">
-                <a:solidFill>
-                  <a:srgbClr val="F7B217"/>
-                </a:solidFill>
-              </a:rPr>
-              <a:t> -l</a:t>
-            </a:r>
-          </a:p>
-          <a:p>
-            <a:r>
-              <a:rPr lang="en-US" sz="2000" b="1" dirty="0">
-                <a:solidFill>
-                  <a:srgbClr val="F7B217"/>
-                </a:solidFill>
-              </a:rPr>
-              <a:t>-</a:t>
-            </a:r>
-            <a:r>
-              <a:rPr lang="en-US" sz="2000" b="1" dirty="0" err="1">
-                <a:solidFill>
-                  <a:srgbClr val="F7B217"/>
-                </a:solidFill>
-              </a:rPr>
-              <a:t>rw-rw-rw</a:t>
-            </a:r>
-            <a:r>
-              <a:rPr lang="en-US" sz="2000" b="1" dirty="0">
-                <a:solidFill>
-                  <a:srgbClr val="F7B217"/>
-                </a:solidFill>
-              </a:rPr>
-              <a:t>- 1 </a:t>
-            </a:r>
-            <a:r>
-              <a:rPr lang="en-US" sz="2000" b="1" dirty="0" err="1">
-                <a:solidFill>
-                  <a:srgbClr val="F7B217"/>
-                </a:solidFill>
-              </a:rPr>
-              <a:t>tatarnikov</a:t>
-            </a:r>
-            <a:r>
-              <a:rPr lang="en-US" sz="2000" b="1" dirty="0">
-                <a:solidFill>
-                  <a:srgbClr val="F7B217"/>
-                </a:solidFill>
-              </a:rPr>
-              <a:t> </a:t>
-            </a:r>
-            <a:r>
-              <a:rPr lang="en-US" sz="2000" b="1" dirty="0" err="1">
-                <a:solidFill>
-                  <a:srgbClr val="F7B217"/>
-                </a:solidFill>
-              </a:rPr>
-              <a:t>tatarnikov</a:t>
-            </a:r>
-            <a:r>
-              <a:rPr lang="en-US" sz="2000" b="1" dirty="0">
-                <a:solidFill>
-                  <a:srgbClr val="F7B217"/>
-                </a:solidFill>
-              </a:rPr>
-              <a:t> 71 Apr 12 15:50 </a:t>
-            </a:r>
-            <a:r>
-              <a:rPr lang="en-US" sz="2000" b="1" dirty="0" err="1">
-                <a:solidFill>
-                  <a:srgbClr val="F7B217"/>
-                </a:solidFill>
-              </a:rPr>
-              <a:t>hello.c</a:t>
-            </a:r>
-            <a:endParaRPr lang="en-US" sz="2000" b="1" dirty="0">
-              <a:solidFill>
-                <a:srgbClr val="F7B217"/>
-              </a:solidFill>
-            </a:endParaRPr>
           </a:p>
         </p:txBody>
       </p:sp>
     </p:spTree>
     <p:extLst>
       <p:ext uri="{BB962C8B-B14F-4D97-AF65-F5344CB8AC3E}">
-        <p14:creationId xmlns:p14="http://schemas.microsoft.com/office/powerpoint/2010/main" val="2707664117"/>
+        <p14:creationId xmlns:p14="http://schemas.microsoft.com/office/powerpoint/2010/main" val="524659839"/>
       </p:ext>
     </p:extLst>
   </p:cSld>
@@ -7288,7 +10310,12 @@
             <p:ph idx="1"/>
           </p:nvPr>
         </p:nvSpPr>
-        <p:spPr/>
+        <p:spPr>
+          <a:xfrm>
+            <a:off x="798443" y="999151"/>
+            <a:ext cx="10830340" cy="5671206"/>
+          </a:xfrm>
+        </p:spPr>
         <p:txBody>
           <a:bodyPr>
             <a:normAutofit/>
@@ -7296,71 +10323,212 @@
           <a:lstStyle/>
           <a:p>
             <a:r>
-              <a:rPr lang="en-US" sz="4000" b="1" dirty="0" smtClean="0"/>
-              <a:t>u</a:t>
-            </a:r>
-            <a:r>
-              <a:rPr lang="en-US" sz="4000" dirty="0" smtClean="0"/>
+              <a:rPr lang="ru-RU" b="1" dirty="0"/>
+              <a:t>r</a:t>
+            </a:r>
+            <a:r>
+              <a:rPr lang="ru-RU" dirty="0" smtClean="0"/>
+              <a:t>,</a:t>
+            </a:r>
+            <a:r>
+              <a:rPr lang="en-US" dirty="0" smtClean="0"/>
               <a:t> </a:t>
             </a:r>
             <a:r>
-              <a:rPr lang="en-US" sz="4000" dirty="0"/>
-              <a:t>– Owner</a:t>
-            </a:r>
-          </a:p>
-          <a:p>
-            <a:r>
-              <a:rPr lang="en-US" sz="4000" b="1" dirty="0"/>
-              <a:t>g</a:t>
-            </a:r>
-            <a:r>
-              <a:rPr lang="en-US" sz="4000" dirty="0"/>
-              <a:t> – Group</a:t>
-            </a:r>
-          </a:p>
-          <a:p>
-            <a:r>
-              <a:rPr lang="en-US" sz="4000" b="1" dirty="0"/>
-              <a:t>o</a:t>
-            </a:r>
-            <a:r>
-              <a:rPr lang="en-US" sz="4000" dirty="0"/>
-              <a:t> – Others</a:t>
-            </a:r>
-          </a:p>
-          <a:p>
-            <a:r>
-              <a:rPr lang="en-US" sz="4000" b="1" dirty="0"/>
-              <a:t>a</a:t>
-            </a:r>
-            <a:r>
-              <a:rPr lang="en-US" sz="4000" dirty="0"/>
-              <a:t> – All U</a:t>
-            </a:r>
-            <a:r>
-              <a:rPr lang="en-US" sz="4000" dirty="0" smtClean="0"/>
-              <a:t>sers</a:t>
-            </a:r>
-          </a:p>
-          <a:p>
+              <a:rPr lang="ru-RU" b="1" dirty="0" smtClean="0"/>
+              <a:t>w</a:t>
+            </a:r>
+            <a:r>
+              <a:rPr lang="ru-RU" dirty="0" smtClean="0"/>
+              <a:t>,</a:t>
+            </a:r>
+            <a:r>
+              <a:rPr lang="en-US" dirty="0" smtClean="0"/>
+              <a:t> </a:t>
+            </a:r>
+            <a:r>
+              <a:rPr lang="ru-RU" b="1" dirty="0" smtClean="0"/>
+              <a:t>x</a:t>
+            </a:r>
+            <a:r>
+              <a:rPr lang="ru-RU" dirty="0" smtClean="0"/>
+              <a:t> — </a:t>
+            </a:r>
+            <a:r>
+              <a:rPr lang="en-US" dirty="0" smtClean="0"/>
+              <a:t>interpretation is different for folders and files</a:t>
+            </a:r>
+          </a:p>
+          <a:p>
+            <a:r>
+              <a:rPr lang="en-US" dirty="0" smtClean="0"/>
+              <a:t>Files:</a:t>
+            </a:r>
+          </a:p>
+          <a:p>
+            <a:pPr lvl="1"/>
+            <a:r>
+              <a:rPr lang="ru-RU" b="1" dirty="0" smtClean="0"/>
+              <a:t>r</a:t>
+            </a:r>
+            <a:r>
+              <a:rPr lang="ru-RU" dirty="0" smtClean="0"/>
+              <a:t> </a:t>
+            </a:r>
+            <a:r>
+              <a:rPr lang="ru-RU" dirty="0"/>
+              <a:t>— </a:t>
+            </a:r>
+            <a:r>
+              <a:rPr lang="en-US" dirty="0" smtClean="0"/>
+              <a:t>right to read from file</a:t>
+            </a:r>
+          </a:p>
+          <a:p>
+            <a:pPr lvl="1"/>
+            <a:r>
+              <a:rPr lang="ru-RU" b="1" dirty="0" smtClean="0"/>
+              <a:t>w</a:t>
+            </a:r>
+            <a:r>
+              <a:rPr lang="ru-RU" dirty="0" smtClean="0"/>
+              <a:t> — </a:t>
+            </a:r>
+            <a:r>
+              <a:rPr lang="en-US" dirty="0" smtClean="0"/>
+              <a:t>right to write to file</a:t>
+            </a:r>
+          </a:p>
+          <a:p>
+            <a:pPr lvl="1"/>
+            <a:r>
+              <a:rPr lang="ru-RU" b="1" dirty="0" smtClean="0"/>
+              <a:t>x</a:t>
+            </a:r>
+            <a:r>
+              <a:rPr lang="ru-RU" dirty="0" smtClean="0"/>
+              <a:t> </a:t>
+            </a:r>
+            <a:r>
+              <a:rPr lang="ru-RU" dirty="0"/>
+              <a:t>— </a:t>
+            </a:r>
+            <a:r>
+              <a:rPr lang="en-US" dirty="0" smtClean="0"/>
+              <a:t>right to execute a file</a:t>
+            </a:r>
+          </a:p>
+          <a:p>
+            <a:r>
+              <a:rPr lang="en-US" dirty="0" smtClean="0"/>
+              <a:t>Folders:</a:t>
+            </a:r>
+          </a:p>
+          <a:p>
+            <a:pPr lvl="1"/>
+            <a:r>
+              <a:rPr lang="ru-RU" b="1" dirty="0" smtClean="0"/>
+              <a:t>r</a:t>
+            </a:r>
+            <a:r>
+              <a:rPr lang="ru-RU" dirty="0" smtClean="0"/>
+              <a:t> </a:t>
+            </a:r>
+            <a:r>
+              <a:rPr lang="ru-RU" dirty="0"/>
+              <a:t>— </a:t>
+            </a:r>
+            <a:r>
+              <a:rPr lang="en-US" dirty="0" smtClean="0"/>
+              <a:t>right to read the list of files</a:t>
+            </a:r>
+          </a:p>
+          <a:p>
+            <a:pPr lvl="1"/>
+            <a:r>
+              <a:rPr lang="ru-RU" b="1" dirty="0" smtClean="0"/>
+              <a:t>w</a:t>
+            </a:r>
+            <a:r>
+              <a:rPr lang="ru-RU" dirty="0" smtClean="0"/>
+              <a:t> </a:t>
+            </a:r>
+            <a:r>
+              <a:rPr lang="ru-RU" dirty="0"/>
+              <a:t>— </a:t>
+            </a:r>
+            <a:r>
+              <a:rPr lang="en-US" dirty="0" smtClean="0"/>
+              <a:t>right to modify the list of files </a:t>
+            </a:r>
+            <a:r>
+              <a:rPr lang="ru-RU" dirty="0" smtClean="0"/>
+              <a:t>(</a:t>
+            </a:r>
+            <a:r>
+              <a:rPr lang="en-US" dirty="0" smtClean="0"/>
+              <a:t>create</a:t>
+            </a:r>
+            <a:r>
+              <a:rPr lang="ru-RU" dirty="0" smtClean="0"/>
+              <a:t>, </a:t>
+            </a:r>
+            <a:r>
+              <a:rPr lang="en-US" dirty="0" smtClean="0"/>
+              <a:t>delete</a:t>
+            </a:r>
+            <a:r>
+              <a:rPr lang="ru-RU" dirty="0" smtClean="0"/>
+              <a:t>, </a:t>
+            </a:r>
+            <a:r>
+              <a:rPr lang="en-US" dirty="0" smtClean="0"/>
+              <a:t>rename</a:t>
+            </a:r>
+            <a:r>
+              <a:rPr lang="ru-RU" dirty="0" smtClean="0"/>
+              <a:t>)</a:t>
+            </a:r>
+            <a:endParaRPr lang="en-US" dirty="0" smtClean="0"/>
+          </a:p>
+          <a:p>
+            <a:pPr lvl="1"/>
+            <a:r>
+              <a:rPr lang="ru-RU" b="1" dirty="0" smtClean="0"/>
+              <a:t>x</a:t>
+            </a:r>
+            <a:r>
+              <a:rPr lang="ru-RU" dirty="0" smtClean="0"/>
+              <a:t> </a:t>
+            </a:r>
+            <a:r>
+              <a:rPr lang="ru-RU" dirty="0"/>
+              <a:t>— </a:t>
+            </a:r>
+            <a:r>
+              <a:rPr lang="en-US" dirty="0" smtClean="0"/>
+              <a:t>right to find the specified file name</a:t>
+            </a:r>
+          </a:p>
+          <a:p>
+            <a:pPr lvl="2"/>
+            <a:r>
+              <a:rPr lang="en-US" dirty="0" smtClean="0"/>
+              <a:t>E.g. </a:t>
+            </a:r>
+            <a:r>
+              <a:rPr lang="ru-RU" dirty="0" smtClean="0"/>
+              <a:t>''--</a:t>
+            </a:r>
+            <a:r>
+              <a:rPr lang="ru-RU" dirty="0"/>
+              <a:t>x'' </a:t>
+            </a:r>
+            <a:r>
+              <a:rPr lang="en-US" dirty="0" smtClean="0"/>
+              <a:t>means a users cannot see the list of file name, but can access specific files if he knows their names</a:t>
+            </a:r>
             <a:endParaRPr lang="en-US" dirty="0"/>
-          </a:p>
-          <a:p>
-            <a:pPr marL="0" indent="0">
-              <a:buNone/>
-            </a:pPr>
-            <a:r>
-              <a:rPr lang="en-US" sz="3200" i="1" dirty="0"/>
-              <a:t>The </a:t>
-            </a:r>
-            <a:r>
-              <a:rPr lang="en-US" sz="3200" i="1" dirty="0" smtClean="0"/>
-              <a:t>permission assignment are: </a:t>
-            </a:r>
-            <a:r>
-              <a:rPr lang="en-US" sz="3200" i="1" dirty="0"/>
-              <a:t>+ (plus) and – (minus); these are used to tell the system whether to add or remove the specific permissions.</a:t>
-            </a:r>
           </a:p>
         </p:txBody>
       </p:sp>
@@ -7406,7 +10574,7 @@
           <a:p>
             <a:r>
               <a:rPr lang="en-US" dirty="0" smtClean="0"/>
-              <a:t>Permission Groups</a:t>
+              <a:t>Access Rights</a:t>
             </a:r>
             <a:endParaRPr lang="en-US" dirty="0"/>
           </a:p>
@@ -7415,7 +10583,7 @@
     </p:spTree>
     <p:extLst>
       <p:ext uri="{BB962C8B-B14F-4D97-AF65-F5344CB8AC3E}">
-        <p14:creationId xmlns:p14="http://schemas.microsoft.com/office/powerpoint/2010/main" val="503571275"/>
+        <p14:creationId xmlns:p14="http://schemas.microsoft.com/office/powerpoint/2010/main" val="1084160374"/>
       </p:ext>
     </p:extLst>
   </p:cSld>
